--- a/PPT/KwonHH/RODEO_Replay for Online Object Detection.pptx
+++ b/PPT/KwonHH/RODEO_Replay for Online Object Detection.pptx
@@ -5,7 +5,7 @@
     <p:sldMasterId id="2147483786" r:id="rId1"/>
   </p:sldMasterIdLst>
   <p:notesMasterIdLst>
-    <p:notesMasterId r:id="rId22"/>
+    <p:notesMasterId r:id="rId21"/>
   </p:notesMasterIdLst>
   <p:sldIdLst>
     <p:sldId id="260" r:id="rId2"/>
@@ -13,21 +13,20 @@
     <p:sldId id="263" r:id="rId4"/>
     <p:sldId id="285" r:id="rId5"/>
     <p:sldId id="288" r:id="rId6"/>
-    <p:sldId id="289" r:id="rId7"/>
-    <p:sldId id="286" r:id="rId8"/>
-    <p:sldId id="287" r:id="rId9"/>
-    <p:sldId id="290" r:id="rId10"/>
-    <p:sldId id="291" r:id="rId11"/>
-    <p:sldId id="294" r:id="rId12"/>
-    <p:sldId id="295" r:id="rId13"/>
-    <p:sldId id="296" r:id="rId14"/>
-    <p:sldId id="299" r:id="rId15"/>
-    <p:sldId id="301" r:id="rId16"/>
-    <p:sldId id="303" r:id="rId17"/>
-    <p:sldId id="305" r:id="rId18"/>
-    <p:sldId id="304" r:id="rId19"/>
-    <p:sldId id="306" r:id="rId20"/>
-    <p:sldId id="284" r:id="rId21"/>
+    <p:sldId id="286" r:id="rId7"/>
+    <p:sldId id="287" r:id="rId8"/>
+    <p:sldId id="290" r:id="rId9"/>
+    <p:sldId id="291" r:id="rId10"/>
+    <p:sldId id="294" r:id="rId11"/>
+    <p:sldId id="295" r:id="rId12"/>
+    <p:sldId id="296" r:id="rId13"/>
+    <p:sldId id="299" r:id="rId14"/>
+    <p:sldId id="301" r:id="rId15"/>
+    <p:sldId id="303" r:id="rId16"/>
+    <p:sldId id="305" r:id="rId17"/>
+    <p:sldId id="304" r:id="rId18"/>
+    <p:sldId id="306" r:id="rId19"/>
+    <p:sldId id="284" r:id="rId20"/>
   </p:sldIdLst>
   <p:sldSz cx="12192000" cy="6858000"/>
   <p:notesSz cx="6858000" cy="9144000"/>
@@ -128,7 +127,7 @@
   </p:defaultTextStyle>
   <p:extLst>
     <p:ext uri="{EFAFB233-063F-42B5-8137-9DF3F51BA10A}">
-      <p15:sldGuideLst xmlns:p15="http://schemas.microsoft.com/office/powerpoint/2012/main" xmlns="">
+      <p15:sldGuideLst xmlns="" xmlns:p15="http://schemas.microsoft.com/office/powerpoint/2012/main">
         <p15:guide id="1" orient="horz" pos="2160" userDrawn="1">
           <p15:clr>
             <a:srgbClr val="A4A3A4"/>
@@ -227,7 +226,7 @@
           <a:p>
             <a:fld id="{01EC5BCF-402A-4C17-B82D-211B67DD7F02}" type="datetimeFigureOut">
               <a:rPr lang="ko-KR" altLang="en-US" smtClean="0"/>
-              <a:t>2020-09-07</a:t>
+              <a:t>2020-09-08</a:t>
             </a:fld>
             <a:endParaRPr lang="ko-KR" altLang="en-US"/>
           </a:p>
@@ -677,7 +676,7 @@
           <a:p>
             <a:fld id="{0D668032-7F44-4622-84A2-98A0204CD942}" type="datetime1">
               <a:rPr lang="ko-KR" altLang="en-US" smtClean="0"/>
-              <a:t>2020-09-07</a:t>
+              <a:t>2020-09-08</a:t>
             </a:fld>
             <a:endParaRPr lang="ko-KR" altLang="en-US"/>
           </a:p>
@@ -952,7 +951,7 @@
           <a:p>
             <a:fld id="{4EE30446-07C7-4AD5-B14C-9A498ECC06A0}" type="datetime1">
               <a:rPr lang="ko-KR" altLang="en-US" smtClean="0"/>
-              <a:t>2020-09-07</a:t>
+              <a:t>2020-09-08</a:t>
             </a:fld>
             <a:endParaRPr lang="ko-KR" altLang="en-US"/>
           </a:p>
@@ -1147,7 +1146,7 @@
           <a:p>
             <a:fld id="{4EE30446-07C7-4AD5-B14C-9A498ECC06A0}" type="datetime1">
               <a:rPr lang="ko-KR" altLang="en-US" smtClean="0"/>
-              <a:t>2020-09-07</a:t>
+              <a:t>2020-09-08</a:t>
             </a:fld>
             <a:endParaRPr lang="ko-KR" altLang="en-US"/>
           </a:p>
@@ -1416,7 +1415,7 @@
           <a:p>
             <a:fld id="{4EE30446-07C7-4AD5-B14C-9A498ECC06A0}" type="datetime1">
               <a:rPr lang="ko-KR" altLang="en-US" smtClean="0"/>
-              <a:t>2020-09-07</a:t>
+              <a:t>2020-09-08</a:t>
             </a:fld>
             <a:endParaRPr lang="ko-KR" altLang="en-US"/>
           </a:p>
@@ -1749,7 +1748,7 @@
           <a:p>
             <a:fld id="{4EE30446-07C7-4AD5-B14C-9A498ECC06A0}" type="datetime1">
               <a:rPr lang="ko-KR" altLang="en-US" smtClean="0"/>
-              <a:t>2020-09-07</a:t>
+              <a:t>2020-09-08</a:t>
             </a:fld>
             <a:endParaRPr lang="ko-KR" altLang="en-US"/>
           </a:p>
@@ -2360,7 +2359,7 @@
           <a:p>
             <a:fld id="{4EE30446-07C7-4AD5-B14C-9A498ECC06A0}" type="datetime1">
               <a:rPr lang="ko-KR" altLang="en-US" smtClean="0"/>
-              <a:t>2020-09-07</a:t>
+              <a:t>2020-09-08</a:t>
             </a:fld>
             <a:endParaRPr lang="ko-KR" altLang="en-US"/>
           </a:p>
@@ -3208,7 +3207,7 @@
           <a:p>
             <a:fld id="{4EE30446-07C7-4AD5-B14C-9A498ECC06A0}" type="datetime1">
               <a:rPr lang="ko-KR" altLang="en-US" smtClean="0"/>
-              <a:t>2020-09-07</a:t>
+              <a:t>2020-09-08</a:t>
             </a:fld>
             <a:endParaRPr lang="ko-KR" altLang="en-US"/>
           </a:p>
@@ -3379,7 +3378,7 @@
           <a:p>
             <a:fld id="{BC56DFC2-1B94-4106-8C92-180F9AEC3946}" type="datetime1">
               <a:rPr lang="ko-KR" altLang="en-US" smtClean="0"/>
-              <a:t>2020-09-07</a:t>
+              <a:t>2020-09-08</a:t>
             </a:fld>
             <a:endParaRPr lang="ko-KR" altLang="en-US"/>
           </a:p>
@@ -3559,7 +3558,7 @@
           <a:p>
             <a:fld id="{D3DF8D6F-B369-40FC-8C9C-A8A5BE79581F}" type="datetime1">
               <a:rPr lang="ko-KR" altLang="en-US" smtClean="0"/>
-              <a:t>2020-09-07</a:t>
+              <a:t>2020-09-08</a:t>
             </a:fld>
             <a:endParaRPr lang="ko-KR" altLang="en-US"/>
           </a:p>
@@ -3729,7 +3728,7 @@
           <a:p>
             <a:fld id="{602BA26E-92CC-42C5-B9C3-2C6AA837D258}" type="datetime1">
               <a:rPr lang="ko-KR" altLang="en-US" smtClean="0"/>
-              <a:t>2020-09-07</a:t>
+              <a:t>2020-09-08</a:t>
             </a:fld>
             <a:endParaRPr lang="ko-KR" altLang="en-US"/>
           </a:p>
@@ -3973,7 +3972,7 @@
           <a:p>
             <a:fld id="{759A663F-45F0-442D-9DDE-59D48C2E6D74}" type="datetime1">
               <a:rPr lang="ko-KR" altLang="en-US" smtClean="0"/>
-              <a:t>2020-09-07</a:t>
+              <a:t>2020-09-08</a:t>
             </a:fld>
             <a:endParaRPr lang="ko-KR" altLang="en-US"/>
           </a:p>
@@ -4265,7 +4264,7 @@
           <a:p>
             <a:fld id="{6B8FC963-3001-468E-8DA5-94CEAA888BAF}" type="datetime1">
               <a:rPr lang="ko-KR" altLang="en-US" smtClean="0"/>
-              <a:t>2020-09-07</a:t>
+              <a:t>2020-09-08</a:t>
             </a:fld>
             <a:endParaRPr lang="ko-KR" altLang="en-US"/>
           </a:p>
@@ -4703,7 +4702,7 @@
           <a:p>
             <a:fld id="{FDCBA276-39DE-4E7A-9E1D-A3B5CFCB1182}" type="datetime1">
               <a:rPr lang="ko-KR" altLang="en-US" smtClean="0"/>
-              <a:t>2020-09-07</a:t>
+              <a:t>2020-09-08</a:t>
             </a:fld>
             <a:endParaRPr lang="ko-KR" altLang="en-US"/>
           </a:p>
@@ -4821,7 +4820,7 @@
           <a:p>
             <a:fld id="{6F5E3371-5DCE-4659-8ABC-BED1AEABA2AF}" type="datetime1">
               <a:rPr lang="ko-KR" altLang="en-US" smtClean="0"/>
-              <a:t>2020-09-07</a:t>
+              <a:t>2020-09-08</a:t>
             </a:fld>
             <a:endParaRPr lang="ko-KR" altLang="en-US"/>
           </a:p>
@@ -4916,7 +4915,7 @@
           <a:p>
             <a:fld id="{65D681DA-12E2-4E6F-A8BB-C304269E6D87}" type="datetime1">
               <a:rPr lang="ko-KR" altLang="en-US" smtClean="0"/>
-              <a:t>2020-09-07</a:t>
+              <a:t>2020-09-08</a:t>
             </a:fld>
             <a:endParaRPr lang="ko-KR" altLang="en-US"/>
           </a:p>
@@ -5195,7 +5194,7 @@
           <a:p>
             <a:fld id="{7CB36532-3A4A-4E10-8339-685CC268EE19}" type="datetime1">
               <a:rPr lang="ko-KR" altLang="en-US" smtClean="0"/>
-              <a:t>2020-09-07</a:t>
+              <a:t>2020-09-08</a:t>
             </a:fld>
             <a:endParaRPr lang="ko-KR" altLang="en-US"/>
           </a:p>
@@ -5470,7 +5469,7 @@
           <a:p>
             <a:fld id="{A6586821-F665-4E5B-82FB-B5F1000731F6}" type="datetime1">
               <a:rPr lang="ko-KR" altLang="en-US" smtClean="0"/>
-              <a:t>2020-09-07</a:t>
+              <a:t>2020-09-08</a:t>
             </a:fld>
             <a:endParaRPr lang="ko-KR" altLang="en-US"/>
           </a:p>
@@ -5899,7 +5898,7 @@
           <a:p>
             <a:fld id="{4EE30446-07C7-4AD5-B14C-9A498ECC06A0}" type="datetime1">
               <a:rPr lang="ko-KR" altLang="en-US" smtClean="0"/>
-              <a:t>2020-09-07</a:t>
+              <a:t>2020-09-08</a:t>
             </a:fld>
             <a:endParaRPr lang="ko-KR" altLang="en-US"/>
           </a:p>
@@ -6406,7 +6405,7 @@
           <p:cNvPr id="1024" name="슬라이드 번호 개체 틀 1023">
             <a:extLst>
               <a:ext uri="{FF2B5EF4-FFF2-40B4-BE49-F238E27FC236}">
-                <a16:creationId xmlns:a16="http://schemas.microsoft.com/office/drawing/2014/main" xmlns="" id="{D7ECFDE3-EB78-4198-B1C1-7576EBEBD0EA}"/>
+                <a16:creationId xmlns="" xmlns:a16="http://schemas.microsoft.com/office/drawing/2014/main" id="{D7ECFDE3-EB78-4198-B1C1-7576EBEBD0EA}"/>
               </a:ext>
             </a:extLst>
           </p:cNvPr>
@@ -6440,7 +6439,7 @@
           <p:cNvPr id="2" name="TextBox 1">
             <a:extLst>
               <a:ext uri="{FF2B5EF4-FFF2-40B4-BE49-F238E27FC236}">
-                <a16:creationId xmlns:a16="http://schemas.microsoft.com/office/drawing/2014/main" xmlns="" id="{592AB3E2-093B-4442-A4B6-E7C00B8613A2}"/>
+                <a16:creationId xmlns="" xmlns:a16="http://schemas.microsoft.com/office/drawing/2014/main" id="{592AB3E2-093B-4442-A4B6-E7C00B8613A2}"/>
               </a:ext>
             </a:extLst>
           </p:cNvPr>
@@ -6639,94 +6638,10 @@
       </p:grpSpPr>
       <p:sp>
         <p:nvSpPr>
-          <p:cNvPr id="129" name="직사각형 128">
-            <a:extLst>
-              <a:ext uri="{FF2B5EF4-FFF2-40B4-BE49-F238E27FC236}">
-                <a16:creationId xmlns:a16="http://schemas.microsoft.com/office/drawing/2014/main" xmlns="" id="{5F0B186A-DCA6-449E-954A-F4F42CC0D592}"/>
-              </a:ext>
-            </a:extLst>
-          </p:cNvPr>
-          <p:cNvSpPr/>
-          <p:nvPr/>
-        </p:nvSpPr>
-        <p:spPr>
-          <a:xfrm>
-            <a:off x="191342" y="160720"/>
-            <a:ext cx="4991065" cy="741040"/>
-          </a:xfrm>
-          <a:prstGeom prst="rect">
-            <a:avLst/>
-          </a:prstGeom>
-          <a:noFill/>
-          <a:ln>
-            <a:noFill/>
-          </a:ln>
-        </p:spPr>
-        <p:style>
-          <a:lnRef idx="2">
-            <a:schemeClr val="accent1">
-              <a:shade val="50000"/>
-            </a:schemeClr>
-          </a:lnRef>
-          <a:fillRef idx="1">
-            <a:schemeClr val="accent1"/>
-          </a:fillRef>
-          <a:effectRef idx="0">
-            <a:schemeClr val="accent1"/>
-          </a:effectRef>
-          <a:fontRef idx="minor">
-            <a:schemeClr val="lt1"/>
-          </a:fontRef>
-        </p:style>
-        <p:txBody>
-          <a:bodyPr rtlCol="0" anchor="ctr"/>
-          <a:lstStyle/>
-          <a:p>
-            <a:r>
-              <a:rPr lang="en-US" altLang="ko-KR" sz="3600" b="1" dirty="0" smtClean="0">
-                <a:solidFill>
-                  <a:srgbClr val="FFC000"/>
-                </a:solidFill>
-                <a:latin typeface="+mj-ea"/>
-                <a:ea typeface="+mj-ea"/>
-              </a:rPr>
-              <a:t>  02</a:t>
-            </a:r>
-          </a:p>
-          <a:p>
-            <a:r>
-              <a:rPr lang="en-US" altLang="ko-KR" sz="1100" b="1" dirty="0" smtClean="0">
-                <a:solidFill>
-                  <a:srgbClr val="FFC000"/>
-                </a:solidFill>
-                <a:latin typeface="+mj-ea"/>
-                <a:ea typeface="+mj-ea"/>
-              </a:rPr>
-              <a:t>RODEO </a:t>
-            </a:r>
-            <a:r>
-              <a:rPr lang="ko-KR" altLang="en-US" sz="1100" b="1" dirty="0" smtClean="0">
-                <a:solidFill>
-                  <a:srgbClr val="FFC000"/>
-                </a:solidFill>
-                <a:latin typeface="+mj-ea"/>
-                <a:ea typeface="+mj-ea"/>
-              </a:rPr>
-              <a:t>학습과정</a:t>
-            </a:r>
-            <a:endParaRPr lang="ko-KR" altLang="en-US" sz="2000" b="1" dirty="0">
-              <a:latin typeface="+mj-ea"/>
-              <a:ea typeface="+mj-ea"/>
-            </a:endParaRPr>
-          </a:p>
-        </p:txBody>
-      </p:sp>
-      <p:sp>
-        <p:nvSpPr>
           <p:cNvPr id="1024" name="슬라이드 번호 개체 틀 1023">
             <a:extLst>
               <a:ext uri="{FF2B5EF4-FFF2-40B4-BE49-F238E27FC236}">
-                <a16:creationId xmlns:a16="http://schemas.microsoft.com/office/drawing/2014/main" xmlns="" id="{D7ECFDE3-EB78-4198-B1C1-7576EBEBD0EA}"/>
+                <a16:creationId xmlns="" xmlns:a16="http://schemas.microsoft.com/office/drawing/2014/main" id="{D7ECFDE3-EB78-4198-B1C1-7576EBEBD0EA}"/>
               </a:ext>
             </a:extLst>
           </p:cNvPr>
@@ -6760,457 +6675,7 @@
           <p:cNvPr id="62" name="직사각형 61">
             <a:extLst>
               <a:ext uri="{FF2B5EF4-FFF2-40B4-BE49-F238E27FC236}">
-                <a16:creationId xmlns:a16="http://schemas.microsoft.com/office/drawing/2014/main" xmlns="" id="{70B01BF8-29D3-4D23-BC64-0489F3113852}"/>
-              </a:ext>
-            </a:extLst>
-          </p:cNvPr>
-          <p:cNvSpPr/>
-          <p:nvPr/>
-        </p:nvSpPr>
-        <p:spPr>
-          <a:xfrm>
-            <a:off x="-143" y="1019614"/>
-            <a:ext cx="12192000" cy="5256584"/>
-          </a:xfrm>
-          <a:prstGeom prst="rect">
-            <a:avLst/>
-          </a:prstGeom>
-          <a:solidFill>
-            <a:schemeClr val="tx1"/>
-          </a:solidFill>
-          <a:ln>
-            <a:noFill/>
-          </a:ln>
-        </p:spPr>
-        <p:style>
-          <a:lnRef idx="2">
-            <a:schemeClr val="accent1">
-              <a:shade val="50000"/>
-            </a:schemeClr>
-          </a:lnRef>
-          <a:fillRef idx="1">
-            <a:schemeClr val="accent1"/>
-          </a:fillRef>
-          <a:effectRef idx="0">
-            <a:schemeClr val="accent1"/>
-          </a:effectRef>
-          <a:fontRef idx="minor">
-            <a:schemeClr val="lt1"/>
-          </a:fontRef>
-        </p:style>
-        <p:txBody>
-          <a:bodyPr rtlCol="0" anchor="ctr"/>
-          <a:lstStyle/>
-          <a:p>
-            <a:pPr algn="ctr"/>
-            <a:endParaRPr lang="ko-KR" altLang="en-US"/>
-          </a:p>
-        </p:txBody>
-      </p:sp>
-      <p:pic>
-        <p:nvPicPr>
-          <p:cNvPr id="8" name="Picture 2" descr="롯데정보통신, '랄프체인'으로 블록체인 Si 솔루션 도전"/>
-          <p:cNvPicPr>
-            <a:picLocks noChangeAspect="1" noChangeArrowheads="1"/>
-          </p:cNvPicPr>
-          <p:nvPr/>
-        </p:nvPicPr>
-        <p:blipFill rotWithShape="1">
-          <a:blip r:embed="rId2" cstate="print">
-            <a:extLst>
-              <a:ext uri="{28A0092B-C50C-407E-A947-70E740481C1C}">
-                <a14:useLocalDpi xmlns:a14="http://schemas.microsoft.com/office/drawing/2010/main" val="0"/>
-              </a:ext>
-            </a:extLst>
-          </a:blip>
-          <a:srcRect t="20471"/>
-          <a:stretch/>
-        </p:blipFill>
-        <p:spPr bwMode="auto">
-          <a:xfrm>
-            <a:off x="9624392" y="116632"/>
-            <a:ext cx="2448272" cy="869700"/>
-          </a:xfrm>
-          <a:prstGeom prst="rect">
-            <a:avLst/>
-          </a:prstGeom>
-          <a:solidFill>
-            <a:srgbClr val="FF0000"/>
-          </a:solidFill>
-          <a:effectLst>
-            <a:softEdge rad="127000"/>
-          </a:effectLst>
-        </p:spPr>
-      </p:pic>
-      <p:sp>
-        <p:nvSpPr>
-          <p:cNvPr id="2" name="TextBox 1"/>
-          <p:cNvSpPr txBox="1"/>
-          <p:nvPr/>
-        </p:nvSpPr>
-        <p:spPr>
-          <a:xfrm>
-            <a:off x="551384" y="1412776"/>
-            <a:ext cx="10513168" cy="4616648"/>
-          </a:xfrm>
-          <a:prstGeom prst="rect">
-            <a:avLst/>
-          </a:prstGeom>
-          <a:noFill/>
-        </p:spPr>
-        <p:txBody>
-          <a:bodyPr wrap="square" rtlCol="0">
-            <a:spAutoFit/>
-          </a:bodyPr>
-          <a:lstStyle/>
-          <a:p>
-            <a:pPr>
-              <a:lnSpc>
-                <a:spcPct val="200000"/>
-              </a:lnSpc>
-            </a:pPr>
-            <a:r>
-              <a:rPr lang="en-US" altLang="ko-KR" dirty="0" smtClean="0">
-                <a:solidFill>
-                  <a:schemeClr val="bg1"/>
-                </a:solidFill>
-                <a:latin typeface="+mn-ea"/>
-              </a:rPr>
-              <a:t>1)  </a:t>
-            </a:r>
-            <a:r>
-              <a:rPr lang="ko-KR" altLang="en-US" dirty="0" smtClean="0">
-                <a:solidFill>
-                  <a:schemeClr val="bg1"/>
-                </a:solidFill>
-                <a:latin typeface="+mn-ea"/>
-              </a:rPr>
-              <a:t>특징</a:t>
-            </a:r>
-            <a:endParaRPr lang="en-US" altLang="ko-KR" dirty="0" smtClean="0">
-              <a:solidFill>
-                <a:schemeClr val="bg1"/>
-              </a:solidFill>
-              <a:latin typeface="+mn-ea"/>
-            </a:endParaRPr>
-          </a:p>
-          <a:p>
-            <a:pPr marL="285750" indent="-285750">
-              <a:lnSpc>
-                <a:spcPct val="300000"/>
-              </a:lnSpc>
-              <a:buFontTx/>
-              <a:buChar char="-"/>
-            </a:pPr>
-            <a:r>
-              <a:rPr lang="en-US" altLang="ko-KR" dirty="0" smtClean="0">
-                <a:solidFill>
-                  <a:schemeClr val="bg1"/>
-                </a:solidFill>
-                <a:latin typeface="+mn-ea"/>
-                <a:sym typeface="Wingdings" panose="05000000000000000000" pitchFamily="2" charset="2"/>
-              </a:rPr>
-              <a:t>Example </a:t>
-            </a:r>
-            <a:r>
-              <a:rPr lang="ko-KR" altLang="en-US" dirty="0" smtClean="0">
-                <a:solidFill>
-                  <a:schemeClr val="bg1"/>
-                </a:solidFill>
-                <a:latin typeface="+mn-ea"/>
-                <a:sym typeface="Wingdings" panose="05000000000000000000" pitchFamily="2" charset="2"/>
-              </a:rPr>
-              <a:t>을 한 번에 하나씩 학습하는 방식이 적용 </a:t>
-            </a:r>
-            <a:r>
-              <a:rPr lang="en-US" altLang="ko-KR" dirty="0" smtClean="0">
-                <a:solidFill>
-                  <a:schemeClr val="bg1"/>
-                </a:solidFill>
-                <a:latin typeface="+mn-ea"/>
-                <a:sym typeface="Wingdings" panose="05000000000000000000" pitchFamily="2" charset="2"/>
-              </a:rPr>
-              <a:t>: Online Object Detection</a:t>
-            </a:r>
-          </a:p>
-          <a:p>
-            <a:pPr marL="285750" indent="-285750">
-              <a:lnSpc>
-                <a:spcPct val="300000"/>
-              </a:lnSpc>
-              <a:buFontTx/>
-              <a:buChar char="-"/>
-            </a:pPr>
-            <a:r>
-              <a:rPr lang="ko-KR" altLang="en-US" dirty="0" smtClean="0">
-                <a:solidFill>
-                  <a:schemeClr val="bg1"/>
-                </a:solidFill>
-                <a:latin typeface="+mn-ea"/>
-                <a:sym typeface="Wingdings" panose="05000000000000000000" pitchFamily="2" charset="2"/>
-              </a:rPr>
-              <a:t>즉</a:t>
-            </a:r>
-            <a:r>
-              <a:rPr lang="en-US" altLang="ko-KR" dirty="0" smtClean="0">
-                <a:solidFill>
-                  <a:schemeClr val="bg1"/>
-                </a:solidFill>
-                <a:latin typeface="+mn-ea"/>
-                <a:sym typeface="Wingdings" panose="05000000000000000000" pitchFamily="2" charset="2"/>
-              </a:rPr>
-              <a:t>, </a:t>
-            </a:r>
-            <a:r>
-              <a:rPr lang="ko-KR" altLang="en-US" dirty="0" smtClean="0">
-                <a:solidFill>
-                  <a:schemeClr val="bg1"/>
-                </a:solidFill>
-                <a:latin typeface="+mn-ea"/>
-                <a:sym typeface="Wingdings" panose="05000000000000000000" pitchFamily="2" charset="2"/>
-              </a:rPr>
-              <a:t>새로운 </a:t>
-            </a:r>
-            <a:r>
-              <a:rPr lang="en-US" altLang="ko-KR" dirty="0" smtClean="0">
-                <a:solidFill>
-                  <a:schemeClr val="bg1"/>
-                </a:solidFill>
-                <a:latin typeface="+mn-ea"/>
-                <a:sym typeface="Wingdings" panose="05000000000000000000" pitchFamily="2" charset="2"/>
-              </a:rPr>
-              <a:t>object </a:t>
-            </a:r>
-            <a:r>
-              <a:rPr lang="ko-KR" altLang="en-US" dirty="0" smtClean="0">
-                <a:solidFill>
-                  <a:schemeClr val="bg1"/>
-                </a:solidFill>
-                <a:latin typeface="+mn-ea"/>
-                <a:sym typeface="Wingdings" panose="05000000000000000000" pitchFamily="2" charset="2"/>
-              </a:rPr>
-              <a:t>가 관찰되는 경우 새롭게 업데이트 가능</a:t>
-            </a:r>
-            <a:endParaRPr lang="en-US" altLang="ko-KR" dirty="0" smtClean="0">
-              <a:solidFill>
-                <a:schemeClr val="bg1"/>
-              </a:solidFill>
-              <a:latin typeface="+mn-ea"/>
-              <a:sym typeface="Wingdings" panose="05000000000000000000" pitchFamily="2" charset="2"/>
-            </a:endParaRPr>
-          </a:p>
-          <a:p>
-            <a:pPr marL="285750" indent="-285750">
-              <a:lnSpc>
-                <a:spcPct val="300000"/>
-              </a:lnSpc>
-              <a:buFontTx/>
-              <a:buChar char="-"/>
-            </a:pPr>
-            <a:r>
-              <a:rPr lang="en-US" altLang="ko-KR" dirty="0" smtClean="0">
-                <a:solidFill>
-                  <a:schemeClr val="bg1"/>
-                </a:solidFill>
-                <a:latin typeface="+mn-ea"/>
-                <a:sym typeface="Wingdings" panose="05000000000000000000" pitchFamily="2" charset="2"/>
-              </a:rPr>
-              <a:t>Incremental batch </a:t>
-            </a:r>
-            <a:r>
-              <a:rPr lang="ko-KR" altLang="en-US" dirty="0" smtClean="0">
-                <a:solidFill>
-                  <a:schemeClr val="bg1"/>
-                </a:solidFill>
-                <a:latin typeface="+mn-ea"/>
-                <a:sym typeface="Wingdings" panose="05000000000000000000" pitchFamily="2" charset="2"/>
-              </a:rPr>
-              <a:t>방식보다 </a:t>
-            </a:r>
-            <a:r>
-              <a:rPr lang="en-US" altLang="ko-KR" dirty="0" smtClean="0">
-                <a:solidFill>
-                  <a:schemeClr val="bg1"/>
-                </a:solidFill>
-                <a:latin typeface="+mn-ea"/>
-                <a:sym typeface="Wingdings" panose="05000000000000000000" pitchFamily="2" charset="2"/>
-              </a:rPr>
-              <a:t>real-time application</a:t>
-            </a:r>
-            <a:r>
-              <a:rPr lang="ko-KR" altLang="en-US" dirty="0" smtClean="0">
-                <a:solidFill>
-                  <a:schemeClr val="bg1"/>
-                </a:solidFill>
-                <a:latin typeface="+mn-ea"/>
-                <a:sym typeface="Wingdings" panose="05000000000000000000" pitchFamily="2" charset="2"/>
-              </a:rPr>
-              <a:t>에 적용하기 더욱 좋음</a:t>
-            </a:r>
-            <a:r>
-              <a:rPr lang="en-US" altLang="ko-KR" dirty="0" smtClean="0">
-                <a:solidFill>
-                  <a:schemeClr val="bg1"/>
-                </a:solidFill>
-                <a:latin typeface="+mn-ea"/>
-                <a:sym typeface="Wingdings" panose="05000000000000000000" pitchFamily="2" charset="2"/>
-              </a:rPr>
-              <a:t/>
-            </a:r>
-            <a:br>
-              <a:rPr lang="en-US" altLang="ko-KR" dirty="0" smtClean="0">
-                <a:solidFill>
-                  <a:schemeClr val="bg1"/>
-                </a:solidFill>
-                <a:latin typeface="+mn-ea"/>
-                <a:sym typeface="Wingdings" panose="05000000000000000000" pitchFamily="2" charset="2"/>
-              </a:rPr>
-            </a:br>
-            <a:r>
-              <a:rPr lang="en-US" altLang="ko-KR" dirty="0" smtClean="0">
-                <a:solidFill>
-                  <a:schemeClr val="bg1"/>
-                </a:solidFill>
-                <a:latin typeface="+mn-ea"/>
-                <a:sym typeface="Wingdings" panose="05000000000000000000" pitchFamily="2" charset="2"/>
-              </a:rPr>
-              <a:t/>
-            </a:r>
-            <a:br>
-              <a:rPr lang="en-US" altLang="ko-KR" dirty="0" smtClean="0">
-                <a:solidFill>
-                  <a:schemeClr val="bg1"/>
-                </a:solidFill>
-                <a:latin typeface="+mn-ea"/>
-                <a:sym typeface="Wingdings" panose="05000000000000000000" pitchFamily="2" charset="2"/>
-              </a:rPr>
-            </a:br>
-            <a:endParaRPr lang="ko-KR" altLang="en-US" sz="1400" b="1" u="sng" dirty="0">
-              <a:solidFill>
-                <a:schemeClr val="bg1"/>
-              </a:solidFill>
-              <a:latin typeface="+mn-ea"/>
-            </a:endParaRPr>
-          </a:p>
-        </p:txBody>
-      </p:sp>
-      <p:sp>
-        <p:nvSpPr>
-          <p:cNvPr id="3" name="TextBox 2"/>
-          <p:cNvSpPr txBox="1"/>
-          <p:nvPr/>
-        </p:nvSpPr>
-        <p:spPr>
-          <a:xfrm>
-            <a:off x="1570832" y="366816"/>
-            <a:ext cx="2664296" cy="369332"/>
-          </a:xfrm>
-          <a:prstGeom prst="rect">
-            <a:avLst/>
-          </a:prstGeom>
-          <a:noFill/>
-        </p:spPr>
-        <p:txBody>
-          <a:bodyPr wrap="square" rtlCol="0">
-            <a:spAutoFit/>
-          </a:bodyPr>
-          <a:lstStyle/>
-          <a:p>
-            <a:r>
-              <a:rPr lang="en-US" altLang="ko-KR" b="1" dirty="0" smtClean="0">
-                <a:latin typeface="+mj-ea"/>
-              </a:rPr>
-              <a:t>1) </a:t>
-            </a:r>
-            <a:r>
-              <a:rPr lang="ko-KR" altLang="en-US" b="1" dirty="0" smtClean="0">
-                <a:latin typeface="+mj-ea"/>
-              </a:rPr>
-              <a:t>특징</a:t>
-            </a:r>
-            <a:endParaRPr lang="ko-KR" altLang="en-US" b="1" dirty="0">
-              <a:latin typeface="+mj-ea"/>
-            </a:endParaRPr>
-          </a:p>
-        </p:txBody>
-      </p:sp>
-    </p:spTree>
-    <p:extLst>
-      <p:ext uri="{BB962C8B-B14F-4D97-AF65-F5344CB8AC3E}">
-        <p14:creationId xmlns:p14="http://schemas.microsoft.com/office/powerpoint/2010/main" val="3790195216"/>
-      </p:ext>
-    </p:extLst>
-  </p:cSld>
-  <p:clrMapOvr>
-    <a:masterClrMapping/>
-  </p:clrMapOvr>
-  <p:timing>
-    <p:tnLst>
-      <p:par>
-        <p:cTn id="1" dur="indefinite" restart="never" nodeType="tmRoot"/>
-      </p:par>
-    </p:tnLst>
-  </p:timing>
-</p:sld>
-</file>
-
-<file path=ppt/slides/slide11.xml><?xml version="1.0" encoding="utf-8"?>
-<p:sld xmlns:a="http://schemas.openxmlformats.org/drawingml/2006/main" xmlns:r="http://schemas.openxmlformats.org/officeDocument/2006/relationships" xmlns:p="http://schemas.openxmlformats.org/presentationml/2006/main">
-  <p:cSld>
-    <p:spTree>
-      <p:nvGrpSpPr>
-        <p:cNvPr id="1" name=""/>
-        <p:cNvGrpSpPr/>
-        <p:nvPr/>
-      </p:nvGrpSpPr>
-      <p:grpSpPr>
-        <a:xfrm>
-          <a:off x="0" y="0"/>
-          <a:ext cx="0" cy="0"/>
-          <a:chOff x="0" y="0"/>
-          <a:chExt cx="0" cy="0"/>
-        </a:xfrm>
-      </p:grpSpPr>
-      <p:sp>
-        <p:nvSpPr>
-          <p:cNvPr id="1024" name="슬라이드 번호 개체 틀 1023">
-            <a:extLst>
-              <a:ext uri="{FF2B5EF4-FFF2-40B4-BE49-F238E27FC236}">
-                <a16:creationId xmlns:a16="http://schemas.microsoft.com/office/drawing/2014/main" xmlns="" id="{D7ECFDE3-EB78-4198-B1C1-7576EBEBD0EA}"/>
-              </a:ext>
-            </a:extLst>
-          </p:cNvPr>
-          <p:cNvSpPr>
-            <a:spLocks noGrp="1"/>
-          </p:cNvSpPr>
-          <p:nvPr>
-            <p:ph type="sldNum" sz="quarter" idx="12"/>
-          </p:nvPr>
-        </p:nvSpPr>
-        <p:spPr>
-          <a:xfrm>
-            <a:off x="11234109" y="6388325"/>
-            <a:ext cx="753545" cy="365125"/>
-          </a:xfrm>
-        </p:spPr>
-        <p:txBody>
-          <a:bodyPr/>
-          <a:lstStyle/>
-          <a:p>
-            <a:fld id="{F4ABE7AD-7D80-45E6-9B72-991AAE1BF4C2}" type="slidenum">
-              <a:rPr lang="ko-KR" altLang="en-US" smtClean="0"/>
-              <a:t>11</a:t>
-            </a:fld>
-            <a:endParaRPr lang="ko-KR" altLang="en-US"/>
-          </a:p>
-        </p:txBody>
-      </p:sp>
-      <p:sp>
-        <p:nvSpPr>
-          <p:cNvPr id="62" name="직사각형 61">
-            <a:extLst>
-              <a:ext uri="{FF2B5EF4-FFF2-40B4-BE49-F238E27FC236}">
-                <a16:creationId xmlns:a16="http://schemas.microsoft.com/office/drawing/2014/main" xmlns="" id="{70B01BF8-29D3-4D23-BC64-0489F3113852}"/>
+                <a16:creationId xmlns="" xmlns:a16="http://schemas.microsoft.com/office/drawing/2014/main" id="{70B01BF8-29D3-4D23-BC64-0489F3113852}"/>
               </a:ext>
             </a:extLst>
           </p:cNvPr>
@@ -7671,7 +7136,7 @@
           <p:cNvPr id="9" name="직사각형 8">
             <a:extLst>
               <a:ext uri="{FF2B5EF4-FFF2-40B4-BE49-F238E27FC236}">
-                <a16:creationId xmlns:a16="http://schemas.microsoft.com/office/drawing/2014/main" xmlns="" id="{5F0B186A-DCA6-449E-954A-F4F42CC0D592}"/>
+                <a16:creationId xmlns="" xmlns:a16="http://schemas.microsoft.com/office/drawing/2014/main" id="{5F0B186A-DCA6-449E-954A-F4F42CC0D592}"/>
               </a:ext>
             </a:extLst>
           </p:cNvPr>
@@ -7849,7 +7314,7 @@
 </p:sld>
 </file>
 
-<file path=ppt/slides/slide12.xml><?xml version="1.0" encoding="utf-8"?>
+<file path=ppt/slides/slide11.xml><?xml version="1.0" encoding="utf-8"?>
 <p:sld xmlns:a="http://schemas.openxmlformats.org/drawingml/2006/main" xmlns:r="http://schemas.openxmlformats.org/officeDocument/2006/relationships" xmlns:p="http://schemas.openxmlformats.org/presentationml/2006/main">
   <p:cSld>
     <p:spTree>
@@ -7871,7 +7336,7 @@
           <p:cNvPr id="1024" name="슬라이드 번호 개체 틀 1023">
             <a:extLst>
               <a:ext uri="{FF2B5EF4-FFF2-40B4-BE49-F238E27FC236}">
-                <a16:creationId xmlns:a16="http://schemas.microsoft.com/office/drawing/2014/main" xmlns="" id="{D7ECFDE3-EB78-4198-B1C1-7576EBEBD0EA}"/>
+                <a16:creationId xmlns="" xmlns:a16="http://schemas.microsoft.com/office/drawing/2014/main" id="{D7ECFDE3-EB78-4198-B1C1-7576EBEBD0EA}"/>
               </a:ext>
             </a:extLst>
           </p:cNvPr>
@@ -7894,7 +7359,7 @@
           <a:p>
             <a:fld id="{F4ABE7AD-7D80-45E6-9B72-991AAE1BF4C2}" type="slidenum">
               <a:rPr lang="ko-KR" altLang="en-US" smtClean="0"/>
-              <a:t>12</a:t>
+              <a:t>11</a:t>
             </a:fld>
             <a:endParaRPr lang="ko-KR" altLang="en-US"/>
           </a:p>
@@ -7905,7 +7370,7 @@
           <p:cNvPr id="62" name="직사각형 61">
             <a:extLst>
               <a:ext uri="{FF2B5EF4-FFF2-40B4-BE49-F238E27FC236}">
-                <a16:creationId xmlns:a16="http://schemas.microsoft.com/office/drawing/2014/main" xmlns="" id="{70B01BF8-29D3-4D23-BC64-0489F3113852}"/>
+                <a16:creationId xmlns="" xmlns:a16="http://schemas.microsoft.com/office/drawing/2014/main" id="{70B01BF8-29D3-4D23-BC64-0489F3113852}"/>
               </a:ext>
             </a:extLst>
           </p:cNvPr>
@@ -8286,7 +7751,7 @@
           <p:cNvPr id="9" name="직사각형 8">
             <a:extLst>
               <a:ext uri="{FF2B5EF4-FFF2-40B4-BE49-F238E27FC236}">
-                <a16:creationId xmlns:a16="http://schemas.microsoft.com/office/drawing/2014/main" xmlns="" id="{5F0B186A-DCA6-449E-954A-F4F42CC0D592}"/>
+                <a16:creationId xmlns="" xmlns:a16="http://schemas.microsoft.com/office/drawing/2014/main" id="{5F0B186A-DCA6-449E-954A-F4F42CC0D592}"/>
               </a:ext>
             </a:extLst>
           </p:cNvPr>
@@ -8385,7 +7850,7 @@
 </p:sld>
 </file>
 
-<file path=ppt/slides/slide13.xml><?xml version="1.0" encoding="utf-8"?>
+<file path=ppt/slides/slide12.xml><?xml version="1.0" encoding="utf-8"?>
 <p:sld xmlns:a="http://schemas.openxmlformats.org/drawingml/2006/main" xmlns:r="http://schemas.openxmlformats.org/officeDocument/2006/relationships" xmlns:p="http://schemas.openxmlformats.org/presentationml/2006/main">
   <p:cSld>
     <p:spTree>
@@ -8407,7 +7872,7 @@
           <p:cNvPr id="1024" name="슬라이드 번호 개체 틀 1023">
             <a:extLst>
               <a:ext uri="{FF2B5EF4-FFF2-40B4-BE49-F238E27FC236}">
-                <a16:creationId xmlns:a16="http://schemas.microsoft.com/office/drawing/2014/main" xmlns="" id="{D7ECFDE3-EB78-4198-B1C1-7576EBEBD0EA}"/>
+                <a16:creationId xmlns="" xmlns:a16="http://schemas.microsoft.com/office/drawing/2014/main" id="{D7ECFDE3-EB78-4198-B1C1-7576EBEBD0EA}"/>
               </a:ext>
             </a:extLst>
           </p:cNvPr>
@@ -8430,7 +7895,7 @@
           <a:p>
             <a:fld id="{F4ABE7AD-7D80-45E6-9B72-991AAE1BF4C2}" type="slidenum">
               <a:rPr lang="ko-KR" altLang="en-US" smtClean="0"/>
-              <a:t>13</a:t>
+              <a:t>12</a:t>
             </a:fld>
             <a:endParaRPr lang="ko-KR" altLang="en-US"/>
           </a:p>
@@ -8441,7 +7906,7 @@
           <p:cNvPr id="62" name="직사각형 61">
             <a:extLst>
               <a:ext uri="{FF2B5EF4-FFF2-40B4-BE49-F238E27FC236}">
-                <a16:creationId xmlns:a16="http://schemas.microsoft.com/office/drawing/2014/main" xmlns="" id="{70B01BF8-29D3-4D23-BC64-0489F3113852}"/>
+                <a16:creationId xmlns="" xmlns:a16="http://schemas.microsoft.com/office/drawing/2014/main" id="{70B01BF8-29D3-4D23-BC64-0489F3113852}"/>
               </a:ext>
             </a:extLst>
           </p:cNvPr>
@@ -9228,7 +8693,7 @@
           <p:cNvPr id="13" name="직사각형 12">
             <a:extLst>
               <a:ext uri="{FF2B5EF4-FFF2-40B4-BE49-F238E27FC236}">
-                <a16:creationId xmlns:a16="http://schemas.microsoft.com/office/drawing/2014/main" xmlns="" id="{5F0B186A-DCA6-449E-954A-F4F42CC0D592}"/>
+                <a16:creationId xmlns="" xmlns:a16="http://schemas.microsoft.com/office/drawing/2014/main" id="{5F0B186A-DCA6-449E-954A-F4F42CC0D592}"/>
               </a:ext>
             </a:extLst>
           </p:cNvPr>
@@ -9327,7 +8792,7 @@
 </p:sld>
 </file>
 
-<file path=ppt/slides/slide14.xml><?xml version="1.0" encoding="utf-8"?>
+<file path=ppt/slides/slide13.xml><?xml version="1.0" encoding="utf-8"?>
 <p:sld xmlns:a="http://schemas.openxmlformats.org/drawingml/2006/main" xmlns:r="http://schemas.openxmlformats.org/officeDocument/2006/relationships" xmlns:p="http://schemas.openxmlformats.org/presentationml/2006/main">
   <p:cSld>
     <p:spTree>
@@ -9349,7 +8814,7 @@
           <p:cNvPr id="55" name="직사각형 54">
             <a:extLst>
               <a:ext uri="{FF2B5EF4-FFF2-40B4-BE49-F238E27FC236}">
-                <a16:creationId xmlns:a16="http://schemas.microsoft.com/office/drawing/2014/main" xmlns="" id="{70B01BF8-29D3-4D23-BC64-0489F3113852}"/>
+                <a16:creationId xmlns="" xmlns:a16="http://schemas.microsoft.com/office/drawing/2014/main" id="{70B01BF8-29D3-4D23-BC64-0489F3113852}"/>
               </a:ext>
             </a:extLst>
           </p:cNvPr>
@@ -9401,7 +8866,7 @@
           <p:cNvPr id="1024" name="슬라이드 번호 개체 틀 1023">
             <a:extLst>
               <a:ext uri="{FF2B5EF4-FFF2-40B4-BE49-F238E27FC236}">
-                <a16:creationId xmlns:a16="http://schemas.microsoft.com/office/drawing/2014/main" xmlns="" id="{D7ECFDE3-EB78-4198-B1C1-7576EBEBD0EA}"/>
+                <a16:creationId xmlns="" xmlns:a16="http://schemas.microsoft.com/office/drawing/2014/main" id="{D7ECFDE3-EB78-4198-B1C1-7576EBEBD0EA}"/>
               </a:ext>
             </a:extLst>
           </p:cNvPr>
@@ -9424,7 +8889,7 @@
           <a:p>
             <a:fld id="{F4ABE7AD-7D80-45E6-9B72-991AAE1BF4C2}" type="slidenum">
               <a:rPr lang="ko-KR" altLang="en-US" smtClean="0"/>
-              <a:t>14</a:t>
+              <a:t>13</a:t>
             </a:fld>
             <a:endParaRPr lang="ko-KR" altLang="en-US"/>
           </a:p>
@@ -11031,7 +10496,7 @@
           <p:cNvPr id="78" name="직사각형 77">
             <a:extLst>
               <a:ext uri="{FF2B5EF4-FFF2-40B4-BE49-F238E27FC236}">
-                <a16:creationId xmlns:a16="http://schemas.microsoft.com/office/drawing/2014/main" xmlns="" id="{5F0B186A-DCA6-449E-954A-F4F42CC0D592}"/>
+                <a16:creationId xmlns="" xmlns:a16="http://schemas.microsoft.com/office/drawing/2014/main" id="{5F0B186A-DCA6-449E-954A-F4F42CC0D592}"/>
               </a:ext>
             </a:extLst>
           </p:cNvPr>
@@ -11130,7 +10595,7 @@
 </p:sld>
 </file>
 
-<file path=ppt/slides/slide15.xml><?xml version="1.0" encoding="utf-8"?>
+<file path=ppt/slides/slide14.xml><?xml version="1.0" encoding="utf-8"?>
 <p:sld xmlns:a="http://schemas.openxmlformats.org/drawingml/2006/main" xmlns:r="http://schemas.openxmlformats.org/officeDocument/2006/relationships" xmlns:p="http://schemas.openxmlformats.org/presentationml/2006/main">
   <p:cSld>
     <p:spTree>
@@ -11152,7 +10617,7 @@
           <p:cNvPr id="71" name="직사각형 70">
             <a:extLst>
               <a:ext uri="{FF2B5EF4-FFF2-40B4-BE49-F238E27FC236}">
-                <a16:creationId xmlns:a16="http://schemas.microsoft.com/office/drawing/2014/main" xmlns="" id="{70B01BF8-29D3-4D23-BC64-0489F3113852}"/>
+                <a16:creationId xmlns="" xmlns:a16="http://schemas.microsoft.com/office/drawing/2014/main" id="{70B01BF8-29D3-4D23-BC64-0489F3113852}"/>
               </a:ext>
             </a:extLst>
           </p:cNvPr>
@@ -11204,7 +10669,7 @@
           <p:cNvPr id="1024" name="슬라이드 번호 개체 틀 1023">
             <a:extLst>
               <a:ext uri="{FF2B5EF4-FFF2-40B4-BE49-F238E27FC236}">
-                <a16:creationId xmlns:a16="http://schemas.microsoft.com/office/drawing/2014/main" xmlns="" id="{D7ECFDE3-EB78-4198-B1C1-7576EBEBD0EA}"/>
+                <a16:creationId xmlns="" xmlns:a16="http://schemas.microsoft.com/office/drawing/2014/main" id="{D7ECFDE3-EB78-4198-B1C1-7576EBEBD0EA}"/>
               </a:ext>
             </a:extLst>
           </p:cNvPr>
@@ -11227,7 +10692,7 @@
           <a:p>
             <a:fld id="{F4ABE7AD-7D80-45E6-9B72-991AAE1BF4C2}" type="slidenum">
               <a:rPr lang="ko-KR" altLang="en-US" smtClean="0"/>
-              <a:t>15</a:t>
+              <a:t>14</a:t>
             </a:fld>
             <a:endParaRPr lang="ko-KR" altLang="en-US"/>
           </a:p>
@@ -12733,7 +12198,7 @@
           <p:cNvPr id="166" name="직사각형 165">
             <a:extLst>
               <a:ext uri="{FF2B5EF4-FFF2-40B4-BE49-F238E27FC236}">
-                <a16:creationId xmlns:a16="http://schemas.microsoft.com/office/drawing/2014/main" xmlns="" id="{5F0B186A-DCA6-449E-954A-F4F42CC0D592}"/>
+                <a16:creationId xmlns="" xmlns:a16="http://schemas.microsoft.com/office/drawing/2014/main" id="{5F0B186A-DCA6-449E-954A-F4F42CC0D592}"/>
               </a:ext>
             </a:extLst>
           </p:cNvPr>
@@ -12832,7 +12297,7 @@
 </p:sld>
 </file>
 
-<file path=ppt/slides/slide16.xml><?xml version="1.0" encoding="utf-8"?>
+<file path=ppt/slides/slide15.xml><?xml version="1.0" encoding="utf-8"?>
 <p:sld xmlns:a="http://schemas.openxmlformats.org/drawingml/2006/main" xmlns:r="http://schemas.openxmlformats.org/officeDocument/2006/relationships" xmlns:p="http://schemas.openxmlformats.org/presentationml/2006/main">
   <p:cSld>
     <p:spTree>
@@ -12854,7 +12319,7 @@
           <p:cNvPr id="55" name="직사각형 54">
             <a:extLst>
               <a:ext uri="{FF2B5EF4-FFF2-40B4-BE49-F238E27FC236}">
-                <a16:creationId xmlns:a16="http://schemas.microsoft.com/office/drawing/2014/main" xmlns="" id="{70B01BF8-29D3-4D23-BC64-0489F3113852}"/>
+                <a16:creationId xmlns="" xmlns:a16="http://schemas.microsoft.com/office/drawing/2014/main" id="{70B01BF8-29D3-4D23-BC64-0489F3113852}"/>
               </a:ext>
             </a:extLst>
           </p:cNvPr>
@@ -12906,7 +12371,7 @@
           <p:cNvPr id="1024" name="슬라이드 번호 개체 틀 1023">
             <a:extLst>
               <a:ext uri="{FF2B5EF4-FFF2-40B4-BE49-F238E27FC236}">
-                <a16:creationId xmlns:a16="http://schemas.microsoft.com/office/drawing/2014/main" xmlns="" id="{D7ECFDE3-EB78-4198-B1C1-7576EBEBD0EA}"/>
+                <a16:creationId xmlns="" xmlns:a16="http://schemas.microsoft.com/office/drawing/2014/main" id="{D7ECFDE3-EB78-4198-B1C1-7576EBEBD0EA}"/>
               </a:ext>
             </a:extLst>
           </p:cNvPr>
@@ -12929,7 +12394,7 @@
           <a:p>
             <a:fld id="{F4ABE7AD-7D80-45E6-9B72-991AAE1BF4C2}" type="slidenum">
               <a:rPr lang="ko-KR" altLang="en-US" smtClean="0"/>
-              <a:t>16</a:t>
+              <a:t>15</a:t>
             </a:fld>
             <a:endParaRPr lang="ko-KR" altLang="en-US"/>
           </a:p>
@@ -14376,7 +13841,7 @@
           <p:cNvPr id="64" name="직사각형 63">
             <a:extLst>
               <a:ext uri="{FF2B5EF4-FFF2-40B4-BE49-F238E27FC236}">
-                <a16:creationId xmlns:a16="http://schemas.microsoft.com/office/drawing/2014/main" xmlns="" id="{5F0B186A-DCA6-449E-954A-F4F42CC0D592}"/>
+                <a16:creationId xmlns="" xmlns:a16="http://schemas.microsoft.com/office/drawing/2014/main" id="{5F0B186A-DCA6-449E-954A-F4F42CC0D592}"/>
               </a:ext>
             </a:extLst>
           </p:cNvPr>
@@ -14782,7 +14247,7 @@
 </p:sld>
 </file>
 
-<file path=ppt/slides/slide17.xml><?xml version="1.0" encoding="utf-8"?>
+<file path=ppt/slides/slide16.xml><?xml version="1.0" encoding="utf-8"?>
 <p:sld xmlns:a="http://schemas.openxmlformats.org/drawingml/2006/main" xmlns:r="http://schemas.openxmlformats.org/officeDocument/2006/relationships" xmlns:p="http://schemas.openxmlformats.org/presentationml/2006/main">
   <p:cSld>
     <p:spTree>
@@ -14804,7 +14269,7 @@
           <p:cNvPr id="1024" name="슬라이드 번호 개체 틀 1023">
             <a:extLst>
               <a:ext uri="{FF2B5EF4-FFF2-40B4-BE49-F238E27FC236}">
-                <a16:creationId xmlns:a16="http://schemas.microsoft.com/office/drawing/2014/main" xmlns="" id="{D7ECFDE3-EB78-4198-B1C1-7576EBEBD0EA}"/>
+                <a16:creationId xmlns="" xmlns:a16="http://schemas.microsoft.com/office/drawing/2014/main" id="{D7ECFDE3-EB78-4198-B1C1-7576EBEBD0EA}"/>
               </a:ext>
             </a:extLst>
           </p:cNvPr>
@@ -14827,7 +14292,7 @@
           <a:p>
             <a:fld id="{F4ABE7AD-7D80-45E6-9B72-991AAE1BF4C2}" type="slidenum">
               <a:rPr lang="ko-KR" altLang="en-US" smtClean="0"/>
-              <a:t>17</a:t>
+              <a:t>16</a:t>
             </a:fld>
             <a:endParaRPr lang="ko-KR" altLang="en-US"/>
           </a:p>
@@ -14838,7 +14303,7 @@
           <p:cNvPr id="5" name="TextBox 4">
             <a:extLst>
               <a:ext uri="{FF2B5EF4-FFF2-40B4-BE49-F238E27FC236}">
-                <a16:creationId xmlns:a16="http://schemas.microsoft.com/office/drawing/2014/main" xmlns="" id="{18478785-7455-426F-B501-DBA892B7AE1C}"/>
+                <a16:creationId xmlns="" xmlns:a16="http://schemas.microsoft.com/office/drawing/2014/main" id="{18478785-7455-426F-B501-DBA892B7AE1C}"/>
               </a:ext>
             </a:extLst>
           </p:cNvPr>
@@ -14932,6 +14397,835 @@
     <p:extLst>
       <p:ext uri="{BB962C8B-B14F-4D97-AF65-F5344CB8AC3E}">
         <p14:creationId xmlns:p14="http://schemas.microsoft.com/office/powerpoint/2010/main" val="86283295"/>
+      </p:ext>
+    </p:extLst>
+  </p:cSld>
+  <p:clrMapOvr>
+    <a:masterClrMapping/>
+  </p:clrMapOvr>
+  <p:timing>
+    <p:tnLst>
+      <p:par>
+        <p:cTn id="1" dur="indefinite" restart="never" nodeType="tmRoot"/>
+      </p:par>
+    </p:tnLst>
+  </p:timing>
+</p:sld>
+</file>
+
+<file path=ppt/slides/slide17.xml><?xml version="1.0" encoding="utf-8"?>
+<p:sld xmlns:a="http://schemas.openxmlformats.org/drawingml/2006/main" xmlns:r="http://schemas.openxmlformats.org/officeDocument/2006/relationships" xmlns:p="http://schemas.openxmlformats.org/presentationml/2006/main">
+  <p:cSld>
+    <p:spTree>
+      <p:nvGrpSpPr>
+        <p:cNvPr id="1" name=""/>
+        <p:cNvGrpSpPr/>
+        <p:nvPr/>
+      </p:nvGrpSpPr>
+      <p:grpSpPr>
+        <a:xfrm>
+          <a:off x="0" y="0"/>
+          <a:ext cx="0" cy="0"/>
+          <a:chOff x="0" y="0"/>
+          <a:chExt cx="0" cy="0"/>
+        </a:xfrm>
+      </p:grpSpPr>
+      <p:sp>
+        <p:nvSpPr>
+          <p:cNvPr id="129" name="직사각형 128">
+            <a:extLst>
+              <a:ext uri="{FF2B5EF4-FFF2-40B4-BE49-F238E27FC236}">
+                <a16:creationId xmlns="" xmlns:a16="http://schemas.microsoft.com/office/drawing/2014/main" id="{5F0B186A-DCA6-449E-954A-F4F42CC0D592}"/>
+              </a:ext>
+            </a:extLst>
+          </p:cNvPr>
+          <p:cNvSpPr/>
+          <p:nvPr/>
+        </p:nvSpPr>
+        <p:spPr>
+          <a:xfrm>
+            <a:off x="191342" y="160720"/>
+            <a:ext cx="4991065" cy="741040"/>
+          </a:xfrm>
+          <a:prstGeom prst="rect">
+            <a:avLst/>
+          </a:prstGeom>
+          <a:noFill/>
+          <a:ln>
+            <a:noFill/>
+          </a:ln>
+        </p:spPr>
+        <p:style>
+          <a:lnRef idx="2">
+            <a:schemeClr val="accent1">
+              <a:shade val="50000"/>
+            </a:schemeClr>
+          </a:lnRef>
+          <a:fillRef idx="1">
+            <a:schemeClr val="accent1"/>
+          </a:fillRef>
+          <a:effectRef idx="0">
+            <a:schemeClr val="accent1"/>
+          </a:effectRef>
+          <a:fontRef idx="minor">
+            <a:schemeClr val="lt1"/>
+          </a:fontRef>
+        </p:style>
+        <p:txBody>
+          <a:bodyPr rtlCol="0" anchor="ctr"/>
+          <a:lstStyle/>
+          <a:p>
+            <a:r>
+              <a:rPr lang="en-US" altLang="ko-KR" sz="3600" b="1" dirty="0" smtClean="0">
+                <a:solidFill>
+                  <a:srgbClr val="FFC000"/>
+                </a:solidFill>
+                <a:latin typeface="+mj-ea"/>
+                <a:ea typeface="+mj-ea"/>
+              </a:rPr>
+              <a:t>  03</a:t>
+            </a:r>
+          </a:p>
+          <a:p>
+            <a:r>
+              <a:rPr lang="ko-KR" altLang="en-US" sz="1100" b="1" dirty="0" smtClean="0">
+                <a:solidFill>
+                  <a:srgbClr val="FFC000"/>
+                </a:solidFill>
+                <a:latin typeface="+mj-ea"/>
+                <a:ea typeface="+mj-ea"/>
+              </a:rPr>
+              <a:t>     결       과</a:t>
+            </a:r>
+            <a:endParaRPr lang="ko-KR" altLang="en-US" sz="2000" b="1" dirty="0">
+              <a:latin typeface="+mj-ea"/>
+              <a:ea typeface="+mj-ea"/>
+            </a:endParaRPr>
+          </a:p>
+        </p:txBody>
+      </p:sp>
+      <p:sp>
+        <p:nvSpPr>
+          <p:cNvPr id="1024" name="슬라이드 번호 개체 틀 1023">
+            <a:extLst>
+              <a:ext uri="{FF2B5EF4-FFF2-40B4-BE49-F238E27FC236}">
+                <a16:creationId xmlns="" xmlns:a16="http://schemas.microsoft.com/office/drawing/2014/main" id="{D7ECFDE3-EB78-4198-B1C1-7576EBEBD0EA}"/>
+              </a:ext>
+            </a:extLst>
+          </p:cNvPr>
+          <p:cNvSpPr>
+            <a:spLocks noGrp="1"/>
+          </p:cNvSpPr>
+          <p:nvPr>
+            <p:ph type="sldNum" sz="quarter" idx="12"/>
+          </p:nvPr>
+        </p:nvSpPr>
+        <p:spPr>
+          <a:xfrm>
+            <a:off x="11234109" y="6388325"/>
+            <a:ext cx="753545" cy="365125"/>
+          </a:xfrm>
+        </p:spPr>
+        <p:txBody>
+          <a:bodyPr/>
+          <a:lstStyle/>
+          <a:p>
+            <a:fld id="{F4ABE7AD-7D80-45E6-9B72-991AAE1BF4C2}" type="slidenum">
+              <a:rPr lang="ko-KR" altLang="en-US" smtClean="0"/>
+              <a:t>17</a:t>
+            </a:fld>
+            <a:endParaRPr lang="ko-KR" altLang="en-US"/>
+          </a:p>
+        </p:txBody>
+      </p:sp>
+      <p:sp>
+        <p:nvSpPr>
+          <p:cNvPr id="62" name="직사각형 61">
+            <a:extLst>
+              <a:ext uri="{FF2B5EF4-FFF2-40B4-BE49-F238E27FC236}">
+                <a16:creationId xmlns="" xmlns:a16="http://schemas.microsoft.com/office/drawing/2014/main" id="{70B01BF8-29D3-4D23-BC64-0489F3113852}"/>
+              </a:ext>
+            </a:extLst>
+          </p:cNvPr>
+          <p:cNvSpPr/>
+          <p:nvPr/>
+        </p:nvSpPr>
+        <p:spPr>
+          <a:xfrm>
+            <a:off x="-143" y="1019614"/>
+            <a:ext cx="12192000" cy="5256584"/>
+          </a:xfrm>
+          <a:prstGeom prst="rect">
+            <a:avLst/>
+          </a:prstGeom>
+          <a:solidFill>
+            <a:schemeClr val="tx1"/>
+          </a:solidFill>
+          <a:ln>
+            <a:noFill/>
+          </a:ln>
+        </p:spPr>
+        <p:style>
+          <a:lnRef idx="2">
+            <a:schemeClr val="accent1">
+              <a:shade val="50000"/>
+            </a:schemeClr>
+          </a:lnRef>
+          <a:fillRef idx="1">
+            <a:schemeClr val="accent1"/>
+          </a:fillRef>
+          <a:effectRef idx="0">
+            <a:schemeClr val="accent1"/>
+          </a:effectRef>
+          <a:fontRef idx="minor">
+            <a:schemeClr val="lt1"/>
+          </a:fontRef>
+        </p:style>
+        <p:txBody>
+          <a:bodyPr rtlCol="0" anchor="ctr"/>
+          <a:lstStyle/>
+          <a:p>
+            <a:pPr algn="ctr"/>
+            <a:endParaRPr lang="ko-KR" altLang="en-US"/>
+          </a:p>
+        </p:txBody>
+      </p:sp>
+      <p:pic>
+        <p:nvPicPr>
+          <p:cNvPr id="8" name="Picture 2" descr="롯데정보통신, '랄프체인'으로 블록체인 Si 솔루션 도전"/>
+          <p:cNvPicPr>
+            <a:picLocks noChangeAspect="1" noChangeArrowheads="1"/>
+          </p:cNvPicPr>
+          <p:nvPr/>
+        </p:nvPicPr>
+        <p:blipFill rotWithShape="1">
+          <a:blip r:embed="rId2" cstate="print">
+            <a:extLst>
+              <a:ext uri="{28A0092B-C50C-407E-A947-70E740481C1C}">
+                <a14:useLocalDpi xmlns:a14="http://schemas.microsoft.com/office/drawing/2010/main" val="0"/>
+              </a:ext>
+            </a:extLst>
+          </a:blip>
+          <a:srcRect t="20471"/>
+          <a:stretch/>
+        </p:blipFill>
+        <p:spPr bwMode="auto">
+          <a:xfrm>
+            <a:off x="9624392" y="116632"/>
+            <a:ext cx="2448272" cy="869700"/>
+          </a:xfrm>
+          <a:prstGeom prst="rect">
+            <a:avLst/>
+          </a:prstGeom>
+          <a:solidFill>
+            <a:srgbClr val="FF0000"/>
+          </a:solidFill>
+          <a:effectLst>
+            <a:softEdge rad="127000"/>
+          </a:effectLst>
+        </p:spPr>
+      </p:pic>
+      <p:sp>
+        <p:nvSpPr>
+          <p:cNvPr id="2" name="TextBox 1"/>
+          <p:cNvSpPr txBox="1"/>
+          <p:nvPr/>
+        </p:nvSpPr>
+        <p:spPr>
+          <a:xfrm>
+            <a:off x="551384" y="1220559"/>
+            <a:ext cx="10513168" cy="923330"/>
+          </a:xfrm>
+          <a:prstGeom prst="rect">
+            <a:avLst/>
+          </a:prstGeom>
+          <a:noFill/>
+        </p:spPr>
+        <p:txBody>
+          <a:bodyPr wrap="square" rtlCol="0">
+            <a:spAutoFit/>
+          </a:bodyPr>
+          <a:lstStyle/>
+          <a:p>
+            <a:pPr>
+              <a:lnSpc>
+                <a:spcPct val="150000"/>
+              </a:lnSpc>
+            </a:pPr>
+            <a:r>
+              <a:rPr lang="en-US" altLang="ko-KR" dirty="0" smtClean="0">
+                <a:solidFill>
+                  <a:schemeClr val="bg1"/>
+                </a:solidFill>
+                <a:latin typeface="+mn-ea"/>
+              </a:rPr>
+              <a:t>1)  Baseline Models</a:t>
+            </a:r>
+          </a:p>
+          <a:p>
+            <a:pPr marL="285750" indent="-285750">
+              <a:lnSpc>
+                <a:spcPct val="150000"/>
+              </a:lnSpc>
+              <a:buFontTx/>
+              <a:buChar char="-"/>
+            </a:pPr>
+            <a:r>
+              <a:rPr lang="en-US" altLang="ko-KR" dirty="0" smtClean="0">
+                <a:solidFill>
+                  <a:schemeClr val="bg1"/>
+                </a:solidFill>
+                <a:latin typeface="+mn-ea"/>
+                <a:sym typeface="Wingdings" panose="05000000000000000000" pitchFamily="2" charset="2"/>
+              </a:rPr>
+              <a:t>Fast RCNN </a:t>
+            </a:r>
+            <a:r>
+              <a:rPr lang="ko-KR" altLang="en-US" dirty="0" smtClean="0">
+                <a:solidFill>
+                  <a:schemeClr val="bg1"/>
+                </a:solidFill>
+                <a:latin typeface="+mn-ea"/>
+                <a:sym typeface="Wingdings" panose="05000000000000000000" pitchFamily="2" charset="2"/>
+              </a:rPr>
+              <a:t>구조와 </a:t>
+            </a:r>
+            <a:r>
+              <a:rPr lang="en-US" altLang="ko-KR" dirty="0" smtClean="0">
+                <a:solidFill>
+                  <a:schemeClr val="bg1"/>
+                </a:solidFill>
+                <a:latin typeface="+mn-ea"/>
+                <a:sym typeface="Wingdings" panose="05000000000000000000" pitchFamily="2" charset="2"/>
+              </a:rPr>
+              <a:t>ResNet-50 </a:t>
+            </a:r>
+            <a:r>
+              <a:rPr lang="ko-KR" altLang="en-US" dirty="0" smtClean="0">
+                <a:solidFill>
+                  <a:schemeClr val="bg1"/>
+                </a:solidFill>
+                <a:latin typeface="+mn-ea"/>
+                <a:sym typeface="Wingdings" panose="05000000000000000000" pitchFamily="2" charset="2"/>
+              </a:rPr>
+              <a:t>을 </a:t>
+            </a:r>
+            <a:r>
+              <a:rPr lang="en-US" altLang="ko-KR" dirty="0" smtClean="0">
+                <a:solidFill>
+                  <a:schemeClr val="bg1"/>
+                </a:solidFill>
+                <a:latin typeface="+mn-ea"/>
+                <a:sym typeface="Wingdings" panose="05000000000000000000" pitchFamily="2" charset="2"/>
+              </a:rPr>
+              <a:t>backbone</a:t>
+            </a:r>
+            <a:r>
+              <a:rPr lang="ko-KR" altLang="en-US" dirty="0" smtClean="0">
+                <a:solidFill>
+                  <a:schemeClr val="bg1"/>
+                </a:solidFill>
+                <a:latin typeface="+mn-ea"/>
+                <a:sym typeface="Wingdings" panose="05000000000000000000" pitchFamily="2" charset="2"/>
+              </a:rPr>
+              <a:t>으로 사용하는 몇 가지 </a:t>
+            </a:r>
+            <a:r>
+              <a:rPr lang="en-US" altLang="ko-KR" dirty="0" smtClean="0">
+                <a:solidFill>
+                  <a:schemeClr val="bg1"/>
+                </a:solidFill>
+                <a:latin typeface="+mn-ea"/>
+                <a:sym typeface="Wingdings" panose="05000000000000000000" pitchFamily="2" charset="2"/>
+              </a:rPr>
+              <a:t>baseline</a:t>
+            </a:r>
+            <a:r>
+              <a:rPr lang="ko-KR" altLang="en-US" dirty="0" smtClean="0">
+                <a:solidFill>
+                  <a:schemeClr val="bg1"/>
+                </a:solidFill>
+                <a:latin typeface="+mn-ea"/>
+                <a:sym typeface="Wingdings" panose="05000000000000000000" pitchFamily="2" charset="2"/>
+              </a:rPr>
+              <a:t>들을 비교</a:t>
+            </a:r>
+            <a:endParaRPr lang="ko-KR" altLang="en-US" sz="1400" b="1" u="sng" dirty="0">
+              <a:solidFill>
+                <a:schemeClr val="bg1"/>
+              </a:solidFill>
+              <a:latin typeface="+mn-ea"/>
+            </a:endParaRPr>
+          </a:p>
+        </p:txBody>
+      </p:sp>
+      <p:sp>
+        <p:nvSpPr>
+          <p:cNvPr id="3" name="TextBox 2"/>
+          <p:cNvSpPr txBox="1"/>
+          <p:nvPr/>
+        </p:nvSpPr>
+        <p:spPr>
+          <a:xfrm>
+            <a:off x="1570832" y="366816"/>
+            <a:ext cx="2664296" cy="369332"/>
+          </a:xfrm>
+          <a:prstGeom prst="rect">
+            <a:avLst/>
+          </a:prstGeom>
+          <a:noFill/>
+        </p:spPr>
+        <p:txBody>
+          <a:bodyPr wrap="square" rtlCol="0">
+            <a:spAutoFit/>
+          </a:bodyPr>
+          <a:lstStyle/>
+          <a:p>
+            <a:r>
+              <a:rPr lang="en-US" altLang="ko-KR" b="1" dirty="0" smtClean="0">
+                <a:latin typeface="+mj-ea"/>
+              </a:rPr>
+              <a:t>1) Baseline Models</a:t>
+            </a:r>
+            <a:endParaRPr lang="ko-KR" altLang="en-US" b="1" dirty="0">
+              <a:latin typeface="+mj-ea"/>
+            </a:endParaRPr>
+          </a:p>
+        </p:txBody>
+      </p:sp>
+      <p:sp>
+        <p:nvSpPr>
+          <p:cNvPr id="4" name="TextBox 3"/>
+          <p:cNvSpPr txBox="1"/>
+          <p:nvPr/>
+        </p:nvSpPr>
+        <p:spPr>
+          <a:xfrm>
+            <a:off x="479376" y="2276872"/>
+            <a:ext cx="6552728" cy="3647152"/>
+          </a:xfrm>
+          <a:prstGeom prst="rect">
+            <a:avLst/>
+          </a:prstGeom>
+          <a:noFill/>
+        </p:spPr>
+        <p:txBody>
+          <a:bodyPr wrap="square" rtlCol="0">
+            <a:spAutoFit/>
+          </a:bodyPr>
+          <a:lstStyle/>
+          <a:p>
+            <a:pPr>
+              <a:lnSpc>
+                <a:spcPct val="150000"/>
+              </a:lnSpc>
+            </a:pPr>
+            <a:r>
+              <a:rPr lang="en-US" altLang="ko-KR" sz="1400" dirty="0" smtClean="0">
+                <a:solidFill>
+                  <a:schemeClr val="bg1"/>
+                </a:solidFill>
+                <a:latin typeface="+mn-ea"/>
+              </a:rPr>
+              <a:t>1&gt; RODEO</a:t>
+            </a:r>
+          </a:p>
+          <a:p>
+            <a:pPr marL="285750" indent="-285750">
+              <a:lnSpc>
+                <a:spcPct val="150000"/>
+              </a:lnSpc>
+              <a:buFontTx/>
+              <a:buChar char="-"/>
+            </a:pPr>
+            <a:r>
+              <a:rPr lang="en-US" altLang="ko-KR" sz="1400" dirty="0" smtClean="0">
+                <a:solidFill>
+                  <a:schemeClr val="bg1"/>
+                </a:solidFill>
+                <a:latin typeface="+mn-ea"/>
+              </a:rPr>
+              <a:t>Replay </a:t>
+            </a:r>
+            <a:r>
+              <a:rPr lang="ko-KR" altLang="en-US" sz="1400" dirty="0" err="1" smtClean="0">
+                <a:solidFill>
+                  <a:schemeClr val="bg1"/>
+                </a:solidFill>
+                <a:latin typeface="+mn-ea"/>
+              </a:rPr>
+              <a:t>매커니즘</a:t>
+            </a:r>
+            <a:r>
+              <a:rPr lang="ko-KR" altLang="en-US" sz="1400" dirty="0" smtClean="0">
+                <a:solidFill>
+                  <a:schemeClr val="bg1"/>
+                </a:solidFill>
+                <a:latin typeface="+mn-ea"/>
+              </a:rPr>
+              <a:t> 적용</a:t>
+            </a:r>
+            <a:endParaRPr lang="en-US" altLang="ko-KR" sz="1400" dirty="0" smtClean="0">
+              <a:solidFill>
+                <a:schemeClr val="bg1"/>
+              </a:solidFill>
+              <a:latin typeface="+mn-ea"/>
+            </a:endParaRPr>
+          </a:p>
+          <a:p>
+            <a:pPr>
+              <a:lnSpc>
+                <a:spcPct val="150000"/>
+              </a:lnSpc>
+            </a:pPr>
+            <a:r>
+              <a:rPr lang="en-US" altLang="ko-KR" sz="1400" dirty="0" smtClean="0">
+                <a:solidFill>
+                  <a:schemeClr val="bg1"/>
+                </a:solidFill>
+                <a:latin typeface="+mn-ea"/>
+              </a:rPr>
+              <a:t>2&gt; Fine-Tune</a:t>
+            </a:r>
+          </a:p>
+          <a:p>
+            <a:pPr marL="285750" indent="-285750">
+              <a:lnSpc>
+                <a:spcPct val="150000"/>
+              </a:lnSpc>
+              <a:buFontTx/>
+              <a:buChar char="-"/>
+            </a:pPr>
+            <a:r>
+              <a:rPr lang="en-US" altLang="ko-KR" sz="1400" dirty="0" smtClean="0">
+                <a:solidFill>
+                  <a:schemeClr val="bg1"/>
+                </a:solidFill>
+                <a:latin typeface="+mn-ea"/>
+              </a:rPr>
+              <a:t>Single epoch </a:t>
+            </a:r>
+            <a:r>
+              <a:rPr lang="ko-KR" altLang="en-US" sz="1400" dirty="0" smtClean="0">
+                <a:solidFill>
+                  <a:schemeClr val="bg1"/>
+                </a:solidFill>
+                <a:latin typeface="+mn-ea"/>
+              </a:rPr>
+              <a:t>마다 하나의 </a:t>
+            </a:r>
+            <a:r>
+              <a:rPr lang="en-US" altLang="ko-KR" sz="1400" dirty="0" smtClean="0">
+                <a:solidFill>
+                  <a:schemeClr val="bg1"/>
+                </a:solidFill>
+                <a:latin typeface="+mn-ea"/>
+              </a:rPr>
+              <a:t>example, but Replay</a:t>
+            </a:r>
+            <a:r>
+              <a:rPr lang="en-US" altLang="ko-KR" sz="1400" b="1" dirty="0" smtClean="0">
+                <a:solidFill>
+                  <a:schemeClr val="bg1"/>
+                </a:solidFill>
+                <a:latin typeface="+mn-ea"/>
+              </a:rPr>
+              <a:t>(x)</a:t>
+            </a:r>
+          </a:p>
+          <a:p>
+            <a:pPr marL="285750" indent="-285750">
+              <a:lnSpc>
+                <a:spcPct val="150000"/>
+              </a:lnSpc>
+              <a:buFontTx/>
+              <a:buChar char="-"/>
+            </a:pPr>
+            <a:r>
+              <a:rPr lang="en-US" altLang="ko-KR" sz="1400" dirty="0" smtClean="0">
+                <a:solidFill>
+                  <a:schemeClr val="bg1"/>
+                </a:solidFill>
+                <a:latin typeface="+mn-ea"/>
+              </a:rPr>
+              <a:t>Forgetting </a:t>
+            </a:r>
+            <a:r>
+              <a:rPr lang="ko-KR" altLang="en-US" sz="1400" dirty="0" smtClean="0">
+                <a:solidFill>
+                  <a:schemeClr val="bg1"/>
+                </a:solidFill>
+                <a:latin typeface="+mn-ea"/>
+              </a:rPr>
+              <a:t>문제 발생</a:t>
+            </a:r>
+            <a:endParaRPr lang="en-US" altLang="ko-KR" sz="1400" dirty="0" smtClean="0">
+              <a:solidFill>
+                <a:schemeClr val="bg1"/>
+              </a:solidFill>
+              <a:latin typeface="+mn-ea"/>
+            </a:endParaRPr>
+          </a:p>
+          <a:p>
+            <a:pPr>
+              <a:lnSpc>
+                <a:spcPct val="150000"/>
+              </a:lnSpc>
+            </a:pPr>
+            <a:r>
+              <a:rPr lang="en-US" altLang="ko-KR" sz="1400" dirty="0" smtClean="0">
+                <a:solidFill>
+                  <a:schemeClr val="bg1"/>
+                </a:solidFill>
+                <a:latin typeface="+mn-ea"/>
+              </a:rPr>
+              <a:t>3&gt; </a:t>
+            </a:r>
+            <a:r>
+              <a:rPr lang="en-US" altLang="ko-KR" sz="1400" dirty="0" err="1" smtClean="0">
+                <a:solidFill>
+                  <a:schemeClr val="bg1"/>
+                </a:solidFill>
+                <a:latin typeface="+mn-ea"/>
+              </a:rPr>
+              <a:t>ILwFOD</a:t>
+            </a:r>
+            <a:endParaRPr lang="en-US" altLang="ko-KR" sz="1400" dirty="0" smtClean="0">
+              <a:solidFill>
+                <a:schemeClr val="bg1"/>
+              </a:solidFill>
+              <a:latin typeface="+mn-ea"/>
+            </a:endParaRPr>
+          </a:p>
+          <a:p>
+            <a:pPr marL="285750" indent="-285750">
+              <a:lnSpc>
+                <a:spcPct val="150000"/>
+              </a:lnSpc>
+              <a:buFontTx/>
+              <a:buChar char="-"/>
+            </a:pPr>
+            <a:r>
+              <a:rPr lang="en-US" altLang="ko-KR" sz="1400" dirty="0" smtClean="0">
+                <a:solidFill>
+                  <a:schemeClr val="bg1"/>
+                </a:solidFill>
+                <a:latin typeface="+mn-ea"/>
+              </a:rPr>
+              <a:t>Incremental learning + Distillation</a:t>
+            </a:r>
+          </a:p>
+          <a:p>
+            <a:pPr>
+              <a:lnSpc>
+                <a:spcPct val="150000"/>
+              </a:lnSpc>
+            </a:pPr>
+            <a:r>
+              <a:rPr lang="en-US" altLang="ko-KR" sz="1400" dirty="0" smtClean="0">
+                <a:solidFill>
+                  <a:schemeClr val="bg1"/>
+                </a:solidFill>
+                <a:latin typeface="+mn-ea"/>
+              </a:rPr>
+              <a:t>4&gt; SLDA + Stream-Regress</a:t>
+            </a:r>
+          </a:p>
+          <a:p>
+            <a:pPr>
+              <a:lnSpc>
+                <a:spcPct val="150000"/>
+              </a:lnSpc>
+            </a:pPr>
+            <a:r>
+              <a:rPr lang="en-US" altLang="ko-KR" sz="1400" dirty="0" smtClean="0">
+                <a:solidFill>
+                  <a:schemeClr val="bg1"/>
+                </a:solidFill>
+                <a:latin typeface="+mn-ea"/>
+              </a:rPr>
+              <a:t>5&gt; Offline</a:t>
+            </a:r>
+          </a:p>
+          <a:p>
+            <a:pPr marL="285750" indent="-285750">
+              <a:lnSpc>
+                <a:spcPct val="150000"/>
+              </a:lnSpc>
+              <a:buFontTx/>
+              <a:buChar char="-"/>
+            </a:pPr>
+            <a:r>
+              <a:rPr lang="en-US" altLang="ko-KR" sz="1400" dirty="0" smtClean="0">
+                <a:solidFill>
+                  <a:schemeClr val="bg1"/>
+                </a:solidFill>
+                <a:latin typeface="+mn-ea"/>
+              </a:rPr>
+              <a:t>Mini-batch </a:t>
+            </a:r>
+            <a:r>
+              <a:rPr lang="ko-KR" altLang="en-US" sz="1400" dirty="0" smtClean="0">
+                <a:solidFill>
+                  <a:schemeClr val="bg1"/>
+                </a:solidFill>
+                <a:latin typeface="+mn-ea"/>
+              </a:rPr>
+              <a:t>와 </a:t>
+            </a:r>
+            <a:r>
+              <a:rPr lang="en-US" altLang="ko-KR" sz="1400" dirty="0" smtClean="0">
+                <a:solidFill>
+                  <a:schemeClr val="bg1"/>
+                </a:solidFill>
+                <a:latin typeface="+mn-ea"/>
+              </a:rPr>
+              <a:t>epochs </a:t>
+            </a:r>
+            <a:r>
+              <a:rPr lang="ko-KR" altLang="en-US" sz="1400" dirty="0" smtClean="0">
+                <a:solidFill>
+                  <a:schemeClr val="bg1"/>
+                </a:solidFill>
+                <a:latin typeface="+mn-ea"/>
+              </a:rPr>
+              <a:t>동안 </a:t>
+            </a:r>
+            <a:r>
+              <a:rPr lang="en-US" altLang="ko-KR" sz="1400" dirty="0" smtClean="0">
+                <a:solidFill>
+                  <a:schemeClr val="bg1"/>
+                </a:solidFill>
+                <a:latin typeface="+mn-ea"/>
+              </a:rPr>
+              <a:t>train</a:t>
+            </a:r>
+            <a:r>
+              <a:rPr lang="ko-KR" altLang="en-US" sz="1400" dirty="0" smtClean="0">
+                <a:solidFill>
+                  <a:schemeClr val="bg1"/>
+                </a:solidFill>
+                <a:latin typeface="+mn-ea"/>
+              </a:rPr>
+              <a:t>되는</a:t>
+            </a:r>
+            <a:r>
+              <a:rPr lang="en-US" altLang="ko-KR" sz="1400" dirty="0">
+                <a:solidFill>
+                  <a:schemeClr val="bg1"/>
+                </a:solidFill>
+                <a:latin typeface="+mn-ea"/>
+              </a:rPr>
+              <a:t> </a:t>
+            </a:r>
+            <a:r>
+              <a:rPr lang="ko-KR" altLang="en-US" sz="1400" dirty="0" smtClean="0">
+                <a:solidFill>
+                  <a:schemeClr val="bg1"/>
+                </a:solidFill>
+                <a:latin typeface="+mn-ea"/>
+              </a:rPr>
+              <a:t>기본적인 </a:t>
+            </a:r>
+            <a:r>
+              <a:rPr lang="en-US" altLang="ko-KR" sz="1400" dirty="0" smtClean="0">
+                <a:solidFill>
+                  <a:schemeClr val="bg1"/>
+                </a:solidFill>
+                <a:latin typeface="+mn-ea"/>
+              </a:rPr>
+              <a:t>object detection network</a:t>
+            </a:r>
+          </a:p>
+          <a:p>
+            <a:pPr marL="285750" indent="-285750">
+              <a:lnSpc>
+                <a:spcPct val="150000"/>
+              </a:lnSpc>
+              <a:buFontTx/>
+              <a:buChar char="-"/>
+            </a:pPr>
+            <a:r>
+              <a:rPr lang="en-US" altLang="ko-KR" sz="1400" dirty="0" smtClean="0">
+                <a:solidFill>
+                  <a:schemeClr val="bg1"/>
+                </a:solidFill>
+                <a:latin typeface="+mn-ea"/>
+              </a:rPr>
+              <a:t>Offline </a:t>
+            </a:r>
+            <a:r>
+              <a:rPr lang="ko-KR" altLang="en-US" sz="1400" dirty="0" smtClean="0">
+                <a:solidFill>
+                  <a:schemeClr val="bg1"/>
+                </a:solidFill>
+                <a:latin typeface="+mn-ea"/>
+              </a:rPr>
+              <a:t>에서 </a:t>
+            </a:r>
+            <a:r>
+              <a:rPr lang="en-US" altLang="ko-KR" sz="1400" dirty="0" smtClean="0">
+                <a:solidFill>
+                  <a:schemeClr val="bg1"/>
+                </a:solidFill>
+                <a:latin typeface="+mn-ea"/>
+              </a:rPr>
+              <a:t>train</a:t>
+            </a:r>
+            <a:endParaRPr lang="ko-KR" altLang="en-US" sz="1400" dirty="0">
+              <a:solidFill>
+                <a:schemeClr val="bg1"/>
+              </a:solidFill>
+              <a:latin typeface="+mn-ea"/>
+            </a:endParaRPr>
+          </a:p>
+        </p:txBody>
+      </p:sp>
+      <p:pic>
+        <p:nvPicPr>
+          <p:cNvPr id="2050" name="Picture 2" descr="C:\Users\사용자\PycharmProjects\lotte_studying\reference_image\KwonHH\RODEO_Replay for Online Object Detection\Tabel2_Incremental mAP results for several variants of RODEO.JPG"/>
+          <p:cNvPicPr>
+            <a:picLocks noChangeAspect="1" noChangeArrowheads="1"/>
+          </p:cNvPicPr>
+          <p:nvPr/>
+        </p:nvPicPr>
+        <p:blipFill>
+          <a:blip r:embed="rId3">
+            <a:extLst>
+              <a:ext uri="{28A0092B-C50C-407E-A947-70E740481C1C}">
+                <a14:useLocalDpi xmlns:a14="http://schemas.microsoft.com/office/drawing/2010/main" val="0"/>
+              </a:ext>
+            </a:extLst>
+          </a:blip>
+          <a:srcRect/>
+          <a:stretch>
+            <a:fillRect/>
+          </a:stretch>
+        </p:blipFill>
+        <p:spPr bwMode="auto">
+          <a:xfrm>
+            <a:off x="7176120" y="2348880"/>
+            <a:ext cx="4032448" cy="3821156"/>
+          </a:xfrm>
+          <a:prstGeom prst="rect">
+            <a:avLst/>
+          </a:prstGeom>
+          <a:noFill/>
+          <a:extLst>
+            <a:ext uri="{909E8E84-426E-40DD-AFC4-6F175D3DCCD1}">
+              <a14:hiddenFill xmlns:a14="http://schemas.microsoft.com/office/drawing/2010/main">
+                <a:solidFill>
+                  <a:srgbClr val="FFFFFF"/>
+                </a:solidFill>
+              </a14:hiddenFill>
+            </a:ext>
+          </a:extLst>
+        </p:spPr>
+      </p:pic>
+    </p:spTree>
+    <p:extLst>
+      <p:ext uri="{BB962C8B-B14F-4D97-AF65-F5344CB8AC3E}">
+        <p14:creationId xmlns:p14="http://schemas.microsoft.com/office/powerpoint/2010/main" val="2631022259"/>
       </p:ext>
     </p:extLst>
   </p:cSld>
@@ -14970,7 +15264,7 @@
           <p:cNvPr id="129" name="직사각형 128">
             <a:extLst>
               <a:ext uri="{FF2B5EF4-FFF2-40B4-BE49-F238E27FC236}">
-                <a16:creationId xmlns:a16="http://schemas.microsoft.com/office/drawing/2014/main" xmlns="" id="{5F0B186A-DCA6-449E-954A-F4F42CC0D592}"/>
+                <a16:creationId xmlns="" xmlns:a16="http://schemas.microsoft.com/office/drawing/2014/main" id="{5F0B186A-DCA6-449E-954A-F4F42CC0D592}"/>
               </a:ext>
             </a:extLst>
           </p:cNvPr>
@@ -15044,7 +15338,7 @@
           <p:cNvPr id="1024" name="슬라이드 번호 개체 틀 1023">
             <a:extLst>
               <a:ext uri="{FF2B5EF4-FFF2-40B4-BE49-F238E27FC236}">
-                <a16:creationId xmlns:a16="http://schemas.microsoft.com/office/drawing/2014/main" xmlns="" id="{D7ECFDE3-EB78-4198-B1C1-7576EBEBD0EA}"/>
+                <a16:creationId xmlns="" xmlns:a16="http://schemas.microsoft.com/office/drawing/2014/main" id="{D7ECFDE3-EB78-4198-B1C1-7576EBEBD0EA}"/>
               </a:ext>
             </a:extLst>
           </p:cNvPr>
@@ -15078,836 +15372,7 @@
           <p:cNvPr id="62" name="직사각형 61">
             <a:extLst>
               <a:ext uri="{FF2B5EF4-FFF2-40B4-BE49-F238E27FC236}">
-                <a16:creationId xmlns:a16="http://schemas.microsoft.com/office/drawing/2014/main" xmlns="" id="{70B01BF8-29D3-4D23-BC64-0489F3113852}"/>
-              </a:ext>
-            </a:extLst>
-          </p:cNvPr>
-          <p:cNvSpPr/>
-          <p:nvPr/>
-        </p:nvSpPr>
-        <p:spPr>
-          <a:xfrm>
-            <a:off x="-143" y="1019614"/>
-            <a:ext cx="12192000" cy="5256584"/>
-          </a:xfrm>
-          <a:prstGeom prst="rect">
-            <a:avLst/>
-          </a:prstGeom>
-          <a:solidFill>
-            <a:schemeClr val="tx1"/>
-          </a:solidFill>
-          <a:ln>
-            <a:noFill/>
-          </a:ln>
-        </p:spPr>
-        <p:style>
-          <a:lnRef idx="2">
-            <a:schemeClr val="accent1">
-              <a:shade val="50000"/>
-            </a:schemeClr>
-          </a:lnRef>
-          <a:fillRef idx="1">
-            <a:schemeClr val="accent1"/>
-          </a:fillRef>
-          <a:effectRef idx="0">
-            <a:schemeClr val="accent1"/>
-          </a:effectRef>
-          <a:fontRef idx="minor">
-            <a:schemeClr val="lt1"/>
-          </a:fontRef>
-        </p:style>
-        <p:txBody>
-          <a:bodyPr rtlCol="0" anchor="ctr"/>
-          <a:lstStyle/>
-          <a:p>
-            <a:pPr algn="ctr"/>
-            <a:endParaRPr lang="ko-KR" altLang="en-US"/>
-          </a:p>
-        </p:txBody>
-      </p:sp>
-      <p:pic>
-        <p:nvPicPr>
-          <p:cNvPr id="8" name="Picture 2" descr="롯데정보통신, '랄프체인'으로 블록체인 Si 솔루션 도전"/>
-          <p:cNvPicPr>
-            <a:picLocks noChangeAspect="1" noChangeArrowheads="1"/>
-          </p:cNvPicPr>
-          <p:nvPr/>
-        </p:nvPicPr>
-        <p:blipFill rotWithShape="1">
-          <a:blip r:embed="rId2" cstate="print">
-            <a:extLst>
-              <a:ext uri="{28A0092B-C50C-407E-A947-70E740481C1C}">
-                <a14:useLocalDpi xmlns:a14="http://schemas.microsoft.com/office/drawing/2010/main" val="0"/>
-              </a:ext>
-            </a:extLst>
-          </a:blip>
-          <a:srcRect t="20471"/>
-          <a:stretch/>
-        </p:blipFill>
-        <p:spPr bwMode="auto">
-          <a:xfrm>
-            <a:off x="9624392" y="116632"/>
-            <a:ext cx="2448272" cy="869700"/>
-          </a:xfrm>
-          <a:prstGeom prst="rect">
-            <a:avLst/>
-          </a:prstGeom>
-          <a:solidFill>
-            <a:srgbClr val="FF0000"/>
-          </a:solidFill>
-          <a:effectLst>
-            <a:softEdge rad="127000"/>
-          </a:effectLst>
-        </p:spPr>
-      </p:pic>
-      <p:sp>
-        <p:nvSpPr>
-          <p:cNvPr id="2" name="TextBox 1"/>
-          <p:cNvSpPr txBox="1"/>
-          <p:nvPr/>
-        </p:nvSpPr>
-        <p:spPr>
-          <a:xfrm>
-            <a:off x="551384" y="1220559"/>
-            <a:ext cx="10513168" cy="923330"/>
-          </a:xfrm>
-          <a:prstGeom prst="rect">
-            <a:avLst/>
-          </a:prstGeom>
-          <a:noFill/>
-        </p:spPr>
-        <p:txBody>
-          <a:bodyPr wrap="square" rtlCol="0">
-            <a:spAutoFit/>
-          </a:bodyPr>
-          <a:lstStyle/>
-          <a:p>
-            <a:pPr>
-              <a:lnSpc>
-                <a:spcPct val="150000"/>
-              </a:lnSpc>
-            </a:pPr>
-            <a:r>
-              <a:rPr lang="en-US" altLang="ko-KR" dirty="0" smtClean="0">
-                <a:solidFill>
-                  <a:schemeClr val="bg1"/>
-                </a:solidFill>
-                <a:latin typeface="+mn-ea"/>
-              </a:rPr>
-              <a:t>1)  Baseline Models</a:t>
-            </a:r>
-          </a:p>
-          <a:p>
-            <a:pPr marL="285750" indent="-285750">
-              <a:lnSpc>
-                <a:spcPct val="150000"/>
-              </a:lnSpc>
-              <a:buFontTx/>
-              <a:buChar char="-"/>
-            </a:pPr>
-            <a:r>
-              <a:rPr lang="en-US" altLang="ko-KR" dirty="0" smtClean="0">
-                <a:solidFill>
-                  <a:schemeClr val="bg1"/>
-                </a:solidFill>
-                <a:latin typeface="+mn-ea"/>
-                <a:sym typeface="Wingdings" panose="05000000000000000000" pitchFamily="2" charset="2"/>
-              </a:rPr>
-              <a:t>Fast RCNN </a:t>
-            </a:r>
-            <a:r>
-              <a:rPr lang="ko-KR" altLang="en-US" dirty="0" smtClean="0">
-                <a:solidFill>
-                  <a:schemeClr val="bg1"/>
-                </a:solidFill>
-                <a:latin typeface="+mn-ea"/>
-                <a:sym typeface="Wingdings" panose="05000000000000000000" pitchFamily="2" charset="2"/>
-              </a:rPr>
-              <a:t>구조와 </a:t>
-            </a:r>
-            <a:r>
-              <a:rPr lang="en-US" altLang="ko-KR" dirty="0" smtClean="0">
-                <a:solidFill>
-                  <a:schemeClr val="bg1"/>
-                </a:solidFill>
-                <a:latin typeface="+mn-ea"/>
-                <a:sym typeface="Wingdings" panose="05000000000000000000" pitchFamily="2" charset="2"/>
-              </a:rPr>
-              <a:t>ResNet-50 </a:t>
-            </a:r>
-            <a:r>
-              <a:rPr lang="ko-KR" altLang="en-US" dirty="0" smtClean="0">
-                <a:solidFill>
-                  <a:schemeClr val="bg1"/>
-                </a:solidFill>
-                <a:latin typeface="+mn-ea"/>
-                <a:sym typeface="Wingdings" panose="05000000000000000000" pitchFamily="2" charset="2"/>
-              </a:rPr>
-              <a:t>을 </a:t>
-            </a:r>
-            <a:r>
-              <a:rPr lang="en-US" altLang="ko-KR" dirty="0" smtClean="0">
-                <a:solidFill>
-                  <a:schemeClr val="bg1"/>
-                </a:solidFill>
-                <a:latin typeface="+mn-ea"/>
-                <a:sym typeface="Wingdings" panose="05000000000000000000" pitchFamily="2" charset="2"/>
-              </a:rPr>
-              <a:t>backbone</a:t>
-            </a:r>
-            <a:r>
-              <a:rPr lang="ko-KR" altLang="en-US" dirty="0" smtClean="0">
-                <a:solidFill>
-                  <a:schemeClr val="bg1"/>
-                </a:solidFill>
-                <a:latin typeface="+mn-ea"/>
-                <a:sym typeface="Wingdings" panose="05000000000000000000" pitchFamily="2" charset="2"/>
-              </a:rPr>
-              <a:t>으로 사용하는 몇 가지 </a:t>
-            </a:r>
-            <a:r>
-              <a:rPr lang="en-US" altLang="ko-KR" dirty="0" smtClean="0">
-                <a:solidFill>
-                  <a:schemeClr val="bg1"/>
-                </a:solidFill>
-                <a:latin typeface="+mn-ea"/>
-                <a:sym typeface="Wingdings" panose="05000000000000000000" pitchFamily="2" charset="2"/>
-              </a:rPr>
-              <a:t>baseline</a:t>
-            </a:r>
-            <a:r>
-              <a:rPr lang="ko-KR" altLang="en-US" dirty="0" smtClean="0">
-                <a:solidFill>
-                  <a:schemeClr val="bg1"/>
-                </a:solidFill>
-                <a:latin typeface="+mn-ea"/>
-                <a:sym typeface="Wingdings" panose="05000000000000000000" pitchFamily="2" charset="2"/>
-              </a:rPr>
-              <a:t>들을 비교</a:t>
-            </a:r>
-            <a:endParaRPr lang="ko-KR" altLang="en-US" sz="1400" b="1" u="sng" dirty="0">
-              <a:solidFill>
-                <a:schemeClr val="bg1"/>
-              </a:solidFill>
-              <a:latin typeface="+mn-ea"/>
-            </a:endParaRPr>
-          </a:p>
-        </p:txBody>
-      </p:sp>
-      <p:sp>
-        <p:nvSpPr>
-          <p:cNvPr id="3" name="TextBox 2"/>
-          <p:cNvSpPr txBox="1"/>
-          <p:nvPr/>
-        </p:nvSpPr>
-        <p:spPr>
-          <a:xfrm>
-            <a:off x="1570832" y="366816"/>
-            <a:ext cx="2664296" cy="369332"/>
-          </a:xfrm>
-          <a:prstGeom prst="rect">
-            <a:avLst/>
-          </a:prstGeom>
-          <a:noFill/>
-        </p:spPr>
-        <p:txBody>
-          <a:bodyPr wrap="square" rtlCol="0">
-            <a:spAutoFit/>
-          </a:bodyPr>
-          <a:lstStyle/>
-          <a:p>
-            <a:r>
-              <a:rPr lang="en-US" altLang="ko-KR" b="1" dirty="0" smtClean="0">
-                <a:latin typeface="+mj-ea"/>
-              </a:rPr>
-              <a:t>1) Baseline Models</a:t>
-            </a:r>
-            <a:endParaRPr lang="ko-KR" altLang="en-US" b="1" dirty="0">
-              <a:latin typeface="+mj-ea"/>
-            </a:endParaRPr>
-          </a:p>
-        </p:txBody>
-      </p:sp>
-      <p:sp>
-        <p:nvSpPr>
-          <p:cNvPr id="4" name="TextBox 3"/>
-          <p:cNvSpPr txBox="1"/>
-          <p:nvPr/>
-        </p:nvSpPr>
-        <p:spPr>
-          <a:xfrm>
-            <a:off x="479376" y="2276872"/>
-            <a:ext cx="6552728" cy="3647152"/>
-          </a:xfrm>
-          <a:prstGeom prst="rect">
-            <a:avLst/>
-          </a:prstGeom>
-          <a:noFill/>
-        </p:spPr>
-        <p:txBody>
-          <a:bodyPr wrap="square" rtlCol="0">
-            <a:spAutoFit/>
-          </a:bodyPr>
-          <a:lstStyle/>
-          <a:p>
-            <a:pPr>
-              <a:lnSpc>
-                <a:spcPct val="150000"/>
-              </a:lnSpc>
-            </a:pPr>
-            <a:r>
-              <a:rPr lang="en-US" altLang="ko-KR" sz="1400" dirty="0" smtClean="0">
-                <a:solidFill>
-                  <a:schemeClr val="bg1"/>
-                </a:solidFill>
-                <a:latin typeface="+mn-ea"/>
-              </a:rPr>
-              <a:t>1&gt; RODEO</a:t>
-            </a:r>
-          </a:p>
-          <a:p>
-            <a:pPr marL="285750" indent="-285750">
-              <a:lnSpc>
-                <a:spcPct val="150000"/>
-              </a:lnSpc>
-              <a:buFontTx/>
-              <a:buChar char="-"/>
-            </a:pPr>
-            <a:r>
-              <a:rPr lang="en-US" altLang="ko-KR" sz="1400" dirty="0" smtClean="0">
-                <a:solidFill>
-                  <a:schemeClr val="bg1"/>
-                </a:solidFill>
-                <a:latin typeface="+mn-ea"/>
-              </a:rPr>
-              <a:t>Replay </a:t>
-            </a:r>
-            <a:r>
-              <a:rPr lang="ko-KR" altLang="en-US" sz="1400" dirty="0" err="1" smtClean="0">
-                <a:solidFill>
-                  <a:schemeClr val="bg1"/>
-                </a:solidFill>
-                <a:latin typeface="+mn-ea"/>
-              </a:rPr>
-              <a:t>매커니즘</a:t>
-            </a:r>
-            <a:r>
-              <a:rPr lang="ko-KR" altLang="en-US" sz="1400" dirty="0" smtClean="0">
-                <a:solidFill>
-                  <a:schemeClr val="bg1"/>
-                </a:solidFill>
-                <a:latin typeface="+mn-ea"/>
-              </a:rPr>
-              <a:t> 적용</a:t>
-            </a:r>
-            <a:endParaRPr lang="en-US" altLang="ko-KR" sz="1400" dirty="0" smtClean="0">
-              <a:solidFill>
-                <a:schemeClr val="bg1"/>
-              </a:solidFill>
-              <a:latin typeface="+mn-ea"/>
-            </a:endParaRPr>
-          </a:p>
-          <a:p>
-            <a:pPr>
-              <a:lnSpc>
-                <a:spcPct val="150000"/>
-              </a:lnSpc>
-            </a:pPr>
-            <a:r>
-              <a:rPr lang="en-US" altLang="ko-KR" sz="1400" dirty="0" smtClean="0">
-                <a:solidFill>
-                  <a:schemeClr val="bg1"/>
-                </a:solidFill>
-                <a:latin typeface="+mn-ea"/>
-              </a:rPr>
-              <a:t>2&gt; Fine-Tune</a:t>
-            </a:r>
-          </a:p>
-          <a:p>
-            <a:pPr marL="285750" indent="-285750">
-              <a:lnSpc>
-                <a:spcPct val="150000"/>
-              </a:lnSpc>
-              <a:buFontTx/>
-              <a:buChar char="-"/>
-            </a:pPr>
-            <a:r>
-              <a:rPr lang="en-US" altLang="ko-KR" sz="1400" dirty="0" smtClean="0">
-                <a:solidFill>
-                  <a:schemeClr val="bg1"/>
-                </a:solidFill>
-                <a:latin typeface="+mn-ea"/>
-              </a:rPr>
-              <a:t>Single epoch </a:t>
-            </a:r>
-            <a:r>
-              <a:rPr lang="ko-KR" altLang="en-US" sz="1400" dirty="0" smtClean="0">
-                <a:solidFill>
-                  <a:schemeClr val="bg1"/>
-                </a:solidFill>
-                <a:latin typeface="+mn-ea"/>
-              </a:rPr>
-              <a:t>마다 하나의 </a:t>
-            </a:r>
-            <a:r>
-              <a:rPr lang="en-US" altLang="ko-KR" sz="1400" dirty="0" smtClean="0">
-                <a:solidFill>
-                  <a:schemeClr val="bg1"/>
-                </a:solidFill>
-                <a:latin typeface="+mn-ea"/>
-              </a:rPr>
-              <a:t>example, but Replay</a:t>
-            </a:r>
-            <a:r>
-              <a:rPr lang="en-US" altLang="ko-KR" sz="1400" b="1" dirty="0" smtClean="0">
-                <a:solidFill>
-                  <a:schemeClr val="bg1"/>
-                </a:solidFill>
-                <a:latin typeface="+mn-ea"/>
-              </a:rPr>
-              <a:t>(x)</a:t>
-            </a:r>
-          </a:p>
-          <a:p>
-            <a:pPr marL="285750" indent="-285750">
-              <a:lnSpc>
-                <a:spcPct val="150000"/>
-              </a:lnSpc>
-              <a:buFontTx/>
-              <a:buChar char="-"/>
-            </a:pPr>
-            <a:r>
-              <a:rPr lang="en-US" altLang="ko-KR" sz="1400" dirty="0" smtClean="0">
-                <a:solidFill>
-                  <a:schemeClr val="bg1"/>
-                </a:solidFill>
-                <a:latin typeface="+mn-ea"/>
-              </a:rPr>
-              <a:t>Forgetting </a:t>
-            </a:r>
-            <a:r>
-              <a:rPr lang="ko-KR" altLang="en-US" sz="1400" dirty="0" smtClean="0">
-                <a:solidFill>
-                  <a:schemeClr val="bg1"/>
-                </a:solidFill>
-                <a:latin typeface="+mn-ea"/>
-              </a:rPr>
-              <a:t>문제 발생</a:t>
-            </a:r>
-            <a:endParaRPr lang="en-US" altLang="ko-KR" sz="1400" dirty="0" smtClean="0">
-              <a:solidFill>
-                <a:schemeClr val="bg1"/>
-              </a:solidFill>
-              <a:latin typeface="+mn-ea"/>
-            </a:endParaRPr>
-          </a:p>
-          <a:p>
-            <a:pPr>
-              <a:lnSpc>
-                <a:spcPct val="150000"/>
-              </a:lnSpc>
-            </a:pPr>
-            <a:r>
-              <a:rPr lang="en-US" altLang="ko-KR" sz="1400" dirty="0" smtClean="0">
-                <a:solidFill>
-                  <a:schemeClr val="bg1"/>
-                </a:solidFill>
-                <a:latin typeface="+mn-ea"/>
-              </a:rPr>
-              <a:t>3&gt; </a:t>
-            </a:r>
-            <a:r>
-              <a:rPr lang="en-US" altLang="ko-KR" sz="1400" dirty="0" err="1" smtClean="0">
-                <a:solidFill>
-                  <a:schemeClr val="bg1"/>
-                </a:solidFill>
-                <a:latin typeface="+mn-ea"/>
-              </a:rPr>
-              <a:t>ILwFOD</a:t>
-            </a:r>
-            <a:endParaRPr lang="en-US" altLang="ko-KR" sz="1400" dirty="0" smtClean="0">
-              <a:solidFill>
-                <a:schemeClr val="bg1"/>
-              </a:solidFill>
-              <a:latin typeface="+mn-ea"/>
-            </a:endParaRPr>
-          </a:p>
-          <a:p>
-            <a:pPr marL="285750" indent="-285750">
-              <a:lnSpc>
-                <a:spcPct val="150000"/>
-              </a:lnSpc>
-              <a:buFontTx/>
-              <a:buChar char="-"/>
-            </a:pPr>
-            <a:r>
-              <a:rPr lang="en-US" altLang="ko-KR" sz="1400" dirty="0" smtClean="0">
-                <a:solidFill>
-                  <a:schemeClr val="bg1"/>
-                </a:solidFill>
-                <a:latin typeface="+mn-ea"/>
-              </a:rPr>
-              <a:t>Incremental learning + Distillation</a:t>
-            </a:r>
-          </a:p>
-          <a:p>
-            <a:pPr>
-              <a:lnSpc>
-                <a:spcPct val="150000"/>
-              </a:lnSpc>
-            </a:pPr>
-            <a:r>
-              <a:rPr lang="en-US" altLang="ko-KR" sz="1400" dirty="0" smtClean="0">
-                <a:solidFill>
-                  <a:schemeClr val="bg1"/>
-                </a:solidFill>
-                <a:latin typeface="+mn-ea"/>
-              </a:rPr>
-              <a:t>4&gt; SLDA + Stream-Regress</a:t>
-            </a:r>
-          </a:p>
-          <a:p>
-            <a:pPr>
-              <a:lnSpc>
-                <a:spcPct val="150000"/>
-              </a:lnSpc>
-            </a:pPr>
-            <a:r>
-              <a:rPr lang="en-US" altLang="ko-KR" sz="1400" dirty="0" smtClean="0">
-                <a:solidFill>
-                  <a:schemeClr val="bg1"/>
-                </a:solidFill>
-                <a:latin typeface="+mn-ea"/>
-              </a:rPr>
-              <a:t>5&gt; Offline</a:t>
-            </a:r>
-          </a:p>
-          <a:p>
-            <a:pPr marL="285750" indent="-285750">
-              <a:lnSpc>
-                <a:spcPct val="150000"/>
-              </a:lnSpc>
-              <a:buFontTx/>
-              <a:buChar char="-"/>
-            </a:pPr>
-            <a:r>
-              <a:rPr lang="en-US" altLang="ko-KR" sz="1400" dirty="0" smtClean="0">
-                <a:solidFill>
-                  <a:schemeClr val="bg1"/>
-                </a:solidFill>
-                <a:latin typeface="+mn-ea"/>
-              </a:rPr>
-              <a:t>Mini-batch </a:t>
-            </a:r>
-            <a:r>
-              <a:rPr lang="ko-KR" altLang="en-US" sz="1400" dirty="0" smtClean="0">
-                <a:solidFill>
-                  <a:schemeClr val="bg1"/>
-                </a:solidFill>
-                <a:latin typeface="+mn-ea"/>
-              </a:rPr>
-              <a:t>와 </a:t>
-            </a:r>
-            <a:r>
-              <a:rPr lang="en-US" altLang="ko-KR" sz="1400" dirty="0" smtClean="0">
-                <a:solidFill>
-                  <a:schemeClr val="bg1"/>
-                </a:solidFill>
-                <a:latin typeface="+mn-ea"/>
-              </a:rPr>
-              <a:t>epochs </a:t>
-            </a:r>
-            <a:r>
-              <a:rPr lang="ko-KR" altLang="en-US" sz="1400" dirty="0" smtClean="0">
-                <a:solidFill>
-                  <a:schemeClr val="bg1"/>
-                </a:solidFill>
-                <a:latin typeface="+mn-ea"/>
-              </a:rPr>
-              <a:t>동안 </a:t>
-            </a:r>
-            <a:r>
-              <a:rPr lang="en-US" altLang="ko-KR" sz="1400" dirty="0" smtClean="0">
-                <a:solidFill>
-                  <a:schemeClr val="bg1"/>
-                </a:solidFill>
-                <a:latin typeface="+mn-ea"/>
-              </a:rPr>
-              <a:t>train</a:t>
-            </a:r>
-            <a:r>
-              <a:rPr lang="ko-KR" altLang="en-US" sz="1400" dirty="0" smtClean="0">
-                <a:solidFill>
-                  <a:schemeClr val="bg1"/>
-                </a:solidFill>
-                <a:latin typeface="+mn-ea"/>
-              </a:rPr>
-              <a:t>되는</a:t>
-            </a:r>
-            <a:r>
-              <a:rPr lang="en-US" altLang="ko-KR" sz="1400" dirty="0">
-                <a:solidFill>
-                  <a:schemeClr val="bg1"/>
-                </a:solidFill>
-                <a:latin typeface="+mn-ea"/>
-              </a:rPr>
-              <a:t> </a:t>
-            </a:r>
-            <a:r>
-              <a:rPr lang="ko-KR" altLang="en-US" sz="1400" dirty="0" smtClean="0">
-                <a:solidFill>
-                  <a:schemeClr val="bg1"/>
-                </a:solidFill>
-                <a:latin typeface="+mn-ea"/>
-              </a:rPr>
-              <a:t>기본적인 </a:t>
-            </a:r>
-            <a:r>
-              <a:rPr lang="en-US" altLang="ko-KR" sz="1400" dirty="0" smtClean="0">
-                <a:solidFill>
-                  <a:schemeClr val="bg1"/>
-                </a:solidFill>
-                <a:latin typeface="+mn-ea"/>
-              </a:rPr>
-              <a:t>object detection network</a:t>
-            </a:r>
-          </a:p>
-          <a:p>
-            <a:pPr marL="285750" indent="-285750">
-              <a:lnSpc>
-                <a:spcPct val="150000"/>
-              </a:lnSpc>
-              <a:buFontTx/>
-              <a:buChar char="-"/>
-            </a:pPr>
-            <a:r>
-              <a:rPr lang="en-US" altLang="ko-KR" sz="1400" dirty="0" smtClean="0">
-                <a:solidFill>
-                  <a:schemeClr val="bg1"/>
-                </a:solidFill>
-                <a:latin typeface="+mn-ea"/>
-              </a:rPr>
-              <a:t>Offline </a:t>
-            </a:r>
-            <a:r>
-              <a:rPr lang="ko-KR" altLang="en-US" sz="1400" dirty="0" smtClean="0">
-                <a:solidFill>
-                  <a:schemeClr val="bg1"/>
-                </a:solidFill>
-                <a:latin typeface="+mn-ea"/>
-              </a:rPr>
-              <a:t>에서 </a:t>
-            </a:r>
-            <a:r>
-              <a:rPr lang="en-US" altLang="ko-KR" sz="1400" dirty="0" smtClean="0">
-                <a:solidFill>
-                  <a:schemeClr val="bg1"/>
-                </a:solidFill>
-                <a:latin typeface="+mn-ea"/>
-              </a:rPr>
-              <a:t>train</a:t>
-            </a:r>
-            <a:endParaRPr lang="ko-KR" altLang="en-US" sz="1400" dirty="0">
-              <a:solidFill>
-                <a:schemeClr val="bg1"/>
-              </a:solidFill>
-              <a:latin typeface="+mn-ea"/>
-            </a:endParaRPr>
-          </a:p>
-        </p:txBody>
-      </p:sp>
-      <p:pic>
-        <p:nvPicPr>
-          <p:cNvPr id="2050" name="Picture 2" descr="C:\Users\사용자\PycharmProjects\lotte_studying\reference_image\KwonHH\RODEO_Replay for Online Object Detection\Tabel2_Incremental mAP results for several variants of RODEO.JPG"/>
-          <p:cNvPicPr>
-            <a:picLocks noChangeAspect="1" noChangeArrowheads="1"/>
-          </p:cNvPicPr>
-          <p:nvPr/>
-        </p:nvPicPr>
-        <p:blipFill>
-          <a:blip r:embed="rId3">
-            <a:extLst>
-              <a:ext uri="{28A0092B-C50C-407E-A947-70E740481C1C}">
-                <a14:useLocalDpi xmlns:a14="http://schemas.microsoft.com/office/drawing/2010/main" val="0"/>
-              </a:ext>
-            </a:extLst>
-          </a:blip>
-          <a:srcRect/>
-          <a:stretch>
-            <a:fillRect/>
-          </a:stretch>
-        </p:blipFill>
-        <p:spPr bwMode="auto">
-          <a:xfrm>
-            <a:off x="7176120" y="2348880"/>
-            <a:ext cx="4032448" cy="3821156"/>
-          </a:xfrm>
-          <a:prstGeom prst="rect">
-            <a:avLst/>
-          </a:prstGeom>
-          <a:noFill/>
-          <a:extLst>
-            <a:ext uri="{909E8E84-426E-40DD-AFC4-6F175D3DCCD1}">
-              <a14:hiddenFill xmlns:a14="http://schemas.microsoft.com/office/drawing/2010/main">
-                <a:solidFill>
-                  <a:srgbClr val="FFFFFF"/>
-                </a:solidFill>
-              </a14:hiddenFill>
-            </a:ext>
-          </a:extLst>
-        </p:spPr>
-      </p:pic>
-    </p:spTree>
-    <p:extLst>
-      <p:ext uri="{BB962C8B-B14F-4D97-AF65-F5344CB8AC3E}">
-        <p14:creationId xmlns:p14="http://schemas.microsoft.com/office/powerpoint/2010/main" val="2631022259"/>
-      </p:ext>
-    </p:extLst>
-  </p:cSld>
-  <p:clrMapOvr>
-    <a:masterClrMapping/>
-  </p:clrMapOvr>
-  <p:timing>
-    <p:tnLst>
-      <p:par>
-        <p:cTn id="1" dur="indefinite" restart="never" nodeType="tmRoot"/>
-      </p:par>
-    </p:tnLst>
-  </p:timing>
-</p:sld>
-</file>
-
-<file path=ppt/slides/slide19.xml><?xml version="1.0" encoding="utf-8"?>
-<p:sld xmlns:a="http://schemas.openxmlformats.org/drawingml/2006/main" xmlns:r="http://schemas.openxmlformats.org/officeDocument/2006/relationships" xmlns:p="http://schemas.openxmlformats.org/presentationml/2006/main">
-  <p:cSld>
-    <p:spTree>
-      <p:nvGrpSpPr>
-        <p:cNvPr id="1" name=""/>
-        <p:cNvGrpSpPr/>
-        <p:nvPr/>
-      </p:nvGrpSpPr>
-      <p:grpSpPr>
-        <a:xfrm>
-          <a:off x="0" y="0"/>
-          <a:ext cx="0" cy="0"/>
-          <a:chOff x="0" y="0"/>
-          <a:chExt cx="0" cy="0"/>
-        </a:xfrm>
-      </p:grpSpPr>
-      <p:sp>
-        <p:nvSpPr>
-          <p:cNvPr id="129" name="직사각형 128">
-            <a:extLst>
-              <a:ext uri="{FF2B5EF4-FFF2-40B4-BE49-F238E27FC236}">
-                <a16:creationId xmlns:a16="http://schemas.microsoft.com/office/drawing/2014/main" xmlns="" id="{5F0B186A-DCA6-449E-954A-F4F42CC0D592}"/>
-              </a:ext>
-            </a:extLst>
-          </p:cNvPr>
-          <p:cNvSpPr/>
-          <p:nvPr/>
-        </p:nvSpPr>
-        <p:spPr>
-          <a:xfrm>
-            <a:off x="191342" y="160720"/>
-            <a:ext cx="4991065" cy="741040"/>
-          </a:xfrm>
-          <a:prstGeom prst="rect">
-            <a:avLst/>
-          </a:prstGeom>
-          <a:noFill/>
-          <a:ln>
-            <a:noFill/>
-          </a:ln>
-        </p:spPr>
-        <p:style>
-          <a:lnRef idx="2">
-            <a:schemeClr val="accent1">
-              <a:shade val="50000"/>
-            </a:schemeClr>
-          </a:lnRef>
-          <a:fillRef idx="1">
-            <a:schemeClr val="accent1"/>
-          </a:fillRef>
-          <a:effectRef idx="0">
-            <a:schemeClr val="accent1"/>
-          </a:effectRef>
-          <a:fontRef idx="minor">
-            <a:schemeClr val="lt1"/>
-          </a:fontRef>
-        </p:style>
-        <p:txBody>
-          <a:bodyPr rtlCol="0" anchor="ctr"/>
-          <a:lstStyle/>
-          <a:p>
-            <a:r>
-              <a:rPr lang="en-US" altLang="ko-KR" sz="3600" b="1" dirty="0" smtClean="0">
-                <a:solidFill>
-                  <a:srgbClr val="FFC000"/>
-                </a:solidFill>
-                <a:latin typeface="+mj-ea"/>
-                <a:ea typeface="+mj-ea"/>
-              </a:rPr>
-              <a:t>  03</a:t>
-            </a:r>
-          </a:p>
-          <a:p>
-            <a:r>
-              <a:rPr lang="ko-KR" altLang="en-US" sz="1100" b="1" dirty="0" smtClean="0">
-                <a:solidFill>
-                  <a:srgbClr val="FFC000"/>
-                </a:solidFill>
-                <a:latin typeface="+mj-ea"/>
-                <a:ea typeface="+mj-ea"/>
-              </a:rPr>
-              <a:t>     결       과</a:t>
-            </a:r>
-            <a:endParaRPr lang="ko-KR" altLang="en-US" sz="2000" b="1" dirty="0">
-              <a:latin typeface="+mj-ea"/>
-              <a:ea typeface="+mj-ea"/>
-            </a:endParaRPr>
-          </a:p>
-        </p:txBody>
-      </p:sp>
-      <p:sp>
-        <p:nvSpPr>
-          <p:cNvPr id="1024" name="슬라이드 번호 개체 틀 1023">
-            <a:extLst>
-              <a:ext uri="{FF2B5EF4-FFF2-40B4-BE49-F238E27FC236}">
-                <a16:creationId xmlns:a16="http://schemas.microsoft.com/office/drawing/2014/main" xmlns="" id="{D7ECFDE3-EB78-4198-B1C1-7576EBEBD0EA}"/>
-              </a:ext>
-            </a:extLst>
-          </p:cNvPr>
-          <p:cNvSpPr>
-            <a:spLocks noGrp="1"/>
-          </p:cNvSpPr>
-          <p:nvPr>
-            <p:ph type="sldNum" sz="quarter" idx="12"/>
-          </p:nvPr>
-        </p:nvSpPr>
-        <p:spPr>
-          <a:xfrm>
-            <a:off x="11234109" y="6388325"/>
-            <a:ext cx="753545" cy="365125"/>
-          </a:xfrm>
-        </p:spPr>
-        <p:txBody>
-          <a:bodyPr/>
-          <a:lstStyle/>
-          <a:p>
-            <a:fld id="{F4ABE7AD-7D80-45E6-9B72-991AAE1BF4C2}" type="slidenum">
-              <a:rPr lang="ko-KR" altLang="en-US" smtClean="0"/>
-              <a:t>19</a:t>
-            </a:fld>
-            <a:endParaRPr lang="ko-KR" altLang="en-US"/>
-          </a:p>
-        </p:txBody>
-      </p:sp>
-      <p:sp>
-        <p:nvSpPr>
-          <p:cNvPr id="62" name="직사각형 61">
-            <a:extLst>
-              <a:ext uri="{FF2B5EF4-FFF2-40B4-BE49-F238E27FC236}">
-                <a16:creationId xmlns:a16="http://schemas.microsoft.com/office/drawing/2014/main" xmlns="" id="{70B01BF8-29D3-4D23-BC64-0489F3113852}"/>
+                <a16:creationId xmlns="" xmlns:a16="http://schemas.microsoft.com/office/drawing/2014/main" id="{70B01BF8-29D3-4D23-BC64-0489F3113852}"/>
               </a:ext>
             </a:extLst>
           </p:cNvPr>
@@ -17091,6 +16556,155 @@
 </p:sld>
 </file>
 
+<file path=ppt/slides/slide19.xml><?xml version="1.0" encoding="utf-8"?>
+<p:sld xmlns:a="http://schemas.openxmlformats.org/drawingml/2006/main" xmlns:r="http://schemas.openxmlformats.org/officeDocument/2006/relationships" xmlns:p="http://schemas.openxmlformats.org/presentationml/2006/main" showMasterSp="0">
+  <p:cSld>
+    <p:spTree>
+      <p:nvGrpSpPr>
+        <p:cNvPr id="1" name=""/>
+        <p:cNvGrpSpPr/>
+        <p:nvPr/>
+      </p:nvGrpSpPr>
+      <p:grpSpPr>
+        <a:xfrm>
+          <a:off x="0" y="0"/>
+          <a:ext cx="0" cy="0"/>
+          <a:chOff x="0" y="0"/>
+          <a:chExt cx="0" cy="0"/>
+        </a:xfrm>
+      </p:grpSpPr>
+      <p:sp>
+        <p:nvSpPr>
+          <p:cNvPr id="1024" name="슬라이드 번호 개체 틀 1023">
+            <a:extLst>
+              <a:ext uri="{FF2B5EF4-FFF2-40B4-BE49-F238E27FC236}">
+                <a16:creationId xmlns="" xmlns:a16="http://schemas.microsoft.com/office/drawing/2014/main" id="{D7ECFDE3-EB78-4198-B1C1-7576EBEBD0EA}"/>
+              </a:ext>
+            </a:extLst>
+          </p:cNvPr>
+          <p:cNvSpPr>
+            <a:spLocks noGrp="1"/>
+          </p:cNvSpPr>
+          <p:nvPr>
+            <p:ph type="sldNum" sz="quarter" idx="12"/>
+          </p:nvPr>
+        </p:nvSpPr>
+        <p:spPr>
+          <a:xfrm>
+            <a:off x="11234109" y="6388325"/>
+            <a:ext cx="753545" cy="365125"/>
+          </a:xfrm>
+        </p:spPr>
+        <p:txBody>
+          <a:bodyPr/>
+          <a:lstStyle/>
+          <a:p>
+            <a:fld id="{F4ABE7AD-7D80-45E6-9B72-991AAE1BF4C2}" type="slidenum">
+              <a:rPr lang="ko-KR" altLang="en-US" smtClean="0"/>
+              <a:t>19</a:t>
+            </a:fld>
+            <a:endParaRPr lang="ko-KR" altLang="en-US"/>
+          </a:p>
+        </p:txBody>
+      </p:sp>
+      <p:sp>
+        <p:nvSpPr>
+          <p:cNvPr id="5" name="TextBox 4">
+            <a:extLst>
+              <a:ext uri="{FF2B5EF4-FFF2-40B4-BE49-F238E27FC236}">
+                <a16:creationId xmlns="" xmlns:a16="http://schemas.microsoft.com/office/drawing/2014/main" id="{18478785-7455-426F-B501-DBA892B7AE1C}"/>
+              </a:ext>
+            </a:extLst>
+          </p:cNvPr>
+          <p:cNvSpPr txBox="1"/>
+          <p:nvPr/>
+        </p:nvSpPr>
+        <p:spPr>
+          <a:xfrm>
+            <a:off x="5105983" y="3167390"/>
+            <a:ext cx="1980030" cy="523220"/>
+          </a:xfrm>
+          <a:prstGeom prst="rect">
+            <a:avLst/>
+          </a:prstGeom>
+          <a:noFill/>
+        </p:spPr>
+        <p:txBody>
+          <a:bodyPr wrap="none" rtlCol="0">
+            <a:spAutoFit/>
+          </a:bodyPr>
+          <a:lstStyle/>
+          <a:p>
+            <a:pPr algn="ctr"/>
+            <a:r>
+              <a:rPr lang="ko-KR" altLang="en-US" sz="2800" b="1" dirty="0" smtClean="0">
+                <a:latin typeface="HY강M" panose="02030600000101010101" pitchFamily="18" charset="-127"/>
+                <a:ea typeface="HY강M" panose="02030600000101010101" pitchFamily="18" charset="-127"/>
+              </a:rPr>
+              <a:t>감사합니다</a:t>
+            </a:r>
+            <a:endParaRPr lang="en-US" altLang="ko-KR" sz="2800" b="1" dirty="0">
+              <a:latin typeface="HY강M" panose="02030600000101010101" pitchFamily="18" charset="-127"/>
+              <a:ea typeface="HY강M" panose="02030600000101010101" pitchFamily="18" charset="-127"/>
+            </a:endParaRPr>
+          </a:p>
+        </p:txBody>
+      </p:sp>
+      <p:pic>
+        <p:nvPicPr>
+          <p:cNvPr id="4" name="Picture 2" descr="롯데정보통신, '랄프체인'으로 블록체인 Si 솔루션 도전"/>
+          <p:cNvPicPr>
+            <a:picLocks noChangeAspect="1" noChangeArrowheads="1"/>
+          </p:cNvPicPr>
+          <p:nvPr/>
+        </p:nvPicPr>
+        <p:blipFill rotWithShape="1">
+          <a:blip r:embed="rId2" cstate="print">
+            <a:extLst>
+              <a:ext uri="{28A0092B-C50C-407E-A947-70E740481C1C}">
+                <a14:useLocalDpi xmlns:a14="http://schemas.microsoft.com/office/drawing/2010/main" val="0"/>
+              </a:ext>
+            </a:extLst>
+          </a:blip>
+          <a:srcRect t="20471"/>
+          <a:stretch/>
+        </p:blipFill>
+        <p:spPr bwMode="auto">
+          <a:xfrm>
+            <a:off x="9624392" y="116632"/>
+            <a:ext cx="2448272" cy="869700"/>
+          </a:xfrm>
+          <a:prstGeom prst="rect">
+            <a:avLst/>
+          </a:prstGeom>
+          <a:solidFill>
+            <a:srgbClr val="FF0000"/>
+          </a:solidFill>
+          <a:effectLst>
+            <a:softEdge rad="127000"/>
+          </a:effectLst>
+        </p:spPr>
+      </p:pic>
+    </p:spTree>
+    <p:extLst>
+      <p:ext uri="{BB962C8B-B14F-4D97-AF65-F5344CB8AC3E}">
+        <p14:creationId xmlns:p14="http://schemas.microsoft.com/office/powerpoint/2010/main" val="1012277032"/>
+      </p:ext>
+    </p:extLst>
+  </p:cSld>
+  <p:clrMapOvr>
+    <a:masterClrMapping/>
+  </p:clrMapOvr>
+  <p:timing>
+    <p:tnLst>
+      <p:par>
+        <p:cTn id="1" dur="indefinite" restart="never" nodeType="tmRoot"/>
+      </p:par>
+    </p:tnLst>
+  </p:timing>
+</p:sld>
+</file>
+
 <file path=ppt/slides/slide2.xml><?xml version="1.0" encoding="utf-8"?>
 <p:sld xmlns:a="http://schemas.openxmlformats.org/drawingml/2006/main" xmlns:r="http://schemas.openxmlformats.org/officeDocument/2006/relationships" xmlns:p="http://schemas.openxmlformats.org/presentationml/2006/main" showMasterSp="0">
   <p:cSld>
@@ -17113,7 +16727,7 @@
           <p:cNvPr id="129" name="직사각형 128">
             <a:extLst>
               <a:ext uri="{FF2B5EF4-FFF2-40B4-BE49-F238E27FC236}">
-                <a16:creationId xmlns:a16="http://schemas.microsoft.com/office/drawing/2014/main" xmlns="" id="{5F0B186A-DCA6-449E-954A-F4F42CC0D592}"/>
+                <a16:creationId xmlns="" xmlns:a16="http://schemas.microsoft.com/office/drawing/2014/main" id="{5F0B186A-DCA6-449E-954A-F4F42CC0D592}"/>
               </a:ext>
             </a:extLst>
           </p:cNvPr>
@@ -17175,7 +16789,7 @@
           <p:cNvPr id="122" name="직사각형 121">
             <a:extLst>
               <a:ext uri="{FF2B5EF4-FFF2-40B4-BE49-F238E27FC236}">
-                <a16:creationId xmlns:a16="http://schemas.microsoft.com/office/drawing/2014/main" xmlns="" id="{70B01BF8-29D3-4D23-BC64-0489F3113852}"/>
+                <a16:creationId xmlns="" xmlns:a16="http://schemas.microsoft.com/office/drawing/2014/main" id="{70B01BF8-29D3-4D23-BC64-0489F3113852}"/>
               </a:ext>
             </a:extLst>
           </p:cNvPr>
@@ -17227,7 +16841,7 @@
           <p:cNvPr id="1024" name="슬라이드 번호 개체 틀 1023">
             <a:extLst>
               <a:ext uri="{FF2B5EF4-FFF2-40B4-BE49-F238E27FC236}">
-                <a16:creationId xmlns:a16="http://schemas.microsoft.com/office/drawing/2014/main" xmlns="" id="{D7ECFDE3-EB78-4198-B1C1-7576EBEBD0EA}"/>
+                <a16:creationId xmlns="" xmlns:a16="http://schemas.microsoft.com/office/drawing/2014/main" id="{D7ECFDE3-EB78-4198-B1C1-7576EBEBD0EA}"/>
               </a:ext>
             </a:extLst>
           </p:cNvPr>
@@ -17261,7 +16875,7 @@
           <p:cNvPr id="37" name="직사각형 36">
             <a:extLst>
               <a:ext uri="{FF2B5EF4-FFF2-40B4-BE49-F238E27FC236}">
-                <a16:creationId xmlns:a16="http://schemas.microsoft.com/office/drawing/2014/main" xmlns="" id="{17E6B71D-43B0-452B-BE7F-FE4F94903288}"/>
+                <a16:creationId xmlns="" xmlns:a16="http://schemas.microsoft.com/office/drawing/2014/main" id="{17E6B71D-43B0-452B-BE7F-FE4F94903288}"/>
               </a:ext>
             </a:extLst>
           </p:cNvPr>
@@ -17472,7 +17086,7 @@
           <p:cNvPr id="48" name="직사각형 47">
             <a:extLst>
               <a:ext uri="{FF2B5EF4-FFF2-40B4-BE49-F238E27FC236}">
-                <a16:creationId xmlns:a16="http://schemas.microsoft.com/office/drawing/2014/main" xmlns="" id="{1E5CC858-5656-4BF2-8E86-EE054A32BEDD}"/>
+                <a16:creationId xmlns="" xmlns:a16="http://schemas.microsoft.com/office/drawing/2014/main" id="{1E5CC858-5656-4BF2-8E86-EE054A32BEDD}"/>
               </a:ext>
             </a:extLst>
           </p:cNvPr>
@@ -17558,155 +17172,6 @@
     <p:extLst>
       <p:ext uri="{BB962C8B-B14F-4D97-AF65-F5344CB8AC3E}">
         <p14:creationId xmlns:p14="http://schemas.microsoft.com/office/powerpoint/2010/main" val="806937012"/>
-      </p:ext>
-    </p:extLst>
-  </p:cSld>
-  <p:clrMapOvr>
-    <a:masterClrMapping/>
-  </p:clrMapOvr>
-  <p:timing>
-    <p:tnLst>
-      <p:par>
-        <p:cTn id="1" dur="indefinite" restart="never" nodeType="tmRoot"/>
-      </p:par>
-    </p:tnLst>
-  </p:timing>
-</p:sld>
-</file>
-
-<file path=ppt/slides/slide20.xml><?xml version="1.0" encoding="utf-8"?>
-<p:sld xmlns:a="http://schemas.openxmlformats.org/drawingml/2006/main" xmlns:r="http://schemas.openxmlformats.org/officeDocument/2006/relationships" xmlns:p="http://schemas.openxmlformats.org/presentationml/2006/main" showMasterSp="0">
-  <p:cSld>
-    <p:spTree>
-      <p:nvGrpSpPr>
-        <p:cNvPr id="1" name=""/>
-        <p:cNvGrpSpPr/>
-        <p:nvPr/>
-      </p:nvGrpSpPr>
-      <p:grpSpPr>
-        <a:xfrm>
-          <a:off x="0" y="0"/>
-          <a:ext cx="0" cy="0"/>
-          <a:chOff x="0" y="0"/>
-          <a:chExt cx="0" cy="0"/>
-        </a:xfrm>
-      </p:grpSpPr>
-      <p:sp>
-        <p:nvSpPr>
-          <p:cNvPr id="1024" name="슬라이드 번호 개체 틀 1023">
-            <a:extLst>
-              <a:ext uri="{FF2B5EF4-FFF2-40B4-BE49-F238E27FC236}">
-                <a16:creationId xmlns:a16="http://schemas.microsoft.com/office/drawing/2014/main" xmlns="" id="{D7ECFDE3-EB78-4198-B1C1-7576EBEBD0EA}"/>
-              </a:ext>
-            </a:extLst>
-          </p:cNvPr>
-          <p:cNvSpPr>
-            <a:spLocks noGrp="1"/>
-          </p:cNvSpPr>
-          <p:nvPr>
-            <p:ph type="sldNum" sz="quarter" idx="12"/>
-          </p:nvPr>
-        </p:nvSpPr>
-        <p:spPr>
-          <a:xfrm>
-            <a:off x="11234109" y="6388325"/>
-            <a:ext cx="753545" cy="365125"/>
-          </a:xfrm>
-        </p:spPr>
-        <p:txBody>
-          <a:bodyPr/>
-          <a:lstStyle/>
-          <a:p>
-            <a:fld id="{F4ABE7AD-7D80-45E6-9B72-991AAE1BF4C2}" type="slidenum">
-              <a:rPr lang="ko-KR" altLang="en-US" smtClean="0"/>
-              <a:t>20</a:t>
-            </a:fld>
-            <a:endParaRPr lang="ko-KR" altLang="en-US"/>
-          </a:p>
-        </p:txBody>
-      </p:sp>
-      <p:sp>
-        <p:nvSpPr>
-          <p:cNvPr id="5" name="TextBox 4">
-            <a:extLst>
-              <a:ext uri="{FF2B5EF4-FFF2-40B4-BE49-F238E27FC236}">
-                <a16:creationId xmlns:a16="http://schemas.microsoft.com/office/drawing/2014/main" xmlns="" id="{18478785-7455-426F-B501-DBA892B7AE1C}"/>
-              </a:ext>
-            </a:extLst>
-          </p:cNvPr>
-          <p:cNvSpPr txBox="1"/>
-          <p:nvPr/>
-        </p:nvSpPr>
-        <p:spPr>
-          <a:xfrm>
-            <a:off x="5105983" y="3167390"/>
-            <a:ext cx="1980030" cy="523220"/>
-          </a:xfrm>
-          <a:prstGeom prst="rect">
-            <a:avLst/>
-          </a:prstGeom>
-          <a:noFill/>
-        </p:spPr>
-        <p:txBody>
-          <a:bodyPr wrap="none" rtlCol="0">
-            <a:spAutoFit/>
-          </a:bodyPr>
-          <a:lstStyle/>
-          <a:p>
-            <a:pPr algn="ctr"/>
-            <a:r>
-              <a:rPr lang="ko-KR" altLang="en-US" sz="2800" b="1" dirty="0" smtClean="0">
-                <a:latin typeface="HY강M" panose="02030600000101010101" pitchFamily="18" charset="-127"/>
-                <a:ea typeface="HY강M" panose="02030600000101010101" pitchFamily="18" charset="-127"/>
-              </a:rPr>
-              <a:t>감사합니다</a:t>
-            </a:r>
-            <a:endParaRPr lang="en-US" altLang="ko-KR" sz="2800" b="1" dirty="0">
-              <a:latin typeface="HY강M" panose="02030600000101010101" pitchFamily="18" charset="-127"/>
-              <a:ea typeface="HY강M" panose="02030600000101010101" pitchFamily="18" charset="-127"/>
-            </a:endParaRPr>
-          </a:p>
-        </p:txBody>
-      </p:sp>
-      <p:pic>
-        <p:nvPicPr>
-          <p:cNvPr id="4" name="Picture 2" descr="롯데정보통신, '랄프체인'으로 블록체인 Si 솔루션 도전"/>
-          <p:cNvPicPr>
-            <a:picLocks noChangeAspect="1" noChangeArrowheads="1"/>
-          </p:cNvPicPr>
-          <p:nvPr/>
-        </p:nvPicPr>
-        <p:blipFill rotWithShape="1">
-          <a:blip r:embed="rId2" cstate="print">
-            <a:extLst>
-              <a:ext uri="{28A0092B-C50C-407E-A947-70E740481C1C}">
-                <a14:useLocalDpi xmlns:a14="http://schemas.microsoft.com/office/drawing/2010/main" val="0"/>
-              </a:ext>
-            </a:extLst>
-          </a:blip>
-          <a:srcRect t="20471"/>
-          <a:stretch/>
-        </p:blipFill>
-        <p:spPr bwMode="auto">
-          <a:xfrm>
-            <a:off x="9624392" y="116632"/>
-            <a:ext cx="2448272" cy="869700"/>
-          </a:xfrm>
-          <a:prstGeom prst="rect">
-            <a:avLst/>
-          </a:prstGeom>
-          <a:solidFill>
-            <a:srgbClr val="FF0000"/>
-          </a:solidFill>
-          <a:effectLst>
-            <a:softEdge rad="127000"/>
-          </a:effectLst>
-        </p:spPr>
-      </p:pic>
-    </p:spTree>
-    <p:extLst>
-      <p:ext uri="{BB962C8B-B14F-4D97-AF65-F5344CB8AC3E}">
-        <p14:creationId xmlns:p14="http://schemas.microsoft.com/office/powerpoint/2010/main" val="1012277032"/>
       </p:ext>
     </p:extLst>
   </p:cSld>
@@ -17745,7 +17210,7 @@
           <p:cNvPr id="1024" name="슬라이드 번호 개체 틀 1023">
             <a:extLst>
               <a:ext uri="{FF2B5EF4-FFF2-40B4-BE49-F238E27FC236}">
-                <a16:creationId xmlns:a16="http://schemas.microsoft.com/office/drawing/2014/main" xmlns="" id="{D7ECFDE3-EB78-4198-B1C1-7576EBEBD0EA}"/>
+                <a16:creationId xmlns="" xmlns:a16="http://schemas.microsoft.com/office/drawing/2014/main" id="{D7ECFDE3-EB78-4198-B1C1-7576EBEBD0EA}"/>
               </a:ext>
             </a:extLst>
           </p:cNvPr>
@@ -17779,7 +17244,7 @@
           <p:cNvPr id="5" name="TextBox 4">
             <a:extLst>
               <a:ext uri="{FF2B5EF4-FFF2-40B4-BE49-F238E27FC236}">
-                <a16:creationId xmlns:a16="http://schemas.microsoft.com/office/drawing/2014/main" xmlns="" id="{18478785-7455-426F-B501-DBA892B7AE1C}"/>
+                <a16:creationId xmlns="" xmlns:a16="http://schemas.microsoft.com/office/drawing/2014/main" id="{18478785-7455-426F-B501-DBA892B7AE1C}"/>
               </a:ext>
             </a:extLst>
           </p:cNvPr>
@@ -17911,7 +17376,7 @@
           <p:cNvPr id="129" name="직사각형 128">
             <a:extLst>
               <a:ext uri="{FF2B5EF4-FFF2-40B4-BE49-F238E27FC236}">
-                <a16:creationId xmlns:a16="http://schemas.microsoft.com/office/drawing/2014/main" xmlns="" id="{5F0B186A-DCA6-449E-954A-F4F42CC0D592}"/>
+                <a16:creationId xmlns="" xmlns:a16="http://schemas.microsoft.com/office/drawing/2014/main" id="{5F0B186A-DCA6-449E-954A-F4F42CC0D592}"/>
               </a:ext>
             </a:extLst>
           </p:cNvPr>
@@ -17995,7 +17460,7 @@
           <p:cNvPr id="1024" name="슬라이드 번호 개체 틀 1023">
             <a:extLst>
               <a:ext uri="{FF2B5EF4-FFF2-40B4-BE49-F238E27FC236}">
-                <a16:creationId xmlns:a16="http://schemas.microsoft.com/office/drawing/2014/main" xmlns="" id="{D7ECFDE3-EB78-4198-B1C1-7576EBEBD0EA}"/>
+                <a16:creationId xmlns="" xmlns:a16="http://schemas.microsoft.com/office/drawing/2014/main" id="{D7ECFDE3-EB78-4198-B1C1-7576EBEBD0EA}"/>
               </a:ext>
             </a:extLst>
           </p:cNvPr>
@@ -18029,7 +17494,7 @@
           <p:cNvPr id="62" name="직사각형 61">
             <a:extLst>
               <a:ext uri="{FF2B5EF4-FFF2-40B4-BE49-F238E27FC236}">
-                <a16:creationId xmlns:a16="http://schemas.microsoft.com/office/drawing/2014/main" xmlns="" id="{70B01BF8-29D3-4D23-BC64-0489F3113852}"/>
+                <a16:creationId xmlns="" xmlns:a16="http://schemas.microsoft.com/office/drawing/2014/main" id="{70B01BF8-29D3-4D23-BC64-0489F3113852}"/>
               </a:ext>
             </a:extLst>
           </p:cNvPr>
@@ -18120,7 +17585,7 @@
         <p:spPr>
           <a:xfrm>
             <a:off x="551384" y="1412776"/>
-            <a:ext cx="10513168" cy="5447645"/>
+            <a:ext cx="10513168" cy="3785652"/>
           </a:xfrm>
           <a:prstGeom prst="rect">
             <a:avLst/>
@@ -18408,16 +17873,76 @@
               <a:buChar char="-"/>
             </a:pPr>
             <a:r>
-              <a:rPr lang="en-US" altLang="ko-KR" dirty="0" smtClean="0">
+              <a:rPr lang="ko-KR" altLang="en-US" dirty="0">
                 <a:solidFill>
                   <a:schemeClr val="bg1"/>
                 </a:solidFill>
                 <a:latin typeface="+mn-ea"/>
                 <a:sym typeface="Wingdings" panose="05000000000000000000" pitchFamily="2" charset="2"/>
               </a:rPr>
+              <a:t>시간의 경과에 따른 </a:t>
+            </a:r>
+            <a:r>
+              <a:rPr lang="en-US" altLang="ko-KR" dirty="0">
+                <a:solidFill>
+                  <a:schemeClr val="bg1"/>
+                </a:solidFill>
+                <a:latin typeface="+mn-ea"/>
+                <a:sym typeface="Wingdings" panose="05000000000000000000" pitchFamily="2" charset="2"/>
+              </a:rPr>
+              <a:t>object class</a:t>
+            </a:r>
+            <a:r>
+              <a:rPr lang="ko-KR" altLang="en-US" dirty="0">
+                <a:solidFill>
+                  <a:schemeClr val="bg1"/>
+                </a:solidFill>
+                <a:latin typeface="+mn-ea"/>
+                <a:sym typeface="Wingdings" panose="05000000000000000000" pitchFamily="2" charset="2"/>
+              </a:rPr>
+              <a:t>의 </a:t>
+            </a:r>
+            <a:r>
+              <a:rPr lang="ko-KR" altLang="en-US" dirty="0" smtClean="0">
+                <a:solidFill>
+                  <a:schemeClr val="bg1"/>
+                </a:solidFill>
+                <a:latin typeface="+mn-ea"/>
+                <a:sym typeface="Wingdings" panose="05000000000000000000" pitchFamily="2" charset="2"/>
+              </a:rPr>
+              <a:t>추가 </a:t>
+            </a:r>
+            <a:r>
+              <a:rPr lang="en-US" altLang="ko-KR" b="1" dirty="0" smtClean="0">
+                <a:solidFill>
+                  <a:schemeClr val="bg1"/>
+                </a:solidFill>
+                <a:latin typeface="+mn-ea"/>
+                <a:sym typeface="Wingdings" panose="05000000000000000000" pitchFamily="2" charset="2"/>
+              </a:rPr>
+              <a:t>; </a:t>
+            </a:r>
+            <a:r>
+              <a:rPr lang="en-US" altLang="ko-KR" dirty="0">
+                <a:solidFill>
+                  <a:schemeClr val="bg1"/>
+                </a:solidFill>
+                <a:latin typeface="+mn-ea"/>
+                <a:sym typeface="Wingdings" panose="05000000000000000000" pitchFamily="2" charset="2"/>
+              </a:rPr>
               <a:t>Real-time application </a:t>
             </a:r>
             <a:r>
+              <a:rPr lang="ko-KR" altLang="en-US" dirty="0">
+                <a:solidFill>
+                  <a:schemeClr val="bg1"/>
+                </a:solidFill>
+                <a:latin typeface="+mn-ea"/>
+                <a:sym typeface="Wingdings" panose="05000000000000000000" pitchFamily="2" charset="2"/>
+              </a:rPr>
+              <a:t>에 </a:t>
+            </a:r>
+            <a:r>
               <a:rPr lang="ko-KR" altLang="en-US" dirty="0" smtClean="0">
                 <a:solidFill>
                   <a:schemeClr val="bg1"/>
@@ -18425,96 +17950,8 @@
                 <a:latin typeface="+mn-ea"/>
                 <a:sym typeface="Wingdings" panose="05000000000000000000" pitchFamily="2" charset="2"/>
               </a:rPr>
-              <a:t>에 적합 </a:t>
-            </a:r>
-            <a:r>
-              <a:rPr lang="en-US" altLang="ko-KR" b="1" dirty="0" smtClean="0">
-                <a:solidFill>
-                  <a:schemeClr val="bg1"/>
-                </a:solidFill>
-                <a:latin typeface="+mn-ea"/>
-                <a:sym typeface="Wingdings" panose="05000000000000000000" pitchFamily="2" charset="2"/>
-              </a:rPr>
-              <a:t>;</a:t>
-            </a:r>
-            <a:r>
-              <a:rPr lang="en-US" altLang="ko-KR" dirty="0" smtClean="0">
-                <a:solidFill>
-                  <a:schemeClr val="bg1"/>
-                </a:solidFill>
-                <a:latin typeface="+mn-ea"/>
-                <a:sym typeface="Wingdings" panose="05000000000000000000" pitchFamily="2" charset="2"/>
-              </a:rPr>
-              <a:t> </a:t>
-            </a:r>
-            <a:r>
-              <a:rPr lang="ko-KR" altLang="en-US" dirty="0" smtClean="0">
-                <a:solidFill>
-                  <a:schemeClr val="bg1"/>
-                </a:solidFill>
-                <a:latin typeface="+mn-ea"/>
-                <a:sym typeface="Wingdings" panose="05000000000000000000" pitchFamily="2" charset="2"/>
-              </a:rPr>
-              <a:t>시간의 경과에 따른 </a:t>
-            </a:r>
-            <a:r>
-              <a:rPr lang="en-US" altLang="ko-KR" dirty="0" smtClean="0">
-                <a:solidFill>
-                  <a:schemeClr val="bg1"/>
-                </a:solidFill>
-                <a:latin typeface="+mn-ea"/>
-                <a:sym typeface="Wingdings" panose="05000000000000000000" pitchFamily="2" charset="2"/>
-              </a:rPr>
-              <a:t>object class</a:t>
-            </a:r>
-            <a:r>
-              <a:rPr lang="ko-KR" altLang="en-US" dirty="0" smtClean="0">
-                <a:solidFill>
-                  <a:schemeClr val="bg1"/>
-                </a:solidFill>
-                <a:latin typeface="+mn-ea"/>
-                <a:sym typeface="Wingdings" panose="05000000000000000000" pitchFamily="2" charset="2"/>
-              </a:rPr>
-              <a:t>의 추가</a:t>
-            </a:r>
-            <a:r>
-              <a:rPr lang="en-US" altLang="ko-KR" dirty="0" smtClean="0">
-                <a:solidFill>
-                  <a:schemeClr val="bg1"/>
-                </a:solidFill>
-                <a:latin typeface="+mn-ea"/>
-                <a:sym typeface="Wingdings" panose="05000000000000000000" pitchFamily="2" charset="2"/>
-              </a:rPr>
-              <a:t/>
-            </a:r>
-            <a:br>
-              <a:rPr lang="en-US" altLang="ko-KR" dirty="0" smtClean="0">
-                <a:solidFill>
-                  <a:schemeClr val="bg1"/>
-                </a:solidFill>
-                <a:latin typeface="+mn-ea"/>
-                <a:sym typeface="Wingdings" panose="05000000000000000000" pitchFamily="2" charset="2"/>
-              </a:rPr>
-            </a:br>
-            <a:r>
-              <a:rPr lang="en-US" altLang="ko-KR" dirty="0" smtClean="0">
-                <a:solidFill>
-                  <a:schemeClr val="bg1"/>
-                </a:solidFill>
-                <a:latin typeface="+mn-ea"/>
-                <a:sym typeface="Wingdings" panose="05000000000000000000" pitchFamily="2" charset="2"/>
-              </a:rPr>
-              <a:t/>
-            </a:r>
-            <a:br>
-              <a:rPr lang="en-US" altLang="ko-KR" dirty="0" smtClean="0">
-                <a:solidFill>
-                  <a:schemeClr val="bg1"/>
-                </a:solidFill>
-                <a:latin typeface="+mn-ea"/>
-                <a:sym typeface="Wingdings" panose="05000000000000000000" pitchFamily="2" charset="2"/>
-              </a:rPr>
-            </a:br>
+              <a:t>적합</a:t>
+            </a:r>
             <a:r>
               <a:rPr lang="en-US" altLang="ko-KR" dirty="0" smtClean="0">
                 <a:solidFill>
@@ -18625,7 +18062,7 @@
           <p:cNvPr id="129" name="직사각형 128">
             <a:extLst>
               <a:ext uri="{FF2B5EF4-FFF2-40B4-BE49-F238E27FC236}">
-                <a16:creationId xmlns:a16="http://schemas.microsoft.com/office/drawing/2014/main" xmlns="" id="{5F0B186A-DCA6-449E-954A-F4F42CC0D592}"/>
+                <a16:creationId xmlns="" xmlns:a16="http://schemas.microsoft.com/office/drawing/2014/main" id="{5F0B186A-DCA6-449E-954A-F4F42CC0D592}"/>
               </a:ext>
             </a:extLst>
           </p:cNvPr>
@@ -18709,7 +18146,7 @@
           <p:cNvPr id="1024" name="슬라이드 번호 개체 틀 1023">
             <a:extLst>
               <a:ext uri="{FF2B5EF4-FFF2-40B4-BE49-F238E27FC236}">
-                <a16:creationId xmlns:a16="http://schemas.microsoft.com/office/drawing/2014/main" xmlns="" id="{D7ECFDE3-EB78-4198-B1C1-7576EBEBD0EA}"/>
+                <a16:creationId xmlns="" xmlns:a16="http://schemas.microsoft.com/office/drawing/2014/main" id="{D7ECFDE3-EB78-4198-B1C1-7576EBEBD0EA}"/>
               </a:ext>
             </a:extLst>
           </p:cNvPr>
@@ -18743,7 +18180,7 @@
           <p:cNvPr id="62" name="직사각형 61">
             <a:extLst>
               <a:ext uri="{FF2B5EF4-FFF2-40B4-BE49-F238E27FC236}">
-                <a16:creationId xmlns:a16="http://schemas.microsoft.com/office/drawing/2014/main" xmlns="" id="{70B01BF8-29D3-4D23-BC64-0489F3113852}"/>
+                <a16:creationId xmlns="" xmlns:a16="http://schemas.microsoft.com/office/drawing/2014/main" id="{70B01BF8-29D3-4D23-BC64-0489F3113852}"/>
               </a:ext>
             </a:extLst>
           </p:cNvPr>
@@ -18834,7 +18271,7 @@
         <p:spPr>
           <a:xfrm>
             <a:off x="551384" y="1412776"/>
-            <a:ext cx="10513168" cy="4108817"/>
+            <a:ext cx="10513168" cy="3277820"/>
           </a:xfrm>
           <a:prstGeom prst="rect">
             <a:avLst/>
@@ -18866,7 +18303,7 @@
           <a:p>
             <a:pPr marL="285750" indent="-285750">
               <a:lnSpc>
-                <a:spcPct val="250000"/>
+                <a:spcPct val="150000"/>
               </a:lnSpc>
               <a:buFontTx/>
               <a:buChar char="-"/>
@@ -18962,7 +18399,7 @@
           <a:p>
             <a:pPr marL="285750" indent="-285750">
               <a:lnSpc>
-                <a:spcPct val="250000"/>
+                <a:spcPct val="150000"/>
               </a:lnSpc>
               <a:buFontTx/>
               <a:buChar char="-"/>
@@ -19031,7 +18468,7 @@
           <a:p>
             <a:pPr marL="285750" indent="-285750">
               <a:lnSpc>
-                <a:spcPct val="250000"/>
+                <a:spcPct val="150000"/>
               </a:lnSpc>
               <a:buFontTx/>
               <a:buChar char="-"/>
@@ -19248,6 +18685,169 @@
           </a:p>
         </p:txBody>
       </p:sp>
+      <p:grpSp>
+        <p:nvGrpSpPr>
+          <p:cNvPr id="4" name="그룹 3"/>
+          <p:cNvGrpSpPr/>
+          <p:nvPr/>
+        </p:nvGrpSpPr>
+        <p:grpSpPr>
+          <a:xfrm>
+            <a:off x="263350" y="3284984"/>
+            <a:ext cx="11737306" cy="2952328"/>
+            <a:chOff x="263350" y="3284984"/>
+            <a:chExt cx="11737306" cy="2952328"/>
+          </a:xfrm>
+        </p:grpSpPr>
+        <p:pic>
+          <p:nvPicPr>
+            <p:cNvPr id="9" name="Picture 2"/>
+            <p:cNvPicPr>
+              <a:picLocks noChangeAspect="1" noChangeArrowheads="1"/>
+            </p:cNvPicPr>
+            <p:nvPr/>
+          </p:nvPicPr>
+          <p:blipFill>
+            <a:blip r:embed="rId3">
+              <a:extLst>
+                <a:ext uri="{28A0092B-C50C-407E-A947-70E740481C1C}">
+                  <a14:useLocalDpi xmlns:a14="http://schemas.microsoft.com/office/drawing/2010/main" val="0"/>
+                </a:ext>
+              </a:extLst>
+            </a:blip>
+            <a:srcRect/>
+            <a:stretch>
+              <a:fillRect/>
+            </a:stretch>
+          </p:blipFill>
+          <p:spPr bwMode="auto">
+            <a:xfrm>
+              <a:off x="263350" y="3284984"/>
+              <a:ext cx="11737306" cy="2952328"/>
+            </a:xfrm>
+            <a:prstGeom prst="rect">
+              <a:avLst/>
+            </a:prstGeom>
+            <a:noFill/>
+            <a:ln>
+              <a:noFill/>
+            </a:ln>
+            <a:extLst>
+              <a:ext uri="{909E8E84-426E-40DD-AFC4-6F175D3DCCD1}">
+                <a14:hiddenFill xmlns:a14="http://schemas.microsoft.com/office/drawing/2010/main">
+                  <a:solidFill>
+                    <a:schemeClr val="accent1"/>
+                  </a:solidFill>
+                </a14:hiddenFill>
+              </a:ext>
+              <a:ext uri="{91240B29-F687-4F45-9708-019B960494DF}">
+                <a14:hiddenLine xmlns:a14="http://schemas.microsoft.com/office/drawing/2010/main" w="9525">
+                  <a:solidFill>
+                    <a:schemeClr val="tx1"/>
+                  </a:solidFill>
+                  <a:miter lim="800000"/>
+                  <a:headEnd/>
+                  <a:tailEnd/>
+                </a14:hiddenLine>
+              </a:ext>
+            </a:extLst>
+          </p:spPr>
+        </p:pic>
+        <p:sp>
+          <p:nvSpPr>
+            <p:cNvPr id="10" name="직사각형 9"/>
+            <p:cNvSpPr/>
+            <p:nvPr/>
+          </p:nvSpPr>
+          <p:spPr>
+            <a:xfrm>
+              <a:off x="551384" y="5949280"/>
+              <a:ext cx="2135490" cy="288032"/>
+            </a:xfrm>
+            <a:prstGeom prst="rect">
+              <a:avLst/>
+            </a:prstGeom>
+            <a:noFill/>
+            <a:ln w="31750">
+              <a:solidFill>
+                <a:srgbClr val="FF0000"/>
+              </a:solidFill>
+              <a:prstDash val="lgDash"/>
+            </a:ln>
+          </p:spPr>
+          <p:style>
+            <a:lnRef idx="2">
+              <a:schemeClr val="accent1">
+                <a:shade val="50000"/>
+              </a:schemeClr>
+            </a:lnRef>
+            <a:fillRef idx="1">
+              <a:schemeClr val="accent1"/>
+            </a:fillRef>
+            <a:effectRef idx="0">
+              <a:schemeClr val="accent1"/>
+            </a:effectRef>
+            <a:fontRef idx="minor">
+              <a:schemeClr val="lt1"/>
+            </a:fontRef>
+          </p:style>
+          <p:txBody>
+            <a:bodyPr rtlCol="0" anchor="ctr"/>
+            <a:lstStyle/>
+            <a:p>
+              <a:pPr algn="ctr"/>
+              <a:endParaRPr lang="ko-KR" altLang="en-US"/>
+            </a:p>
+          </p:txBody>
+        </p:sp>
+        <p:sp>
+          <p:nvSpPr>
+            <p:cNvPr id="11" name="직사각형 10"/>
+            <p:cNvSpPr/>
+            <p:nvPr/>
+          </p:nvSpPr>
+          <p:spPr>
+            <a:xfrm>
+              <a:off x="9264352" y="5949280"/>
+              <a:ext cx="2232248" cy="288032"/>
+            </a:xfrm>
+            <a:prstGeom prst="rect">
+              <a:avLst/>
+            </a:prstGeom>
+            <a:noFill/>
+            <a:ln w="31750">
+              <a:solidFill>
+                <a:srgbClr val="FF0000"/>
+              </a:solidFill>
+              <a:prstDash val="lgDash"/>
+            </a:ln>
+          </p:spPr>
+          <p:style>
+            <a:lnRef idx="2">
+              <a:schemeClr val="accent1">
+                <a:shade val="50000"/>
+              </a:schemeClr>
+            </a:lnRef>
+            <a:fillRef idx="1">
+              <a:schemeClr val="accent1"/>
+            </a:fillRef>
+            <a:effectRef idx="0">
+              <a:schemeClr val="accent1"/>
+            </a:effectRef>
+            <a:fontRef idx="minor">
+              <a:schemeClr val="lt1"/>
+            </a:fontRef>
+          </p:style>
+          <p:txBody>
+            <a:bodyPr rtlCol="0" anchor="ctr"/>
+            <a:lstStyle/>
+            <a:p>
+              <a:pPr algn="ctr"/>
+              <a:endParaRPr lang="ko-KR" altLang="en-US"/>
+            </a:p>
+          </p:txBody>
+        </p:sp>
+      </p:grpSp>
     </p:spTree>
     <p:extLst>
       <p:ext uri="{BB962C8B-B14F-4D97-AF65-F5344CB8AC3E}">
@@ -19261,7 +18861,83 @@
   <p:timing>
     <p:tnLst>
       <p:par>
-        <p:cTn id="1" dur="indefinite" restart="never" nodeType="tmRoot"/>
+        <p:cTn id="1" dur="indefinite" restart="never" nodeType="tmRoot">
+          <p:childTnLst>
+            <p:seq concurrent="1" nextAc="seek">
+              <p:cTn id="2" dur="indefinite" nodeType="mainSeq">
+                <p:childTnLst>
+                  <p:par>
+                    <p:cTn id="3" fill="hold">
+                      <p:stCondLst>
+                        <p:cond delay="indefinite"/>
+                      </p:stCondLst>
+                      <p:childTnLst>
+                        <p:par>
+                          <p:cTn id="4" fill="hold">
+                            <p:stCondLst>
+                              <p:cond delay="0"/>
+                            </p:stCondLst>
+                            <p:childTnLst>
+                              <p:par>
+                                <p:cTn id="5" presetID="22" presetClass="exit" presetSubtype="4" fill="hold" nodeType="clickEffect">
+                                  <p:stCondLst>
+                                    <p:cond delay="0"/>
+                                  </p:stCondLst>
+                                  <p:childTnLst>
+                                    <p:animEffect transition="out" filter="wipe(down)">
+                                      <p:cBhvr>
+                                        <p:cTn id="6" dur="500"/>
+                                        <p:tgtEl>
+                                          <p:spTgt spid="4"/>
+                                        </p:tgtEl>
+                                      </p:cBhvr>
+                                    </p:animEffect>
+                                    <p:set>
+                                      <p:cBhvr>
+                                        <p:cTn id="7" dur="1" fill="hold">
+                                          <p:stCondLst>
+                                            <p:cond delay="499"/>
+                                          </p:stCondLst>
+                                        </p:cTn>
+                                        <p:tgtEl>
+                                          <p:spTgt spid="4"/>
+                                        </p:tgtEl>
+                                        <p:attrNameLst>
+                                          <p:attrName>style.visibility</p:attrName>
+                                        </p:attrNameLst>
+                                      </p:cBhvr>
+                                      <p:to>
+                                        <p:strVal val="hidden"/>
+                                      </p:to>
+                                    </p:set>
+                                  </p:childTnLst>
+                                </p:cTn>
+                              </p:par>
+                            </p:childTnLst>
+                          </p:cTn>
+                        </p:par>
+                      </p:childTnLst>
+                    </p:cTn>
+                  </p:par>
+                </p:childTnLst>
+              </p:cTn>
+              <p:prevCondLst>
+                <p:cond evt="onPrev" delay="0">
+                  <p:tgtEl>
+                    <p:sldTgt/>
+                  </p:tgtEl>
+                </p:cond>
+              </p:prevCondLst>
+              <p:nextCondLst>
+                <p:cond evt="onNext" delay="0">
+                  <p:tgtEl>
+                    <p:sldTgt/>
+                  </p:tgtEl>
+                </p:cond>
+              </p:nextCondLst>
+            </p:seq>
+          </p:childTnLst>
+        </p:cTn>
       </p:par>
     </p:tnLst>
   </p:timing>
@@ -19290,7 +18966,7 @@
           <p:cNvPr id="129" name="직사각형 128">
             <a:extLst>
               <a:ext uri="{FF2B5EF4-FFF2-40B4-BE49-F238E27FC236}">
-                <a16:creationId xmlns:a16="http://schemas.microsoft.com/office/drawing/2014/main" xmlns="" id="{5F0B186A-DCA6-449E-954A-F4F42CC0D592}"/>
+                <a16:creationId xmlns="" xmlns:a16="http://schemas.microsoft.com/office/drawing/2014/main" id="{5F0B186A-DCA6-449E-954A-F4F42CC0D592}"/>
               </a:ext>
             </a:extLst>
           </p:cNvPr>
@@ -19374,7 +19050,7 @@
           <p:cNvPr id="1024" name="슬라이드 번호 개체 틀 1023">
             <a:extLst>
               <a:ext uri="{FF2B5EF4-FFF2-40B4-BE49-F238E27FC236}">
-                <a16:creationId xmlns:a16="http://schemas.microsoft.com/office/drawing/2014/main" xmlns="" id="{D7ECFDE3-EB78-4198-B1C1-7576EBEBD0EA}"/>
+                <a16:creationId xmlns="" xmlns:a16="http://schemas.microsoft.com/office/drawing/2014/main" id="{D7ECFDE3-EB78-4198-B1C1-7576EBEBD0EA}"/>
               </a:ext>
             </a:extLst>
           </p:cNvPr>
@@ -19408,7 +19084,7 @@
           <p:cNvPr id="62" name="직사각형 61">
             <a:extLst>
               <a:ext uri="{FF2B5EF4-FFF2-40B4-BE49-F238E27FC236}">
-                <a16:creationId xmlns:a16="http://schemas.microsoft.com/office/drawing/2014/main" xmlns="" id="{70B01BF8-29D3-4D23-BC64-0489F3113852}"/>
+                <a16:creationId xmlns="" xmlns:a16="http://schemas.microsoft.com/office/drawing/2014/main" id="{70B01BF8-29D3-4D23-BC64-0489F3113852}"/>
               </a:ext>
             </a:extLst>
           </p:cNvPr>
@@ -19499,7 +19175,7 @@
         <p:spPr>
           <a:xfrm>
             <a:off x="551384" y="1412776"/>
-            <a:ext cx="10513168" cy="558166"/>
+            <a:ext cx="10513168" cy="3416320"/>
           </a:xfrm>
           <a:prstGeom prst="rect">
             <a:avLst/>
@@ -19512,21 +19188,237 @@
           </a:bodyPr>
           <a:lstStyle/>
           <a:p>
-            <a:pPr marL="342900" indent="-342900">
+            <a:pPr>
               <a:lnSpc>
                 <a:spcPct val="200000"/>
               </a:lnSpc>
-              <a:buAutoNum type="arabicParenR" startAt="2"/>
             </a:pPr>
             <a:r>
+              <a:rPr lang="en-US" altLang="ko-KR" dirty="0">
+                <a:solidFill>
+                  <a:schemeClr val="bg1"/>
+                </a:solidFill>
+                <a:latin typeface="+mn-ea"/>
+              </a:rPr>
+              <a:t>3)  Streaming Learning </a:t>
+            </a:r>
+            <a:r>
+              <a:rPr lang="ko-KR" altLang="en-US" dirty="0">
+                <a:solidFill>
+                  <a:schemeClr val="bg1"/>
+                </a:solidFill>
+                <a:latin typeface="+mn-ea"/>
+              </a:rPr>
+              <a:t>적용을 위한 문제 해결</a:t>
+            </a:r>
+            <a:endParaRPr lang="en-US" altLang="ko-KR" dirty="0">
+              <a:solidFill>
+                <a:schemeClr val="bg1"/>
+              </a:solidFill>
+              <a:latin typeface="+mn-ea"/>
+            </a:endParaRPr>
+          </a:p>
+          <a:p>
+            <a:pPr>
+              <a:lnSpc>
+                <a:spcPct val="200000"/>
+              </a:lnSpc>
+            </a:pPr>
+            <a:r>
+              <a:rPr lang="ko-KR" altLang="en-US" dirty="0" smtClean="0">
+                <a:solidFill>
+                  <a:schemeClr val="bg1"/>
+                </a:solidFill>
+                <a:latin typeface="+mn-ea"/>
+              </a:rPr>
+              <a:t>문제</a:t>
+            </a:r>
+            <a:r>
               <a:rPr lang="en-US" altLang="ko-KR" dirty="0" smtClean="0">
                 <a:solidFill>
                   <a:schemeClr val="bg1"/>
                 </a:solidFill>
                 <a:latin typeface="+mn-ea"/>
               </a:rPr>
-              <a:t>Streaming Learning</a:t>
-            </a:r>
+              <a:t>1. Conventional model</a:t>
+            </a:r>
+            <a:r>
+              <a:rPr lang="ko-KR" altLang="en-US" dirty="0" smtClean="0">
+                <a:solidFill>
+                  <a:schemeClr val="bg1"/>
+                </a:solidFill>
+                <a:latin typeface="+mn-ea"/>
+              </a:rPr>
+              <a:t>에 </a:t>
+            </a:r>
+            <a:r>
+              <a:rPr lang="en-US" altLang="ko-KR" dirty="0" smtClean="0">
+                <a:solidFill>
+                  <a:schemeClr val="bg1"/>
+                </a:solidFill>
+                <a:latin typeface="+mn-ea"/>
+              </a:rPr>
+              <a:t>Streaming Learning </a:t>
+            </a:r>
+            <a:r>
+              <a:rPr lang="ko-KR" altLang="en-US" dirty="0" smtClean="0">
+                <a:solidFill>
+                  <a:schemeClr val="bg1"/>
+                </a:solidFill>
+                <a:latin typeface="+mn-ea"/>
+              </a:rPr>
+              <a:t>적용 시 </a:t>
+            </a:r>
+            <a:r>
+              <a:rPr lang="en-US" altLang="ko-KR" dirty="0" smtClean="0">
+                <a:solidFill>
+                  <a:schemeClr val="bg1"/>
+                </a:solidFill>
+                <a:latin typeface="+mn-ea"/>
+              </a:rPr>
+              <a:t>Catastrophic Forgetting </a:t>
+            </a:r>
+            <a:r>
+              <a:rPr lang="ko-KR" altLang="en-US" dirty="0" smtClean="0">
+                <a:solidFill>
+                  <a:schemeClr val="bg1"/>
+                </a:solidFill>
+                <a:latin typeface="+mn-ea"/>
+              </a:rPr>
+              <a:t>발생</a:t>
+            </a:r>
+            <a:endParaRPr lang="en-US" altLang="ko-KR" dirty="0" smtClean="0">
+              <a:solidFill>
+                <a:schemeClr val="bg1"/>
+              </a:solidFill>
+              <a:latin typeface="+mn-ea"/>
+            </a:endParaRPr>
+          </a:p>
+          <a:p>
+            <a:pPr>
+              <a:lnSpc>
+                <a:spcPct val="200000"/>
+              </a:lnSpc>
+            </a:pPr>
+            <a:r>
+              <a:rPr lang="en-US" altLang="ko-KR" dirty="0" smtClean="0">
+                <a:solidFill>
+                  <a:schemeClr val="bg1"/>
+                </a:solidFill>
+                <a:latin typeface="+mn-ea"/>
+              </a:rPr>
+              <a:t>	</a:t>
+            </a:r>
+            <a:br>
+              <a:rPr lang="en-US" altLang="ko-KR" dirty="0" smtClean="0">
+                <a:solidFill>
+                  <a:schemeClr val="bg1"/>
+                </a:solidFill>
+                <a:latin typeface="+mn-ea"/>
+              </a:rPr>
+            </a:br>
+            <a:r>
+              <a:rPr lang="en-US" altLang="ko-KR" dirty="0" smtClean="0">
+                <a:solidFill>
+                  <a:schemeClr val="bg1"/>
+                </a:solidFill>
+                <a:latin typeface="+mn-ea"/>
+              </a:rPr>
+              <a:t>	- Catastrophic Forgetting </a:t>
+            </a:r>
+            <a:r>
+              <a:rPr lang="ko-KR" altLang="en-US" dirty="0" smtClean="0">
+                <a:solidFill>
+                  <a:schemeClr val="bg1"/>
+                </a:solidFill>
+                <a:latin typeface="+mn-ea"/>
+              </a:rPr>
+              <a:t>이란</a:t>
+            </a:r>
+            <a:r>
+              <a:rPr lang="en-US" altLang="ko-KR" dirty="0" smtClean="0">
+                <a:solidFill>
+                  <a:schemeClr val="bg1"/>
+                </a:solidFill>
+                <a:latin typeface="+mn-ea"/>
+              </a:rPr>
+              <a:t>?</a:t>
+            </a:r>
+          </a:p>
+          <a:p>
+            <a:pPr>
+              <a:lnSpc>
+                <a:spcPct val="200000"/>
+              </a:lnSpc>
+            </a:pPr>
+            <a:r>
+              <a:rPr lang="en-US" altLang="ko-KR" dirty="0" smtClean="0">
+                <a:solidFill>
+                  <a:schemeClr val="bg1"/>
+                </a:solidFill>
+                <a:latin typeface="+mn-ea"/>
+              </a:rPr>
+              <a:t>	</a:t>
+            </a:r>
+            <a:r>
+              <a:rPr lang="ko-KR" altLang="en-US" dirty="0" smtClean="0">
+                <a:solidFill>
+                  <a:schemeClr val="bg1"/>
+                </a:solidFill>
+                <a:latin typeface="+mn-ea"/>
+              </a:rPr>
+              <a:t>인공신경망이 단일 작업에 대해서는 뛰어난 성능을 보이지만</a:t>
+            </a:r>
+            <a:r>
+              <a:rPr lang="en-US" altLang="ko-KR" dirty="0" smtClean="0">
+                <a:solidFill>
+                  <a:schemeClr val="bg1"/>
+                </a:solidFill>
+                <a:latin typeface="+mn-ea"/>
+              </a:rPr>
+              <a:t>,</a:t>
+            </a:r>
+            <a:br>
+              <a:rPr lang="en-US" altLang="ko-KR" dirty="0" smtClean="0">
+                <a:solidFill>
+                  <a:schemeClr val="bg1"/>
+                </a:solidFill>
+                <a:latin typeface="+mn-ea"/>
+              </a:rPr>
+            </a:br>
+            <a:r>
+              <a:rPr lang="en-US" altLang="ko-KR" dirty="0" smtClean="0">
+                <a:solidFill>
+                  <a:schemeClr val="bg1"/>
+                </a:solidFill>
+                <a:latin typeface="+mn-ea"/>
+              </a:rPr>
+              <a:t>	</a:t>
+            </a:r>
+            <a:r>
+              <a:rPr lang="ko-KR" altLang="en-US" dirty="0" smtClean="0">
+                <a:solidFill>
+                  <a:schemeClr val="bg1"/>
+                </a:solidFill>
+                <a:latin typeface="+mn-ea"/>
+              </a:rPr>
+              <a:t>다른 종류의 작업을 학습하면 </a:t>
+            </a:r>
+            <a:r>
+              <a:rPr lang="ko-KR" altLang="en-US" b="1" u="sng" dirty="0" smtClean="0">
+                <a:solidFill>
+                  <a:schemeClr val="bg1"/>
+                </a:solidFill>
+                <a:latin typeface="+mn-ea"/>
+              </a:rPr>
+              <a:t>이전 학습 내용을 잊어버리는 현상</a:t>
+            </a:r>
+            <a:endParaRPr lang="en-US" altLang="ko-KR" b="1" u="sng" dirty="0" smtClean="0">
+              <a:solidFill>
+                <a:schemeClr val="bg1"/>
+              </a:solidFill>
+              <a:latin typeface="+mn-ea"/>
+            </a:endParaRPr>
           </a:p>
         </p:txBody>
       </p:sp>
@@ -19539,7 +19431,7 @@
         <p:spPr>
           <a:xfrm>
             <a:off x="1570832" y="366816"/>
-            <a:ext cx="2664296" cy="369332"/>
+            <a:ext cx="5245248" cy="369332"/>
           </a:xfrm>
           <a:prstGeom prst="rect">
             <a:avLst/>
@@ -19556,166 +19448,24 @@
               <a:rPr lang="en-US" altLang="ko-KR" b="1" dirty="0" smtClean="0">
                 <a:latin typeface="+mj-ea"/>
               </a:rPr>
-              <a:t>2) Streaming Learning</a:t>
+              <a:t>3) Streaming Learning </a:t>
+            </a:r>
+            <a:r>
+              <a:rPr lang="ko-KR" altLang="en-US" b="1" dirty="0" smtClean="0">
+                <a:latin typeface="+mj-ea"/>
+              </a:rPr>
+              <a:t>적용을 위한 문제해결</a:t>
             </a:r>
             <a:endParaRPr lang="ko-KR" altLang="en-US" b="1" dirty="0">
               <a:latin typeface="+mj-ea"/>
             </a:endParaRPr>
-          </a:p>
-        </p:txBody>
-      </p:sp>
-      <p:pic>
-        <p:nvPicPr>
-          <p:cNvPr id="1026" name="Picture 2"/>
-          <p:cNvPicPr>
-            <a:picLocks noChangeAspect="1" noChangeArrowheads="1"/>
-          </p:cNvPicPr>
-          <p:nvPr/>
-        </p:nvPicPr>
-        <p:blipFill>
-          <a:blip r:embed="rId3">
-            <a:extLst>
-              <a:ext uri="{28A0092B-C50C-407E-A947-70E740481C1C}">
-                <a14:useLocalDpi xmlns:a14="http://schemas.microsoft.com/office/drawing/2010/main" val="0"/>
-              </a:ext>
-            </a:extLst>
-          </a:blip>
-          <a:srcRect/>
-          <a:stretch>
-            <a:fillRect/>
-          </a:stretch>
-        </p:blipFill>
-        <p:spPr bwMode="auto">
-          <a:xfrm>
-            <a:off x="227347" y="2132856"/>
-            <a:ext cx="11737306" cy="3816424"/>
-          </a:xfrm>
-          <a:prstGeom prst="rect">
-            <a:avLst/>
-          </a:prstGeom>
-          <a:noFill/>
-          <a:ln>
-            <a:noFill/>
-          </a:ln>
-          <a:extLst>
-            <a:ext uri="{909E8E84-426E-40DD-AFC4-6F175D3DCCD1}">
-              <a14:hiddenFill xmlns:a14="http://schemas.microsoft.com/office/drawing/2010/main">
-                <a:solidFill>
-                  <a:schemeClr val="accent1"/>
-                </a:solidFill>
-              </a14:hiddenFill>
-            </a:ext>
-            <a:ext uri="{91240B29-F687-4F45-9708-019B960494DF}">
-              <a14:hiddenLine xmlns:a14="http://schemas.microsoft.com/office/drawing/2010/main" w="9525">
-                <a:solidFill>
-                  <a:schemeClr val="tx1"/>
-                </a:solidFill>
-                <a:miter lim="800000"/>
-                <a:headEnd/>
-                <a:tailEnd/>
-              </a14:hiddenLine>
-            </a:ext>
-          </a:extLst>
-        </p:spPr>
-      </p:pic>
-      <p:sp>
-        <p:nvSpPr>
-          <p:cNvPr id="4" name="직사각형 3"/>
-          <p:cNvSpPr/>
-          <p:nvPr/>
-        </p:nvSpPr>
-        <p:spPr>
-          <a:xfrm>
-            <a:off x="551384" y="5589240"/>
-            <a:ext cx="2016224" cy="288032"/>
-          </a:xfrm>
-          <a:prstGeom prst="rect">
-            <a:avLst/>
-          </a:prstGeom>
-          <a:noFill/>
-          <a:ln w="31750">
-            <a:solidFill>
-              <a:srgbClr val="FF0000"/>
-            </a:solidFill>
-            <a:prstDash val="lgDash"/>
-          </a:ln>
-        </p:spPr>
-        <p:style>
-          <a:lnRef idx="2">
-            <a:schemeClr val="accent1">
-              <a:shade val="50000"/>
-            </a:schemeClr>
-          </a:lnRef>
-          <a:fillRef idx="1">
-            <a:schemeClr val="accent1"/>
-          </a:fillRef>
-          <a:effectRef idx="0">
-            <a:schemeClr val="accent1"/>
-          </a:effectRef>
-          <a:fontRef idx="minor">
-            <a:schemeClr val="lt1"/>
-          </a:fontRef>
-        </p:style>
-        <p:txBody>
-          <a:bodyPr rtlCol="0" anchor="ctr"/>
-          <a:lstStyle/>
-          <a:p>
-            <a:pPr algn="ctr"/>
-            <a:endParaRPr lang="ko-KR" altLang="en-US"/>
-          </a:p>
-        </p:txBody>
-      </p:sp>
-      <p:sp>
-        <p:nvSpPr>
-          <p:cNvPr id="11" name="직사각형 10"/>
-          <p:cNvSpPr/>
-          <p:nvPr/>
-        </p:nvSpPr>
-        <p:spPr>
-          <a:xfrm>
-            <a:off x="9264352" y="5589240"/>
-            <a:ext cx="2160240" cy="288032"/>
-          </a:xfrm>
-          <a:prstGeom prst="rect">
-            <a:avLst/>
-          </a:prstGeom>
-          <a:noFill/>
-          <a:ln w="31750">
-            <a:solidFill>
-              <a:srgbClr val="FF0000"/>
-            </a:solidFill>
-            <a:prstDash val="lgDash"/>
-          </a:ln>
-        </p:spPr>
-        <p:style>
-          <a:lnRef idx="2">
-            <a:schemeClr val="accent1">
-              <a:shade val="50000"/>
-            </a:schemeClr>
-          </a:lnRef>
-          <a:fillRef idx="1">
-            <a:schemeClr val="accent1"/>
-          </a:fillRef>
-          <a:effectRef idx="0">
-            <a:schemeClr val="accent1"/>
-          </a:effectRef>
-          <a:fontRef idx="minor">
-            <a:schemeClr val="lt1"/>
-          </a:fontRef>
-        </p:style>
-        <p:txBody>
-          <a:bodyPr rtlCol="0" anchor="ctr"/>
-          <a:lstStyle/>
-          <a:p>
-            <a:pPr algn="ctr"/>
-            <a:endParaRPr lang="ko-KR" altLang="en-US"/>
           </a:p>
         </p:txBody>
       </p:sp>
     </p:spTree>
     <p:extLst>
       <p:ext uri="{BB962C8B-B14F-4D97-AF65-F5344CB8AC3E}">
-        <p14:creationId xmlns:p14="http://schemas.microsoft.com/office/powerpoint/2010/main" val="95470998"/>
+        <p14:creationId xmlns:p14="http://schemas.microsoft.com/office/powerpoint/2010/main" val="1200834042"/>
       </p:ext>
     </p:extLst>
   </p:cSld>
@@ -19754,7 +19504,7 @@
           <p:cNvPr id="129" name="직사각형 128">
             <a:extLst>
               <a:ext uri="{FF2B5EF4-FFF2-40B4-BE49-F238E27FC236}">
-                <a16:creationId xmlns:a16="http://schemas.microsoft.com/office/drawing/2014/main" xmlns="" id="{5F0B186A-DCA6-449E-954A-F4F42CC0D592}"/>
+                <a16:creationId xmlns="" xmlns:a16="http://schemas.microsoft.com/office/drawing/2014/main" id="{5F0B186A-DCA6-449E-954A-F4F42CC0D592}"/>
               </a:ext>
             </a:extLst>
           </p:cNvPr>
@@ -19838,7 +19588,7 @@
           <p:cNvPr id="1024" name="슬라이드 번호 개체 틀 1023">
             <a:extLst>
               <a:ext uri="{FF2B5EF4-FFF2-40B4-BE49-F238E27FC236}">
-                <a16:creationId xmlns:a16="http://schemas.microsoft.com/office/drawing/2014/main" xmlns="" id="{D7ECFDE3-EB78-4198-B1C1-7576EBEBD0EA}"/>
+                <a16:creationId xmlns="" xmlns:a16="http://schemas.microsoft.com/office/drawing/2014/main" id="{D7ECFDE3-EB78-4198-B1C1-7576EBEBD0EA}"/>
               </a:ext>
             </a:extLst>
           </p:cNvPr>
@@ -19872,545 +19622,7 @@
           <p:cNvPr id="62" name="직사각형 61">
             <a:extLst>
               <a:ext uri="{FF2B5EF4-FFF2-40B4-BE49-F238E27FC236}">
-                <a16:creationId xmlns:a16="http://schemas.microsoft.com/office/drawing/2014/main" xmlns="" id="{70B01BF8-29D3-4D23-BC64-0489F3113852}"/>
-              </a:ext>
-            </a:extLst>
-          </p:cNvPr>
-          <p:cNvSpPr/>
-          <p:nvPr/>
-        </p:nvSpPr>
-        <p:spPr>
-          <a:xfrm>
-            <a:off x="-143" y="1019614"/>
-            <a:ext cx="12192000" cy="5256584"/>
-          </a:xfrm>
-          <a:prstGeom prst="rect">
-            <a:avLst/>
-          </a:prstGeom>
-          <a:solidFill>
-            <a:schemeClr val="tx1"/>
-          </a:solidFill>
-          <a:ln>
-            <a:noFill/>
-          </a:ln>
-        </p:spPr>
-        <p:style>
-          <a:lnRef idx="2">
-            <a:schemeClr val="accent1">
-              <a:shade val="50000"/>
-            </a:schemeClr>
-          </a:lnRef>
-          <a:fillRef idx="1">
-            <a:schemeClr val="accent1"/>
-          </a:fillRef>
-          <a:effectRef idx="0">
-            <a:schemeClr val="accent1"/>
-          </a:effectRef>
-          <a:fontRef idx="minor">
-            <a:schemeClr val="lt1"/>
-          </a:fontRef>
-        </p:style>
-        <p:txBody>
-          <a:bodyPr rtlCol="0" anchor="ctr"/>
-          <a:lstStyle/>
-          <a:p>
-            <a:pPr algn="ctr"/>
-            <a:endParaRPr lang="ko-KR" altLang="en-US"/>
-          </a:p>
-        </p:txBody>
-      </p:sp>
-      <p:pic>
-        <p:nvPicPr>
-          <p:cNvPr id="8" name="Picture 2" descr="롯데정보통신, '랄프체인'으로 블록체인 Si 솔루션 도전"/>
-          <p:cNvPicPr>
-            <a:picLocks noChangeAspect="1" noChangeArrowheads="1"/>
-          </p:cNvPicPr>
-          <p:nvPr/>
-        </p:nvPicPr>
-        <p:blipFill rotWithShape="1">
-          <a:blip r:embed="rId2" cstate="print">
-            <a:extLst>
-              <a:ext uri="{28A0092B-C50C-407E-A947-70E740481C1C}">
-                <a14:useLocalDpi xmlns:a14="http://schemas.microsoft.com/office/drawing/2010/main" val="0"/>
-              </a:ext>
-            </a:extLst>
-          </a:blip>
-          <a:srcRect t="20471"/>
-          <a:stretch/>
-        </p:blipFill>
-        <p:spPr bwMode="auto">
-          <a:xfrm>
-            <a:off x="9624392" y="116632"/>
-            <a:ext cx="2448272" cy="869700"/>
-          </a:xfrm>
-          <a:prstGeom prst="rect">
-            <a:avLst/>
-          </a:prstGeom>
-          <a:solidFill>
-            <a:srgbClr val="FF0000"/>
-          </a:solidFill>
-          <a:effectLst>
-            <a:softEdge rad="127000"/>
-          </a:effectLst>
-        </p:spPr>
-      </p:pic>
-      <p:sp>
-        <p:nvSpPr>
-          <p:cNvPr id="2" name="TextBox 1"/>
-          <p:cNvSpPr txBox="1"/>
-          <p:nvPr/>
-        </p:nvSpPr>
-        <p:spPr>
-          <a:xfrm>
-            <a:off x="551384" y="1412776"/>
-            <a:ext cx="10513168" cy="3416320"/>
-          </a:xfrm>
-          <a:prstGeom prst="rect">
-            <a:avLst/>
-          </a:prstGeom>
-          <a:noFill/>
-        </p:spPr>
-        <p:txBody>
-          <a:bodyPr wrap="square" rtlCol="0">
-            <a:spAutoFit/>
-          </a:bodyPr>
-          <a:lstStyle/>
-          <a:p>
-            <a:pPr>
-              <a:lnSpc>
-                <a:spcPct val="200000"/>
-              </a:lnSpc>
-            </a:pPr>
-            <a:r>
-              <a:rPr lang="en-US" altLang="ko-KR" dirty="0">
-                <a:solidFill>
-                  <a:schemeClr val="bg1"/>
-                </a:solidFill>
-                <a:latin typeface="+mn-ea"/>
-              </a:rPr>
-              <a:t>3)  Streaming Learning </a:t>
-            </a:r>
-            <a:r>
-              <a:rPr lang="ko-KR" altLang="en-US" dirty="0">
-                <a:solidFill>
-                  <a:schemeClr val="bg1"/>
-                </a:solidFill>
-                <a:latin typeface="+mn-ea"/>
-              </a:rPr>
-              <a:t>적용을 위한 문제 해결</a:t>
-            </a:r>
-            <a:endParaRPr lang="en-US" altLang="ko-KR" dirty="0">
-              <a:solidFill>
-                <a:schemeClr val="bg1"/>
-              </a:solidFill>
-              <a:latin typeface="+mn-ea"/>
-            </a:endParaRPr>
-          </a:p>
-          <a:p>
-            <a:pPr>
-              <a:lnSpc>
-                <a:spcPct val="200000"/>
-              </a:lnSpc>
-            </a:pPr>
-            <a:r>
-              <a:rPr lang="ko-KR" altLang="en-US" dirty="0" smtClean="0">
-                <a:solidFill>
-                  <a:schemeClr val="bg1"/>
-                </a:solidFill>
-                <a:latin typeface="+mn-ea"/>
-              </a:rPr>
-              <a:t>문제</a:t>
-            </a:r>
-            <a:r>
-              <a:rPr lang="en-US" altLang="ko-KR" dirty="0" smtClean="0">
-                <a:solidFill>
-                  <a:schemeClr val="bg1"/>
-                </a:solidFill>
-                <a:latin typeface="+mn-ea"/>
-              </a:rPr>
-              <a:t>1. Conventional model</a:t>
-            </a:r>
-            <a:r>
-              <a:rPr lang="ko-KR" altLang="en-US" dirty="0" smtClean="0">
-                <a:solidFill>
-                  <a:schemeClr val="bg1"/>
-                </a:solidFill>
-                <a:latin typeface="+mn-ea"/>
-              </a:rPr>
-              <a:t>에 </a:t>
-            </a:r>
-            <a:r>
-              <a:rPr lang="en-US" altLang="ko-KR" dirty="0" smtClean="0">
-                <a:solidFill>
-                  <a:schemeClr val="bg1"/>
-                </a:solidFill>
-                <a:latin typeface="+mn-ea"/>
-              </a:rPr>
-              <a:t>Streaming Learning </a:t>
-            </a:r>
-            <a:r>
-              <a:rPr lang="ko-KR" altLang="en-US" dirty="0" smtClean="0">
-                <a:solidFill>
-                  <a:schemeClr val="bg1"/>
-                </a:solidFill>
-                <a:latin typeface="+mn-ea"/>
-              </a:rPr>
-              <a:t>적용 시 </a:t>
-            </a:r>
-            <a:r>
-              <a:rPr lang="en-US" altLang="ko-KR" dirty="0" smtClean="0">
-                <a:solidFill>
-                  <a:schemeClr val="bg1"/>
-                </a:solidFill>
-                <a:latin typeface="+mn-ea"/>
-              </a:rPr>
-              <a:t>Catastrophic Forgetting </a:t>
-            </a:r>
-            <a:r>
-              <a:rPr lang="ko-KR" altLang="en-US" dirty="0" smtClean="0">
-                <a:solidFill>
-                  <a:schemeClr val="bg1"/>
-                </a:solidFill>
-                <a:latin typeface="+mn-ea"/>
-              </a:rPr>
-              <a:t>발생</a:t>
-            </a:r>
-            <a:endParaRPr lang="en-US" altLang="ko-KR" dirty="0" smtClean="0">
-              <a:solidFill>
-                <a:schemeClr val="bg1"/>
-              </a:solidFill>
-              <a:latin typeface="+mn-ea"/>
-            </a:endParaRPr>
-          </a:p>
-          <a:p>
-            <a:pPr>
-              <a:lnSpc>
-                <a:spcPct val="200000"/>
-              </a:lnSpc>
-            </a:pPr>
-            <a:r>
-              <a:rPr lang="en-US" altLang="ko-KR" dirty="0" smtClean="0">
-                <a:solidFill>
-                  <a:schemeClr val="bg1"/>
-                </a:solidFill>
-                <a:latin typeface="+mn-ea"/>
-              </a:rPr>
-              <a:t>	</a:t>
-            </a:r>
-            <a:br>
-              <a:rPr lang="en-US" altLang="ko-KR" dirty="0" smtClean="0">
-                <a:solidFill>
-                  <a:schemeClr val="bg1"/>
-                </a:solidFill>
-                <a:latin typeface="+mn-ea"/>
-              </a:rPr>
-            </a:br>
-            <a:r>
-              <a:rPr lang="en-US" altLang="ko-KR" dirty="0" smtClean="0">
-                <a:solidFill>
-                  <a:schemeClr val="bg1"/>
-                </a:solidFill>
-                <a:latin typeface="+mn-ea"/>
-              </a:rPr>
-              <a:t>	- Catastrophic Forgetting </a:t>
-            </a:r>
-            <a:r>
-              <a:rPr lang="ko-KR" altLang="en-US" dirty="0" smtClean="0">
-                <a:solidFill>
-                  <a:schemeClr val="bg1"/>
-                </a:solidFill>
-                <a:latin typeface="+mn-ea"/>
-              </a:rPr>
-              <a:t>이란</a:t>
-            </a:r>
-            <a:r>
-              <a:rPr lang="en-US" altLang="ko-KR" dirty="0" smtClean="0">
-                <a:solidFill>
-                  <a:schemeClr val="bg1"/>
-                </a:solidFill>
-                <a:latin typeface="+mn-ea"/>
-              </a:rPr>
-              <a:t>?</a:t>
-            </a:r>
-          </a:p>
-          <a:p>
-            <a:pPr>
-              <a:lnSpc>
-                <a:spcPct val="200000"/>
-              </a:lnSpc>
-            </a:pPr>
-            <a:r>
-              <a:rPr lang="en-US" altLang="ko-KR" dirty="0" smtClean="0">
-                <a:solidFill>
-                  <a:schemeClr val="bg1"/>
-                </a:solidFill>
-                <a:latin typeface="+mn-ea"/>
-              </a:rPr>
-              <a:t>	</a:t>
-            </a:r>
-            <a:r>
-              <a:rPr lang="ko-KR" altLang="en-US" dirty="0" smtClean="0">
-                <a:solidFill>
-                  <a:schemeClr val="bg1"/>
-                </a:solidFill>
-                <a:latin typeface="+mn-ea"/>
-              </a:rPr>
-              <a:t>인공신경망이 단일 작업에 대해서는 뛰어난 성능을 보이지만</a:t>
-            </a:r>
-            <a:r>
-              <a:rPr lang="en-US" altLang="ko-KR" dirty="0" smtClean="0">
-                <a:solidFill>
-                  <a:schemeClr val="bg1"/>
-                </a:solidFill>
-                <a:latin typeface="+mn-ea"/>
-              </a:rPr>
-              <a:t>,</a:t>
-            </a:r>
-            <a:br>
-              <a:rPr lang="en-US" altLang="ko-KR" dirty="0" smtClean="0">
-                <a:solidFill>
-                  <a:schemeClr val="bg1"/>
-                </a:solidFill>
-                <a:latin typeface="+mn-ea"/>
-              </a:rPr>
-            </a:br>
-            <a:r>
-              <a:rPr lang="en-US" altLang="ko-KR" dirty="0" smtClean="0">
-                <a:solidFill>
-                  <a:schemeClr val="bg1"/>
-                </a:solidFill>
-                <a:latin typeface="+mn-ea"/>
-              </a:rPr>
-              <a:t>	</a:t>
-            </a:r>
-            <a:r>
-              <a:rPr lang="ko-KR" altLang="en-US" dirty="0" smtClean="0">
-                <a:solidFill>
-                  <a:schemeClr val="bg1"/>
-                </a:solidFill>
-                <a:latin typeface="+mn-ea"/>
-              </a:rPr>
-              <a:t>다른 종류의 작업을 학습하면 </a:t>
-            </a:r>
-            <a:r>
-              <a:rPr lang="ko-KR" altLang="en-US" b="1" u="sng" dirty="0" smtClean="0">
-                <a:solidFill>
-                  <a:schemeClr val="bg1"/>
-                </a:solidFill>
-                <a:latin typeface="+mn-ea"/>
-              </a:rPr>
-              <a:t>이전 학습 내용을 잊어버리는 현상</a:t>
-            </a:r>
-            <a:endParaRPr lang="en-US" altLang="ko-KR" b="1" u="sng" dirty="0" smtClean="0">
-              <a:solidFill>
-                <a:schemeClr val="bg1"/>
-              </a:solidFill>
-              <a:latin typeface="+mn-ea"/>
-            </a:endParaRPr>
-          </a:p>
-        </p:txBody>
-      </p:sp>
-      <p:sp>
-        <p:nvSpPr>
-          <p:cNvPr id="3" name="TextBox 2"/>
-          <p:cNvSpPr txBox="1"/>
-          <p:nvPr/>
-        </p:nvSpPr>
-        <p:spPr>
-          <a:xfrm>
-            <a:off x="1570832" y="366816"/>
-            <a:ext cx="5245248" cy="369332"/>
-          </a:xfrm>
-          <a:prstGeom prst="rect">
-            <a:avLst/>
-          </a:prstGeom>
-          <a:noFill/>
-        </p:spPr>
-        <p:txBody>
-          <a:bodyPr wrap="square" rtlCol="0">
-            <a:spAutoFit/>
-          </a:bodyPr>
-          <a:lstStyle/>
-          <a:p>
-            <a:r>
-              <a:rPr lang="en-US" altLang="ko-KR" b="1" dirty="0" smtClean="0">
-                <a:latin typeface="+mj-ea"/>
-              </a:rPr>
-              <a:t>3) Streaming Learning </a:t>
-            </a:r>
-            <a:r>
-              <a:rPr lang="ko-KR" altLang="en-US" b="1" dirty="0" smtClean="0">
-                <a:latin typeface="+mj-ea"/>
-              </a:rPr>
-              <a:t>적용을 위한 문제해결</a:t>
-            </a:r>
-            <a:endParaRPr lang="ko-KR" altLang="en-US" b="1" dirty="0">
-              <a:latin typeface="+mj-ea"/>
-            </a:endParaRPr>
-          </a:p>
-        </p:txBody>
-      </p:sp>
-    </p:spTree>
-    <p:extLst>
-      <p:ext uri="{BB962C8B-B14F-4D97-AF65-F5344CB8AC3E}">
-        <p14:creationId xmlns:p14="http://schemas.microsoft.com/office/powerpoint/2010/main" val="1200834042"/>
-      </p:ext>
-    </p:extLst>
-  </p:cSld>
-  <p:clrMapOvr>
-    <a:masterClrMapping/>
-  </p:clrMapOvr>
-  <p:timing>
-    <p:tnLst>
-      <p:par>
-        <p:cTn id="1" dur="indefinite" restart="never" nodeType="tmRoot"/>
-      </p:par>
-    </p:tnLst>
-  </p:timing>
-</p:sld>
-</file>
-
-<file path=ppt/slides/slide8.xml><?xml version="1.0" encoding="utf-8"?>
-<p:sld xmlns:a="http://schemas.openxmlformats.org/drawingml/2006/main" xmlns:r="http://schemas.openxmlformats.org/officeDocument/2006/relationships" xmlns:p="http://schemas.openxmlformats.org/presentationml/2006/main">
-  <p:cSld>
-    <p:spTree>
-      <p:nvGrpSpPr>
-        <p:cNvPr id="1" name=""/>
-        <p:cNvGrpSpPr/>
-        <p:nvPr/>
-      </p:nvGrpSpPr>
-      <p:grpSpPr>
-        <a:xfrm>
-          <a:off x="0" y="0"/>
-          <a:ext cx="0" cy="0"/>
-          <a:chOff x="0" y="0"/>
-          <a:chExt cx="0" cy="0"/>
-        </a:xfrm>
-      </p:grpSpPr>
-      <p:sp>
-        <p:nvSpPr>
-          <p:cNvPr id="129" name="직사각형 128">
-            <a:extLst>
-              <a:ext uri="{FF2B5EF4-FFF2-40B4-BE49-F238E27FC236}">
-                <a16:creationId xmlns:a16="http://schemas.microsoft.com/office/drawing/2014/main" xmlns="" id="{5F0B186A-DCA6-449E-954A-F4F42CC0D592}"/>
-              </a:ext>
-            </a:extLst>
-          </p:cNvPr>
-          <p:cNvSpPr/>
-          <p:nvPr/>
-        </p:nvSpPr>
-        <p:spPr>
-          <a:xfrm>
-            <a:off x="191342" y="160720"/>
-            <a:ext cx="4991065" cy="741040"/>
-          </a:xfrm>
-          <a:prstGeom prst="rect">
-            <a:avLst/>
-          </a:prstGeom>
-          <a:noFill/>
-          <a:ln>
-            <a:noFill/>
-          </a:ln>
-        </p:spPr>
-        <p:style>
-          <a:lnRef idx="2">
-            <a:schemeClr val="accent1">
-              <a:shade val="50000"/>
-            </a:schemeClr>
-          </a:lnRef>
-          <a:fillRef idx="1">
-            <a:schemeClr val="accent1"/>
-          </a:fillRef>
-          <a:effectRef idx="0">
-            <a:schemeClr val="accent1"/>
-          </a:effectRef>
-          <a:fontRef idx="minor">
-            <a:schemeClr val="lt1"/>
-          </a:fontRef>
-        </p:style>
-        <p:txBody>
-          <a:bodyPr rtlCol="0" anchor="ctr"/>
-          <a:lstStyle/>
-          <a:p>
-            <a:r>
-              <a:rPr lang="en-US" altLang="ko-KR" sz="3600" b="1" dirty="0" smtClean="0">
-                <a:solidFill>
-                  <a:srgbClr val="FFC000"/>
-                </a:solidFill>
-                <a:latin typeface="+mj-ea"/>
-                <a:ea typeface="+mj-ea"/>
-              </a:rPr>
-              <a:t>  01</a:t>
-            </a:r>
-          </a:p>
-          <a:p>
-            <a:r>
-              <a:rPr lang="en-US" altLang="ko-KR" sz="1100" b="1" dirty="0" smtClean="0">
-                <a:solidFill>
-                  <a:srgbClr val="FFC000"/>
-                </a:solidFill>
-                <a:latin typeface="+mj-ea"/>
-                <a:ea typeface="+mj-ea"/>
-              </a:rPr>
-              <a:t>RODEO </a:t>
-            </a:r>
-            <a:r>
-              <a:rPr lang="ko-KR" altLang="en-US" sz="1100" b="1" dirty="0" smtClean="0">
-                <a:solidFill>
-                  <a:srgbClr val="FFC000"/>
-                </a:solidFill>
-                <a:latin typeface="+mj-ea"/>
-                <a:ea typeface="+mj-ea"/>
-              </a:rPr>
-              <a:t>아이디어</a:t>
-            </a:r>
-            <a:endParaRPr lang="ko-KR" altLang="en-US" sz="2000" b="1" dirty="0">
-              <a:latin typeface="+mj-ea"/>
-              <a:ea typeface="+mj-ea"/>
-            </a:endParaRPr>
-          </a:p>
-        </p:txBody>
-      </p:sp>
-      <p:sp>
-        <p:nvSpPr>
-          <p:cNvPr id="1024" name="슬라이드 번호 개체 틀 1023">
-            <a:extLst>
-              <a:ext uri="{FF2B5EF4-FFF2-40B4-BE49-F238E27FC236}">
-                <a16:creationId xmlns:a16="http://schemas.microsoft.com/office/drawing/2014/main" xmlns="" id="{D7ECFDE3-EB78-4198-B1C1-7576EBEBD0EA}"/>
-              </a:ext>
-            </a:extLst>
-          </p:cNvPr>
-          <p:cNvSpPr>
-            <a:spLocks noGrp="1"/>
-          </p:cNvSpPr>
-          <p:nvPr>
-            <p:ph type="sldNum" sz="quarter" idx="12"/>
-          </p:nvPr>
-        </p:nvSpPr>
-        <p:spPr>
-          <a:xfrm>
-            <a:off x="11234109" y="6388325"/>
-            <a:ext cx="753545" cy="365125"/>
-          </a:xfrm>
-        </p:spPr>
-        <p:txBody>
-          <a:bodyPr/>
-          <a:lstStyle/>
-          <a:p>
-            <a:fld id="{F4ABE7AD-7D80-45E6-9B72-991AAE1BF4C2}" type="slidenum">
-              <a:rPr lang="ko-KR" altLang="en-US" smtClean="0"/>
-              <a:t>8</a:t>
-            </a:fld>
-            <a:endParaRPr lang="ko-KR" altLang="en-US"/>
-          </a:p>
-        </p:txBody>
-      </p:sp>
-      <p:sp>
-        <p:nvSpPr>
-          <p:cNvPr id="62" name="직사각형 61">
-            <a:extLst>
-              <a:ext uri="{FF2B5EF4-FFF2-40B4-BE49-F238E27FC236}">
-                <a16:creationId xmlns:a16="http://schemas.microsoft.com/office/drawing/2014/main" xmlns="" id="{70B01BF8-29D3-4D23-BC64-0489F3113852}"/>
+                <a16:creationId xmlns="" xmlns:a16="http://schemas.microsoft.com/office/drawing/2014/main" id="{70B01BF8-29D3-4D23-BC64-0489F3113852}"/>
               </a:ext>
             </a:extLst>
           </p:cNvPr>
@@ -21005,7 +20217,7 @@
 </p:sld>
 </file>
 
-<file path=ppt/slides/slide9.xml><?xml version="1.0" encoding="utf-8"?>
+<file path=ppt/slides/slide8.xml><?xml version="1.0" encoding="utf-8"?>
 <p:sld xmlns:a="http://schemas.openxmlformats.org/drawingml/2006/main" xmlns:r="http://schemas.openxmlformats.org/officeDocument/2006/relationships" xmlns:p="http://schemas.openxmlformats.org/presentationml/2006/main">
   <p:cSld>
     <p:spTree>
@@ -21027,7 +20239,7 @@
           <p:cNvPr id="1024" name="슬라이드 번호 개체 틀 1023">
             <a:extLst>
               <a:ext uri="{FF2B5EF4-FFF2-40B4-BE49-F238E27FC236}">
-                <a16:creationId xmlns:a16="http://schemas.microsoft.com/office/drawing/2014/main" xmlns="" id="{D7ECFDE3-EB78-4198-B1C1-7576EBEBD0EA}"/>
+                <a16:creationId xmlns="" xmlns:a16="http://schemas.microsoft.com/office/drawing/2014/main" id="{D7ECFDE3-EB78-4198-B1C1-7576EBEBD0EA}"/>
               </a:ext>
             </a:extLst>
           </p:cNvPr>
@@ -21050,7 +20262,7 @@
           <a:p>
             <a:fld id="{F4ABE7AD-7D80-45E6-9B72-991AAE1BF4C2}" type="slidenum">
               <a:rPr lang="ko-KR" altLang="en-US" smtClean="0"/>
-              <a:t>9</a:t>
+              <a:t>8</a:t>
             </a:fld>
             <a:endParaRPr lang="ko-KR" altLang="en-US"/>
           </a:p>
@@ -21061,7 +20273,7 @@
           <p:cNvPr id="5" name="TextBox 4">
             <a:extLst>
               <a:ext uri="{FF2B5EF4-FFF2-40B4-BE49-F238E27FC236}">
-                <a16:creationId xmlns:a16="http://schemas.microsoft.com/office/drawing/2014/main" xmlns="" id="{18478785-7455-426F-B501-DBA892B7AE1C}"/>
+                <a16:creationId xmlns="" xmlns:a16="http://schemas.microsoft.com/office/drawing/2014/main" id="{18478785-7455-426F-B501-DBA892B7AE1C}"/>
               </a:ext>
             </a:extLst>
           </p:cNvPr>
@@ -21155,6 +20367,540 @@
     <p:extLst>
       <p:ext uri="{BB962C8B-B14F-4D97-AF65-F5344CB8AC3E}">
         <p14:creationId xmlns:p14="http://schemas.microsoft.com/office/powerpoint/2010/main" val="3625649633"/>
+      </p:ext>
+    </p:extLst>
+  </p:cSld>
+  <p:clrMapOvr>
+    <a:masterClrMapping/>
+  </p:clrMapOvr>
+  <p:timing>
+    <p:tnLst>
+      <p:par>
+        <p:cTn id="1" dur="indefinite" restart="never" nodeType="tmRoot"/>
+      </p:par>
+    </p:tnLst>
+  </p:timing>
+</p:sld>
+</file>
+
+<file path=ppt/slides/slide9.xml><?xml version="1.0" encoding="utf-8"?>
+<p:sld xmlns:a="http://schemas.openxmlformats.org/drawingml/2006/main" xmlns:r="http://schemas.openxmlformats.org/officeDocument/2006/relationships" xmlns:p="http://schemas.openxmlformats.org/presentationml/2006/main">
+  <p:cSld>
+    <p:spTree>
+      <p:nvGrpSpPr>
+        <p:cNvPr id="1" name=""/>
+        <p:cNvGrpSpPr/>
+        <p:nvPr/>
+      </p:nvGrpSpPr>
+      <p:grpSpPr>
+        <a:xfrm>
+          <a:off x="0" y="0"/>
+          <a:ext cx="0" cy="0"/>
+          <a:chOff x="0" y="0"/>
+          <a:chExt cx="0" cy="0"/>
+        </a:xfrm>
+      </p:grpSpPr>
+      <p:sp>
+        <p:nvSpPr>
+          <p:cNvPr id="129" name="직사각형 128">
+            <a:extLst>
+              <a:ext uri="{FF2B5EF4-FFF2-40B4-BE49-F238E27FC236}">
+                <a16:creationId xmlns="" xmlns:a16="http://schemas.microsoft.com/office/drawing/2014/main" id="{5F0B186A-DCA6-449E-954A-F4F42CC0D592}"/>
+              </a:ext>
+            </a:extLst>
+          </p:cNvPr>
+          <p:cNvSpPr/>
+          <p:nvPr/>
+        </p:nvSpPr>
+        <p:spPr>
+          <a:xfrm>
+            <a:off x="191342" y="160720"/>
+            <a:ext cx="4991065" cy="741040"/>
+          </a:xfrm>
+          <a:prstGeom prst="rect">
+            <a:avLst/>
+          </a:prstGeom>
+          <a:noFill/>
+          <a:ln>
+            <a:noFill/>
+          </a:ln>
+        </p:spPr>
+        <p:style>
+          <a:lnRef idx="2">
+            <a:schemeClr val="accent1">
+              <a:shade val="50000"/>
+            </a:schemeClr>
+          </a:lnRef>
+          <a:fillRef idx="1">
+            <a:schemeClr val="accent1"/>
+          </a:fillRef>
+          <a:effectRef idx="0">
+            <a:schemeClr val="accent1"/>
+          </a:effectRef>
+          <a:fontRef idx="minor">
+            <a:schemeClr val="lt1"/>
+          </a:fontRef>
+        </p:style>
+        <p:txBody>
+          <a:bodyPr rtlCol="0" anchor="ctr"/>
+          <a:lstStyle/>
+          <a:p>
+            <a:r>
+              <a:rPr lang="en-US" altLang="ko-KR" sz="3600" b="1" dirty="0" smtClean="0">
+                <a:solidFill>
+                  <a:srgbClr val="FFC000"/>
+                </a:solidFill>
+                <a:latin typeface="+mj-ea"/>
+                <a:ea typeface="+mj-ea"/>
+              </a:rPr>
+              <a:t>  02</a:t>
+            </a:r>
+          </a:p>
+          <a:p>
+            <a:r>
+              <a:rPr lang="en-US" altLang="ko-KR" sz="1100" b="1" dirty="0" smtClean="0">
+                <a:solidFill>
+                  <a:srgbClr val="FFC000"/>
+                </a:solidFill>
+                <a:latin typeface="+mj-ea"/>
+                <a:ea typeface="+mj-ea"/>
+              </a:rPr>
+              <a:t>RODEO </a:t>
+            </a:r>
+            <a:r>
+              <a:rPr lang="ko-KR" altLang="en-US" sz="1100" b="1" dirty="0" smtClean="0">
+                <a:solidFill>
+                  <a:srgbClr val="FFC000"/>
+                </a:solidFill>
+                <a:latin typeface="+mj-ea"/>
+                <a:ea typeface="+mj-ea"/>
+              </a:rPr>
+              <a:t>학습과정</a:t>
+            </a:r>
+            <a:endParaRPr lang="ko-KR" altLang="en-US" sz="2000" b="1" dirty="0">
+              <a:latin typeface="+mj-ea"/>
+              <a:ea typeface="+mj-ea"/>
+            </a:endParaRPr>
+          </a:p>
+        </p:txBody>
+      </p:sp>
+      <p:sp>
+        <p:nvSpPr>
+          <p:cNvPr id="1024" name="슬라이드 번호 개체 틀 1023">
+            <a:extLst>
+              <a:ext uri="{FF2B5EF4-FFF2-40B4-BE49-F238E27FC236}">
+                <a16:creationId xmlns="" xmlns:a16="http://schemas.microsoft.com/office/drawing/2014/main" id="{D7ECFDE3-EB78-4198-B1C1-7576EBEBD0EA}"/>
+              </a:ext>
+            </a:extLst>
+          </p:cNvPr>
+          <p:cNvSpPr>
+            <a:spLocks noGrp="1"/>
+          </p:cNvSpPr>
+          <p:nvPr>
+            <p:ph type="sldNum" sz="quarter" idx="12"/>
+          </p:nvPr>
+        </p:nvSpPr>
+        <p:spPr>
+          <a:xfrm>
+            <a:off x="11234109" y="6388325"/>
+            <a:ext cx="753545" cy="365125"/>
+          </a:xfrm>
+        </p:spPr>
+        <p:txBody>
+          <a:bodyPr/>
+          <a:lstStyle/>
+          <a:p>
+            <a:fld id="{F4ABE7AD-7D80-45E6-9B72-991AAE1BF4C2}" type="slidenum">
+              <a:rPr lang="ko-KR" altLang="en-US" smtClean="0"/>
+              <a:t>9</a:t>
+            </a:fld>
+            <a:endParaRPr lang="ko-KR" altLang="en-US"/>
+          </a:p>
+        </p:txBody>
+      </p:sp>
+      <p:sp>
+        <p:nvSpPr>
+          <p:cNvPr id="62" name="직사각형 61">
+            <a:extLst>
+              <a:ext uri="{FF2B5EF4-FFF2-40B4-BE49-F238E27FC236}">
+                <a16:creationId xmlns="" xmlns:a16="http://schemas.microsoft.com/office/drawing/2014/main" id="{70B01BF8-29D3-4D23-BC64-0489F3113852}"/>
+              </a:ext>
+            </a:extLst>
+          </p:cNvPr>
+          <p:cNvSpPr/>
+          <p:nvPr/>
+        </p:nvSpPr>
+        <p:spPr>
+          <a:xfrm>
+            <a:off x="-143" y="1019614"/>
+            <a:ext cx="12192000" cy="5256584"/>
+          </a:xfrm>
+          <a:prstGeom prst="rect">
+            <a:avLst/>
+          </a:prstGeom>
+          <a:solidFill>
+            <a:schemeClr val="tx1"/>
+          </a:solidFill>
+          <a:ln>
+            <a:noFill/>
+          </a:ln>
+        </p:spPr>
+        <p:style>
+          <a:lnRef idx="2">
+            <a:schemeClr val="accent1">
+              <a:shade val="50000"/>
+            </a:schemeClr>
+          </a:lnRef>
+          <a:fillRef idx="1">
+            <a:schemeClr val="accent1"/>
+          </a:fillRef>
+          <a:effectRef idx="0">
+            <a:schemeClr val="accent1"/>
+          </a:effectRef>
+          <a:fontRef idx="minor">
+            <a:schemeClr val="lt1"/>
+          </a:fontRef>
+        </p:style>
+        <p:txBody>
+          <a:bodyPr rtlCol="0" anchor="ctr"/>
+          <a:lstStyle/>
+          <a:p>
+            <a:pPr algn="ctr"/>
+            <a:endParaRPr lang="ko-KR" altLang="en-US"/>
+          </a:p>
+        </p:txBody>
+      </p:sp>
+      <p:pic>
+        <p:nvPicPr>
+          <p:cNvPr id="8" name="Picture 2" descr="롯데정보통신, '랄프체인'으로 블록체인 Si 솔루션 도전"/>
+          <p:cNvPicPr>
+            <a:picLocks noChangeAspect="1" noChangeArrowheads="1"/>
+          </p:cNvPicPr>
+          <p:nvPr/>
+        </p:nvPicPr>
+        <p:blipFill rotWithShape="1">
+          <a:blip r:embed="rId2" cstate="print">
+            <a:extLst>
+              <a:ext uri="{28A0092B-C50C-407E-A947-70E740481C1C}">
+                <a14:useLocalDpi xmlns:a14="http://schemas.microsoft.com/office/drawing/2010/main" val="0"/>
+              </a:ext>
+            </a:extLst>
+          </a:blip>
+          <a:srcRect t="20471"/>
+          <a:stretch/>
+        </p:blipFill>
+        <p:spPr bwMode="auto">
+          <a:xfrm>
+            <a:off x="9624392" y="116632"/>
+            <a:ext cx="2448272" cy="869700"/>
+          </a:xfrm>
+          <a:prstGeom prst="rect">
+            <a:avLst/>
+          </a:prstGeom>
+          <a:solidFill>
+            <a:srgbClr val="FF0000"/>
+          </a:solidFill>
+          <a:effectLst>
+            <a:softEdge rad="127000"/>
+          </a:effectLst>
+        </p:spPr>
+      </p:pic>
+      <p:sp>
+        <p:nvSpPr>
+          <p:cNvPr id="2" name="TextBox 1"/>
+          <p:cNvSpPr txBox="1"/>
+          <p:nvPr/>
+        </p:nvSpPr>
+        <p:spPr>
+          <a:xfrm>
+            <a:off x="551384" y="1412776"/>
+            <a:ext cx="10513168" cy="4616648"/>
+          </a:xfrm>
+          <a:prstGeom prst="rect">
+            <a:avLst/>
+          </a:prstGeom>
+          <a:noFill/>
+        </p:spPr>
+        <p:txBody>
+          <a:bodyPr wrap="square" rtlCol="0">
+            <a:spAutoFit/>
+          </a:bodyPr>
+          <a:lstStyle/>
+          <a:p>
+            <a:pPr>
+              <a:lnSpc>
+                <a:spcPct val="200000"/>
+              </a:lnSpc>
+            </a:pPr>
+            <a:r>
+              <a:rPr lang="en-US" altLang="ko-KR" dirty="0" smtClean="0">
+                <a:solidFill>
+                  <a:schemeClr val="bg1"/>
+                </a:solidFill>
+                <a:latin typeface="+mn-ea"/>
+              </a:rPr>
+              <a:t>1)  </a:t>
+            </a:r>
+            <a:r>
+              <a:rPr lang="ko-KR" altLang="en-US" dirty="0" smtClean="0">
+                <a:solidFill>
+                  <a:schemeClr val="bg1"/>
+                </a:solidFill>
+                <a:latin typeface="+mn-ea"/>
+              </a:rPr>
+              <a:t>특징</a:t>
+            </a:r>
+            <a:endParaRPr lang="en-US" altLang="ko-KR" dirty="0" smtClean="0">
+              <a:solidFill>
+                <a:schemeClr val="bg1"/>
+              </a:solidFill>
+              <a:latin typeface="+mn-ea"/>
+            </a:endParaRPr>
+          </a:p>
+          <a:p>
+            <a:pPr marL="285750" indent="-285750">
+              <a:lnSpc>
+                <a:spcPct val="300000"/>
+              </a:lnSpc>
+              <a:buFontTx/>
+              <a:buChar char="-"/>
+            </a:pPr>
+            <a:r>
+              <a:rPr lang="en-US" altLang="ko-KR" dirty="0" smtClean="0">
+                <a:solidFill>
+                  <a:schemeClr val="bg1"/>
+                </a:solidFill>
+                <a:latin typeface="+mn-ea"/>
+                <a:sym typeface="Wingdings" panose="05000000000000000000" pitchFamily="2" charset="2"/>
+              </a:rPr>
+              <a:t>Example </a:t>
+            </a:r>
+            <a:r>
+              <a:rPr lang="ko-KR" altLang="en-US" dirty="0" smtClean="0">
+                <a:solidFill>
+                  <a:schemeClr val="bg1"/>
+                </a:solidFill>
+                <a:latin typeface="+mn-ea"/>
+                <a:sym typeface="Wingdings" panose="05000000000000000000" pitchFamily="2" charset="2"/>
+              </a:rPr>
+              <a:t>을 한 번에 하나씩 학습하는 방식이 적용 </a:t>
+            </a:r>
+            <a:r>
+              <a:rPr lang="en-US" altLang="ko-KR" dirty="0" smtClean="0">
+                <a:solidFill>
+                  <a:schemeClr val="bg1"/>
+                </a:solidFill>
+                <a:latin typeface="+mn-ea"/>
+                <a:sym typeface="Wingdings" panose="05000000000000000000" pitchFamily="2" charset="2"/>
+              </a:rPr>
+              <a:t>: Online Object Detection</a:t>
+            </a:r>
+          </a:p>
+          <a:p>
+            <a:pPr marL="285750" indent="-285750">
+              <a:lnSpc>
+                <a:spcPct val="300000"/>
+              </a:lnSpc>
+              <a:buFontTx/>
+              <a:buChar char="-"/>
+            </a:pPr>
+            <a:r>
+              <a:rPr lang="ko-KR" altLang="en-US" dirty="0" smtClean="0">
+                <a:solidFill>
+                  <a:schemeClr val="bg1"/>
+                </a:solidFill>
+                <a:latin typeface="+mn-ea"/>
+                <a:sym typeface="Wingdings" panose="05000000000000000000" pitchFamily="2" charset="2"/>
+              </a:rPr>
+              <a:t>즉</a:t>
+            </a:r>
+            <a:r>
+              <a:rPr lang="en-US" altLang="ko-KR" dirty="0" smtClean="0">
+                <a:solidFill>
+                  <a:schemeClr val="bg1"/>
+                </a:solidFill>
+                <a:latin typeface="+mn-ea"/>
+                <a:sym typeface="Wingdings" panose="05000000000000000000" pitchFamily="2" charset="2"/>
+              </a:rPr>
+              <a:t>, </a:t>
+            </a:r>
+            <a:r>
+              <a:rPr lang="ko-KR" altLang="en-US" dirty="0" smtClean="0">
+                <a:solidFill>
+                  <a:schemeClr val="bg1"/>
+                </a:solidFill>
+                <a:latin typeface="+mn-ea"/>
+                <a:sym typeface="Wingdings" panose="05000000000000000000" pitchFamily="2" charset="2"/>
+              </a:rPr>
+              <a:t>새로운 </a:t>
+            </a:r>
+            <a:r>
+              <a:rPr lang="en-US" altLang="ko-KR" dirty="0" smtClean="0">
+                <a:solidFill>
+                  <a:schemeClr val="bg1"/>
+                </a:solidFill>
+                <a:latin typeface="+mn-ea"/>
+                <a:sym typeface="Wingdings" panose="05000000000000000000" pitchFamily="2" charset="2"/>
+              </a:rPr>
+              <a:t>object </a:t>
+            </a:r>
+            <a:r>
+              <a:rPr lang="ko-KR" altLang="en-US" dirty="0" smtClean="0">
+                <a:solidFill>
+                  <a:schemeClr val="bg1"/>
+                </a:solidFill>
+                <a:latin typeface="+mn-ea"/>
+                <a:sym typeface="Wingdings" panose="05000000000000000000" pitchFamily="2" charset="2"/>
+              </a:rPr>
+              <a:t>가 관찰되는 경우 새롭게 업데이트 가능</a:t>
+            </a:r>
+            <a:endParaRPr lang="en-US" altLang="ko-KR" dirty="0" smtClean="0">
+              <a:solidFill>
+                <a:schemeClr val="bg1"/>
+              </a:solidFill>
+              <a:latin typeface="+mn-ea"/>
+              <a:sym typeface="Wingdings" panose="05000000000000000000" pitchFamily="2" charset="2"/>
+            </a:endParaRPr>
+          </a:p>
+          <a:p>
+            <a:pPr marL="285750" indent="-285750">
+              <a:lnSpc>
+                <a:spcPct val="300000"/>
+              </a:lnSpc>
+              <a:buFontTx/>
+              <a:buChar char="-"/>
+            </a:pPr>
+            <a:r>
+              <a:rPr lang="en-US" altLang="ko-KR" dirty="0" smtClean="0">
+                <a:solidFill>
+                  <a:schemeClr val="bg1"/>
+                </a:solidFill>
+                <a:latin typeface="+mn-ea"/>
+                <a:sym typeface="Wingdings" panose="05000000000000000000" pitchFamily="2" charset="2"/>
+              </a:rPr>
+              <a:t>Incremental batch </a:t>
+            </a:r>
+            <a:r>
+              <a:rPr lang="ko-KR" altLang="en-US" dirty="0" smtClean="0">
+                <a:solidFill>
+                  <a:schemeClr val="bg1"/>
+                </a:solidFill>
+                <a:latin typeface="+mn-ea"/>
+                <a:sym typeface="Wingdings" panose="05000000000000000000" pitchFamily="2" charset="2"/>
+              </a:rPr>
+              <a:t>방식보다 </a:t>
+            </a:r>
+            <a:r>
+              <a:rPr lang="en-US" altLang="ko-KR" dirty="0" smtClean="0">
+                <a:solidFill>
+                  <a:schemeClr val="bg1"/>
+                </a:solidFill>
+                <a:latin typeface="+mn-ea"/>
+                <a:sym typeface="Wingdings" panose="05000000000000000000" pitchFamily="2" charset="2"/>
+              </a:rPr>
+              <a:t>real-time application</a:t>
+            </a:r>
+            <a:r>
+              <a:rPr lang="ko-KR" altLang="en-US" dirty="0" smtClean="0">
+                <a:solidFill>
+                  <a:schemeClr val="bg1"/>
+                </a:solidFill>
+                <a:latin typeface="+mn-ea"/>
+                <a:sym typeface="Wingdings" panose="05000000000000000000" pitchFamily="2" charset="2"/>
+              </a:rPr>
+              <a:t>에 적용하기 더욱 좋음</a:t>
+            </a:r>
+            <a:r>
+              <a:rPr lang="en-US" altLang="ko-KR" dirty="0" smtClean="0">
+                <a:solidFill>
+                  <a:schemeClr val="bg1"/>
+                </a:solidFill>
+                <a:latin typeface="+mn-ea"/>
+                <a:sym typeface="Wingdings" panose="05000000000000000000" pitchFamily="2" charset="2"/>
+              </a:rPr>
+              <a:t/>
+            </a:r>
+            <a:br>
+              <a:rPr lang="en-US" altLang="ko-KR" dirty="0" smtClean="0">
+                <a:solidFill>
+                  <a:schemeClr val="bg1"/>
+                </a:solidFill>
+                <a:latin typeface="+mn-ea"/>
+                <a:sym typeface="Wingdings" panose="05000000000000000000" pitchFamily="2" charset="2"/>
+              </a:rPr>
+            </a:br>
+            <a:r>
+              <a:rPr lang="en-US" altLang="ko-KR" dirty="0" smtClean="0">
+                <a:solidFill>
+                  <a:schemeClr val="bg1"/>
+                </a:solidFill>
+                <a:latin typeface="+mn-ea"/>
+                <a:sym typeface="Wingdings" panose="05000000000000000000" pitchFamily="2" charset="2"/>
+              </a:rPr>
+              <a:t/>
+            </a:r>
+            <a:br>
+              <a:rPr lang="en-US" altLang="ko-KR" dirty="0" smtClean="0">
+                <a:solidFill>
+                  <a:schemeClr val="bg1"/>
+                </a:solidFill>
+                <a:latin typeface="+mn-ea"/>
+                <a:sym typeface="Wingdings" panose="05000000000000000000" pitchFamily="2" charset="2"/>
+              </a:rPr>
+            </a:br>
+            <a:endParaRPr lang="ko-KR" altLang="en-US" sz="1400" b="1" u="sng" dirty="0">
+              <a:solidFill>
+                <a:schemeClr val="bg1"/>
+              </a:solidFill>
+              <a:latin typeface="+mn-ea"/>
+            </a:endParaRPr>
+          </a:p>
+        </p:txBody>
+      </p:sp>
+      <p:sp>
+        <p:nvSpPr>
+          <p:cNvPr id="3" name="TextBox 2"/>
+          <p:cNvSpPr txBox="1"/>
+          <p:nvPr/>
+        </p:nvSpPr>
+        <p:spPr>
+          <a:xfrm>
+            <a:off x="1570832" y="366816"/>
+            <a:ext cx="2664296" cy="369332"/>
+          </a:xfrm>
+          <a:prstGeom prst="rect">
+            <a:avLst/>
+          </a:prstGeom>
+          <a:noFill/>
+        </p:spPr>
+        <p:txBody>
+          <a:bodyPr wrap="square" rtlCol="0">
+            <a:spAutoFit/>
+          </a:bodyPr>
+          <a:lstStyle/>
+          <a:p>
+            <a:r>
+              <a:rPr lang="en-US" altLang="ko-KR" b="1" dirty="0" smtClean="0">
+                <a:latin typeface="+mj-ea"/>
+              </a:rPr>
+              <a:t>1) </a:t>
+            </a:r>
+            <a:r>
+              <a:rPr lang="ko-KR" altLang="en-US" b="1" dirty="0" smtClean="0">
+                <a:latin typeface="+mj-ea"/>
+              </a:rPr>
+              <a:t>특징</a:t>
+            </a:r>
+            <a:endParaRPr lang="ko-KR" altLang="en-US" b="1" dirty="0">
+              <a:latin typeface="+mj-ea"/>
+            </a:endParaRPr>
+          </a:p>
+        </p:txBody>
+      </p:sp>
+    </p:spTree>
+    <p:extLst>
+      <p:ext uri="{BB962C8B-B14F-4D97-AF65-F5344CB8AC3E}">
+        <p14:creationId xmlns:p14="http://schemas.microsoft.com/office/powerpoint/2010/main" val="3790195216"/>
       </p:ext>
     </p:extLst>
   </p:cSld>
@@ -21428,7 +21174,7 @@
   <a:extraClrSchemeLst/>
   <a:extLst>
     <a:ext uri="{05A4C25C-085E-4340-85A3-A5531E510DB2}">
-      <thm15:themeFamily xmlns:thm15="http://schemas.microsoft.com/office/thememl/2012/main" xmlns="" name="Ion" id="{B8441ADB-2E43-4AF7-B97A-BD870242C6A8}" vid="{5A2F9111-B2DB-470C-BA56-608F9B658826}"/>
+      <thm15:themeFamily xmlns="" xmlns:thm15="http://schemas.microsoft.com/office/thememl/2012/main" name="Ion" id="{B8441ADB-2E43-4AF7-B97A-BD870242C6A8}" vid="{5A2F9111-B2DB-470C-BA56-608F9B658826}"/>
     </a:ext>
   </a:extLst>
 </a:theme>
@@ -21723,7 +21469,7 @@
   <a:extraClrSchemeLst/>
   <a:extLst>
     <a:ext uri="{05A4C25C-085E-4340-85A3-A5531E510DB2}">
-      <thm15:themeFamily xmlns:thm15="http://schemas.microsoft.com/office/thememl/2012/main" xmlns="" name="Office Theme" id="{62F939B6-93AF-4DB8-9C6B-D6C7DFDC589F}" vid="{4A3C46E8-61CC-4603-A589-7422A47A8E4A}"/>
+      <thm15:themeFamily xmlns="" xmlns:thm15="http://schemas.microsoft.com/office/thememl/2012/main" name="Office Theme" id="{62F939B6-93AF-4DB8-9C6B-D6C7DFDC589F}" vid="{4A3C46E8-61CC-4603-A589-7422A47A8E4A}"/>
     </a:ext>
   </a:extLst>
 </a:theme>
